--- a/static/images/pitch.pptx
+++ b/static/images/pitch.pptx
@@ -5,20 +5,24 @@
     <p:sldMasterId id="2147483648" r:id="rId1"/>
   </p:sldMasterIdLst>
   <p:sldIdLst>
-    <p:sldId id="256" r:id="rId2"/>
-    <p:sldId id="259" r:id="rId3"/>
-    <p:sldId id="269" r:id="rId4"/>
-    <p:sldId id="270" r:id="rId5"/>
-    <p:sldId id="264" r:id="rId6"/>
-    <p:sldId id="267" r:id="rId7"/>
-    <p:sldId id="266" r:id="rId8"/>
-    <p:sldId id="257" r:id="rId9"/>
-    <p:sldId id="261" r:id="rId10"/>
-    <p:sldId id="260" r:id="rId11"/>
-    <p:sldId id="262" r:id="rId12"/>
-    <p:sldId id="265" r:id="rId13"/>
-    <p:sldId id="258" r:id="rId14"/>
-    <p:sldId id="263" r:id="rId15"/>
+    <p:sldId id="271" r:id="rId2"/>
+    <p:sldId id="272" r:id="rId3"/>
+    <p:sldId id="274" r:id="rId4"/>
+    <p:sldId id="273" r:id="rId5"/>
+    <p:sldId id="256" r:id="rId6"/>
+    <p:sldId id="259" r:id="rId7"/>
+    <p:sldId id="269" r:id="rId8"/>
+    <p:sldId id="270" r:id="rId9"/>
+    <p:sldId id="264" r:id="rId10"/>
+    <p:sldId id="267" r:id="rId11"/>
+    <p:sldId id="266" r:id="rId12"/>
+    <p:sldId id="257" r:id="rId13"/>
+    <p:sldId id="261" r:id="rId14"/>
+    <p:sldId id="260" r:id="rId15"/>
+    <p:sldId id="262" r:id="rId16"/>
+    <p:sldId id="265" r:id="rId17"/>
+    <p:sldId id="258" r:id="rId18"/>
+    <p:sldId id="263" r:id="rId19"/>
   </p:sldIdLst>
   <p:sldSz cx="12192000" cy="6858000"/>
   <p:notesSz cx="6858000" cy="9144000"/>
@@ -125,12 +129,12 @@
   <pc:docChgLst>
     <pc:chgData name="McGuire, William" userId="b57b71b3-2582-4369-b5c7-eb94d03fb1e7" providerId="ADAL" clId="{5E73F4D4-0C21-43A7-943D-72FAC8EA5892}"/>
     <pc:docChg chg="undo custSel addSld delSld modSld sldOrd modMainMaster">
-      <pc:chgData name="McGuire, William" userId="b57b71b3-2582-4369-b5c7-eb94d03fb1e7" providerId="ADAL" clId="{5E73F4D4-0C21-43A7-943D-72FAC8EA5892}" dt="2018-02-18T05:53:45.814" v="5431" actId="20577"/>
+      <pc:chgData name="McGuire, William" userId="b57b71b3-2582-4369-b5c7-eb94d03fb1e7" providerId="ADAL" clId="{5E73F4D4-0C21-43A7-943D-72FAC8EA5892}" dt="2018-02-18T07:21:53.366" v="7155" actId="1035"/>
       <pc:docMkLst>
         <pc:docMk/>
       </pc:docMkLst>
       <pc:sldChg chg="addSp delSp modSp add">
-        <pc:chgData name="McGuire, William" userId="b57b71b3-2582-4369-b5c7-eb94d03fb1e7" providerId="ADAL" clId="{5E73F4D4-0C21-43A7-943D-72FAC8EA5892}" dt="2018-02-17T19:47:55.568" v="3990" actId="20577"/>
+        <pc:chgData name="McGuire, William" userId="b57b71b3-2582-4369-b5c7-eb94d03fb1e7" providerId="ADAL" clId="{5E73F4D4-0C21-43A7-943D-72FAC8EA5892}" dt="2018-02-18T06:08:41.353" v="5432" actId="165"/>
         <pc:sldMkLst>
           <pc:docMk/>
           <pc:sldMk cId="3386298081" sldId="256"/>
@@ -175,32 +179,32 @@
             <ac:spMk id="11" creationId="{D7ABF69E-09EC-42C8-B09D-DA55F04E4D4D}"/>
           </ac:spMkLst>
         </pc:spChg>
-        <pc:spChg chg="add mod">
-          <ac:chgData name="McGuire, William" userId="b57b71b3-2582-4369-b5c7-eb94d03fb1e7" providerId="ADAL" clId="{5E73F4D4-0C21-43A7-943D-72FAC8EA5892}" dt="2018-02-17T18:29:30.219" v="2721" actId="164"/>
+        <pc:spChg chg="add mod topLvl">
+          <ac:chgData name="McGuire, William" userId="b57b71b3-2582-4369-b5c7-eb94d03fb1e7" providerId="ADAL" clId="{5E73F4D4-0C21-43A7-943D-72FAC8EA5892}" dt="2018-02-18T06:08:41.353" v="5432" actId="165"/>
           <ac:spMkLst>
             <pc:docMk/>
             <pc:sldMk cId="3386298081" sldId="256"/>
             <ac:spMk id="12" creationId="{D63501FD-4928-4372-9449-DED9F0C80AF8}"/>
           </ac:spMkLst>
         </pc:spChg>
-        <pc:spChg chg="add mod">
-          <ac:chgData name="McGuire, William" userId="b57b71b3-2582-4369-b5c7-eb94d03fb1e7" providerId="ADAL" clId="{5E73F4D4-0C21-43A7-943D-72FAC8EA5892}" dt="2018-02-17T18:29:30.219" v="2721" actId="164"/>
+        <pc:spChg chg="add mod topLvl">
+          <ac:chgData name="McGuire, William" userId="b57b71b3-2582-4369-b5c7-eb94d03fb1e7" providerId="ADAL" clId="{5E73F4D4-0C21-43A7-943D-72FAC8EA5892}" dt="2018-02-18T06:08:41.353" v="5432" actId="165"/>
           <ac:spMkLst>
             <pc:docMk/>
             <pc:sldMk cId="3386298081" sldId="256"/>
             <ac:spMk id="13" creationId="{F51D73D5-D697-4130-8C57-A2FA8AD12F9C}"/>
           </ac:spMkLst>
         </pc:spChg>
-        <pc:spChg chg="add mod">
-          <ac:chgData name="McGuire, William" userId="b57b71b3-2582-4369-b5c7-eb94d03fb1e7" providerId="ADAL" clId="{5E73F4D4-0C21-43A7-943D-72FAC8EA5892}" dt="2018-02-17T18:29:30.219" v="2721" actId="164"/>
+        <pc:spChg chg="add mod topLvl">
+          <ac:chgData name="McGuire, William" userId="b57b71b3-2582-4369-b5c7-eb94d03fb1e7" providerId="ADAL" clId="{5E73F4D4-0C21-43A7-943D-72FAC8EA5892}" dt="2018-02-18T06:08:41.353" v="5432" actId="165"/>
           <ac:spMkLst>
             <pc:docMk/>
             <pc:sldMk cId="3386298081" sldId="256"/>
             <ac:spMk id="15" creationId="{2BB840A6-94A3-4ADA-ABE6-196CDE86FED4}"/>
           </ac:spMkLst>
         </pc:spChg>
-        <pc:spChg chg="add mod">
-          <ac:chgData name="McGuire, William" userId="b57b71b3-2582-4369-b5c7-eb94d03fb1e7" providerId="ADAL" clId="{5E73F4D4-0C21-43A7-943D-72FAC8EA5892}" dt="2018-02-17T18:29:30.219" v="2721" actId="164"/>
+        <pc:spChg chg="add mod topLvl">
+          <ac:chgData name="McGuire, William" userId="b57b71b3-2582-4369-b5c7-eb94d03fb1e7" providerId="ADAL" clId="{5E73F4D4-0C21-43A7-943D-72FAC8EA5892}" dt="2018-02-18T06:08:41.353" v="5432" actId="165"/>
           <ac:spMkLst>
             <pc:docMk/>
             <pc:sldMk cId="3386298081" sldId="256"/>
@@ -247,8 +251,8 @@
             <ac:spMk id="25" creationId="{964ACAB4-CA92-49A8-82A3-FC52C5DEE1A8}"/>
           </ac:spMkLst>
         </pc:spChg>
-        <pc:grpChg chg="add mod">
-          <ac:chgData name="McGuire, William" userId="b57b71b3-2582-4369-b5c7-eb94d03fb1e7" providerId="ADAL" clId="{5E73F4D4-0C21-43A7-943D-72FAC8EA5892}" dt="2018-02-17T18:29:30.219" v="2721" actId="164"/>
+        <pc:grpChg chg="add del mod">
+          <ac:chgData name="McGuire, William" userId="b57b71b3-2582-4369-b5c7-eb94d03fb1e7" providerId="ADAL" clId="{5E73F4D4-0C21-43A7-943D-72FAC8EA5892}" dt="2018-02-18T06:08:41.353" v="5432" actId="165"/>
           <ac:grpSpMkLst>
             <pc:docMk/>
             <pc:sldMk cId="3386298081" sldId="256"/>
@@ -287,8 +291,8 @@
             <ac:picMk id="10" creationId="{72A5A0B8-9716-4363-B205-388DCD3A2F84}"/>
           </ac:picMkLst>
         </pc:picChg>
-        <pc:picChg chg="add mod">
-          <ac:chgData name="McGuire, William" userId="b57b71b3-2582-4369-b5c7-eb94d03fb1e7" providerId="ADAL" clId="{5E73F4D4-0C21-43A7-943D-72FAC8EA5892}" dt="2018-02-17T18:29:30.219" v="2721" actId="164"/>
+        <pc:picChg chg="add mod topLvl">
+          <ac:chgData name="McGuire, William" userId="b57b71b3-2582-4369-b5c7-eb94d03fb1e7" providerId="ADAL" clId="{5E73F4D4-0C21-43A7-943D-72FAC8EA5892}" dt="2018-02-18T06:08:41.353" v="5432" actId="165"/>
           <ac:picMkLst>
             <pc:docMk/>
             <pc:sldMk cId="3386298081" sldId="256"/>
@@ -1721,6 +1725,346 @@
           <pc:docMk/>
           <pc:sldMk cId="401183394" sldId="270"/>
         </pc:sldMkLst>
+      </pc:sldChg>
+      <pc:sldChg chg="addSp delSp modSp add ord">
+        <pc:chgData name="McGuire, William" userId="b57b71b3-2582-4369-b5c7-eb94d03fb1e7" providerId="ADAL" clId="{5E73F4D4-0C21-43A7-943D-72FAC8EA5892}" dt="2018-02-18T07:21:53.366" v="7155" actId="1035"/>
+        <pc:sldMkLst>
+          <pc:docMk/>
+          <pc:sldMk cId="573826110" sldId="271"/>
+        </pc:sldMkLst>
+        <pc:spChg chg="del mod">
+          <ac:chgData name="McGuire, William" userId="b57b71b3-2582-4369-b5c7-eb94d03fb1e7" providerId="ADAL" clId="{5E73F4D4-0C21-43A7-943D-72FAC8EA5892}" dt="2018-02-18T07:21:13.175" v="7149" actId="478"/>
+          <ac:spMkLst>
+            <pc:docMk/>
+            <pc:sldMk cId="573826110" sldId="271"/>
+            <ac:spMk id="2" creationId="{18F74812-D8BA-453B-A2E9-322F4882F865}"/>
+          </ac:spMkLst>
+        </pc:spChg>
+        <pc:spChg chg="add del mod">
+          <ac:chgData name="McGuire, William" userId="b57b71b3-2582-4369-b5c7-eb94d03fb1e7" providerId="ADAL" clId="{5E73F4D4-0C21-43A7-943D-72FAC8EA5892}" dt="2018-02-18T07:21:19.018" v="7151" actId="478"/>
+          <ac:spMkLst>
+            <pc:docMk/>
+            <pc:sldMk cId="573826110" sldId="271"/>
+            <ac:spMk id="4" creationId="{AA3C0D50-97B4-4BD3-B2D1-2B19DDBE9E25}"/>
+          </ac:spMkLst>
+        </pc:spChg>
+        <pc:spChg chg="del">
+          <ac:chgData name="McGuire, William" userId="b57b71b3-2582-4369-b5c7-eb94d03fb1e7" providerId="ADAL" clId="{5E73F4D4-0C21-43A7-943D-72FAC8EA5892}" dt="2018-02-18T06:09:16.745" v="5449" actId="478"/>
+          <ac:spMkLst>
+            <pc:docMk/>
+            <pc:sldMk cId="573826110" sldId="271"/>
+            <ac:spMk id="11" creationId="{D7ABF69E-09EC-42C8-B09D-DA55F04E4D4D}"/>
+          </ac:spMkLst>
+        </pc:spChg>
+        <pc:spChg chg="mod">
+          <ac:chgData name="McGuire, William" userId="b57b71b3-2582-4369-b5c7-eb94d03fb1e7" providerId="ADAL" clId="{5E73F4D4-0C21-43A7-943D-72FAC8EA5892}" dt="2018-02-18T06:59:31.972" v="6316" actId="20577"/>
+          <ac:spMkLst>
+            <pc:docMk/>
+            <pc:sldMk cId="573826110" sldId="271"/>
+            <ac:spMk id="12" creationId="{D63501FD-4928-4372-9449-DED9F0C80AF8}"/>
+          </ac:spMkLst>
+        </pc:spChg>
+        <pc:spChg chg="mod">
+          <ac:chgData name="McGuire, William" userId="b57b71b3-2582-4369-b5c7-eb94d03fb1e7" providerId="ADAL" clId="{5E73F4D4-0C21-43A7-943D-72FAC8EA5892}" dt="2018-02-18T06:44:34.427" v="6175"/>
+          <ac:spMkLst>
+            <pc:docMk/>
+            <pc:sldMk cId="573826110" sldId="271"/>
+            <ac:spMk id="17" creationId="{AAB942D6-A9CC-4286-BCDD-8838FB41ED5F}"/>
+          </ac:spMkLst>
+        </pc:spChg>
+        <pc:spChg chg="add mod ord">
+          <ac:chgData name="McGuire, William" userId="b57b71b3-2582-4369-b5c7-eb94d03fb1e7" providerId="ADAL" clId="{5E73F4D4-0C21-43A7-943D-72FAC8EA5892}" dt="2018-02-18T06:44:49.168" v="6179" actId="1076"/>
+          <ac:spMkLst>
+            <pc:docMk/>
+            <pc:sldMk cId="573826110" sldId="271"/>
+            <ac:spMk id="19" creationId="{CFA20CAA-A085-42A8-B9AD-89712BABED39}"/>
+          </ac:spMkLst>
+        </pc:spChg>
+        <pc:spChg chg="add mod">
+          <ac:chgData name="McGuire, William" userId="b57b71b3-2582-4369-b5c7-eb94d03fb1e7" providerId="ADAL" clId="{5E73F4D4-0C21-43A7-943D-72FAC8EA5892}" dt="2018-02-18T06:44:56.331" v="6181"/>
+          <ac:spMkLst>
+            <pc:docMk/>
+            <pc:sldMk cId="573826110" sldId="271"/>
+            <ac:spMk id="20" creationId="{C33BF160-F2E3-4E2F-9A7E-EAB4DBF3F02B}"/>
+          </ac:spMkLst>
+        </pc:spChg>
+        <pc:spChg chg="add mod">
+          <ac:chgData name="McGuire, William" userId="b57b71b3-2582-4369-b5c7-eb94d03fb1e7" providerId="ADAL" clId="{5E73F4D4-0C21-43A7-943D-72FAC8EA5892}" dt="2018-02-18T06:47:11.130" v="6233" actId="20577"/>
+          <ac:spMkLst>
+            <pc:docMk/>
+            <pc:sldMk cId="573826110" sldId="271"/>
+            <ac:spMk id="22" creationId="{C401907F-6403-482A-81BC-F08CF1EAA2F3}"/>
+          </ac:spMkLst>
+        </pc:spChg>
+        <pc:spChg chg="mod">
+          <ac:chgData name="McGuire, William" userId="b57b71b3-2582-4369-b5c7-eb94d03fb1e7" providerId="ADAL" clId="{5E73F4D4-0C21-43A7-943D-72FAC8EA5892}" dt="2018-02-18T06:48:30.826" v="6309" actId="14100"/>
+          <ac:spMkLst>
+            <pc:docMk/>
+            <pc:sldMk cId="573826110" sldId="271"/>
+            <ac:spMk id="23" creationId="{4CD3CDB6-EB20-4C63-91F8-3072EE4BA0F1}"/>
+          </ac:spMkLst>
+        </pc:spChg>
+        <pc:spChg chg="mod">
+          <ac:chgData name="McGuire, William" userId="b57b71b3-2582-4369-b5c7-eb94d03fb1e7" providerId="ADAL" clId="{5E73F4D4-0C21-43A7-943D-72FAC8EA5892}" dt="2018-02-18T06:29:04.813" v="5987" actId="113"/>
+          <ac:spMkLst>
+            <pc:docMk/>
+            <pc:sldMk cId="573826110" sldId="271"/>
+            <ac:spMk id="25" creationId="{964ACAB4-CA92-49A8-82A3-FC52C5DEE1A8}"/>
+          </ac:spMkLst>
+        </pc:spChg>
+        <pc:spChg chg="add mod">
+          <ac:chgData name="McGuire, William" userId="b57b71b3-2582-4369-b5c7-eb94d03fb1e7" providerId="ADAL" clId="{5E73F4D4-0C21-43A7-943D-72FAC8EA5892}" dt="2018-02-18T06:49:20.158" v="6310" actId="6549"/>
+          <ac:spMkLst>
+            <pc:docMk/>
+            <pc:sldMk cId="573826110" sldId="271"/>
+            <ac:spMk id="26" creationId="{34129356-715B-47B2-A001-25D27A3A664C}"/>
+          </ac:spMkLst>
+        </pc:spChg>
+        <pc:spChg chg="add mod">
+          <ac:chgData name="McGuire, William" userId="b57b71b3-2582-4369-b5c7-eb94d03fb1e7" providerId="ADAL" clId="{5E73F4D4-0C21-43A7-943D-72FAC8EA5892}" dt="2018-02-18T07:20:50.519" v="7146" actId="27636"/>
+          <ac:spMkLst>
+            <pc:docMk/>
+            <pc:sldMk cId="573826110" sldId="271"/>
+            <ac:spMk id="27" creationId="{7DC043B5-E110-487A-9F59-D598692A9F23}"/>
+          </ac:spMkLst>
+        </pc:spChg>
+        <pc:spChg chg="add mod">
+          <ac:chgData name="McGuire, William" userId="b57b71b3-2582-4369-b5c7-eb94d03fb1e7" providerId="ADAL" clId="{5E73F4D4-0C21-43A7-943D-72FAC8EA5892}" dt="2018-02-18T07:21:53.366" v="7155" actId="1035"/>
+          <ac:spMkLst>
+            <pc:docMk/>
+            <pc:sldMk cId="573826110" sldId="271"/>
+            <ac:spMk id="28" creationId="{4947501D-CB01-4F7F-9E38-B44793F45933}"/>
+          </ac:spMkLst>
+        </pc:spChg>
+        <pc:picChg chg="ord">
+          <ac:chgData name="McGuire, William" userId="b57b71b3-2582-4369-b5c7-eb94d03fb1e7" providerId="ADAL" clId="{5E73F4D4-0C21-43A7-943D-72FAC8EA5892}" dt="2018-02-18T06:27:24.126" v="5897" actId="167"/>
+          <ac:picMkLst>
+            <pc:docMk/>
+            <pc:sldMk cId="573826110" sldId="271"/>
+            <ac:picMk id="10" creationId="{72A5A0B8-9716-4363-B205-388DCD3A2F84}"/>
+          </ac:picMkLst>
+        </pc:picChg>
+      </pc:sldChg>
+      <pc:sldChg chg="addSp delSp modSp add ord">
+        <pc:chgData name="McGuire, William" userId="b57b71b3-2582-4369-b5c7-eb94d03fb1e7" providerId="ADAL" clId="{5E73F4D4-0C21-43A7-943D-72FAC8EA5892}" dt="2018-02-18T07:05:53.048" v="6330" actId="20577"/>
+        <pc:sldMkLst>
+          <pc:docMk/>
+          <pc:sldMk cId="3304878646" sldId="272"/>
+        </pc:sldMkLst>
+        <pc:spChg chg="del">
+          <ac:chgData name="McGuire, William" userId="b57b71b3-2582-4369-b5c7-eb94d03fb1e7" providerId="ADAL" clId="{5E73F4D4-0C21-43A7-943D-72FAC8EA5892}" dt="2018-02-18T06:35:18.551" v="6144" actId="478"/>
+          <ac:spMkLst>
+            <pc:docMk/>
+            <pc:sldMk cId="3304878646" sldId="272"/>
+            <ac:spMk id="7" creationId="{6328D900-DDB5-479D-893C-48E3ED913A10}"/>
+          </ac:spMkLst>
+        </pc:spChg>
+        <pc:spChg chg="mod">
+          <ac:chgData name="McGuire, William" userId="b57b71b3-2582-4369-b5c7-eb94d03fb1e7" providerId="ADAL" clId="{5E73F4D4-0C21-43A7-943D-72FAC8EA5892}" dt="2018-02-18T06:35:25.547" v="6145" actId="1076"/>
+          <ac:spMkLst>
+            <pc:docMk/>
+            <pc:sldMk cId="3304878646" sldId="272"/>
+            <ac:spMk id="12" creationId="{F267AB6E-D350-4EAF-8587-915FD7A2E2F7}"/>
+          </ac:spMkLst>
+        </pc:spChg>
+        <pc:spChg chg="del mod">
+          <ac:chgData name="McGuire, William" userId="b57b71b3-2582-4369-b5c7-eb94d03fb1e7" providerId="ADAL" clId="{5E73F4D4-0C21-43A7-943D-72FAC8EA5892}" dt="2018-02-18T06:35:18.551" v="6144" actId="478"/>
+          <ac:spMkLst>
+            <pc:docMk/>
+            <pc:sldMk cId="3304878646" sldId="272"/>
+            <ac:spMk id="15" creationId="{C47E25B7-A7C4-4973-9924-E6E8BA69394C}"/>
+          </ac:spMkLst>
+        </pc:spChg>
+        <pc:spChg chg="mod">
+          <ac:chgData name="McGuire, William" userId="b57b71b3-2582-4369-b5c7-eb94d03fb1e7" providerId="ADAL" clId="{5E73F4D4-0C21-43A7-943D-72FAC8EA5892}" dt="2018-02-18T06:35:25.547" v="6145" actId="1076"/>
+          <ac:spMkLst>
+            <pc:docMk/>
+            <pc:sldMk cId="3304878646" sldId="272"/>
+            <ac:spMk id="28" creationId="{C611CB1D-67BA-4904-898B-F155417E7B0A}"/>
+          </ac:spMkLst>
+        </pc:spChg>
+        <pc:spChg chg="add mod">
+          <ac:chgData name="McGuire, William" userId="b57b71b3-2582-4369-b5c7-eb94d03fb1e7" providerId="ADAL" clId="{5E73F4D4-0C21-43A7-943D-72FAC8EA5892}" dt="2018-02-18T06:35:25.547" v="6145" actId="1076"/>
+          <ac:spMkLst>
+            <pc:docMk/>
+            <pc:sldMk cId="3304878646" sldId="272"/>
+            <ac:spMk id="29" creationId="{E5066518-9C1C-40E5-A603-E0B92702E612}"/>
+          </ac:spMkLst>
+        </pc:spChg>
+        <pc:spChg chg="add mod">
+          <ac:chgData name="McGuire, William" userId="b57b71b3-2582-4369-b5c7-eb94d03fb1e7" providerId="ADAL" clId="{5E73F4D4-0C21-43A7-943D-72FAC8EA5892}" dt="2018-02-18T06:35:25.547" v="6145" actId="1076"/>
+          <ac:spMkLst>
+            <pc:docMk/>
+            <pc:sldMk cId="3304878646" sldId="272"/>
+            <ac:spMk id="30" creationId="{0E8C3258-E2ED-4CB4-AA28-F059C53CFBA6}"/>
+          </ac:spMkLst>
+        </pc:spChg>
+        <pc:spChg chg="mod">
+          <ac:chgData name="McGuire, William" userId="b57b71b3-2582-4369-b5c7-eb94d03fb1e7" providerId="ADAL" clId="{5E73F4D4-0C21-43A7-943D-72FAC8EA5892}" dt="2018-02-18T07:05:53.048" v="6330" actId="20577"/>
+          <ac:spMkLst>
+            <pc:docMk/>
+            <pc:sldMk cId="3304878646" sldId="272"/>
+            <ac:spMk id="33" creationId="{220C2A14-68FA-4BC6-AAC4-9FBD3AE19FB7}"/>
+          </ac:spMkLst>
+        </pc:spChg>
+        <pc:spChg chg="del">
+          <ac:chgData name="McGuire, William" userId="b57b71b3-2582-4369-b5c7-eb94d03fb1e7" providerId="ADAL" clId="{5E73F4D4-0C21-43A7-943D-72FAC8EA5892}" dt="2018-02-18T06:35:18.551" v="6144" actId="478"/>
+          <ac:spMkLst>
+            <pc:docMk/>
+            <pc:sldMk cId="3304878646" sldId="272"/>
+            <ac:spMk id="38" creationId="{60A36EAA-8570-4D2D-B6BB-D6A20C843472}"/>
+          </ac:spMkLst>
+        </pc:spChg>
+        <pc:grpChg chg="del">
+          <ac:chgData name="McGuire, William" userId="b57b71b3-2582-4369-b5c7-eb94d03fb1e7" providerId="ADAL" clId="{5E73F4D4-0C21-43A7-943D-72FAC8EA5892}" dt="2018-02-18T06:35:18.551" v="6144" actId="478"/>
+          <ac:grpSpMkLst>
+            <pc:docMk/>
+            <pc:sldMk cId="3304878646" sldId="272"/>
+            <ac:grpSpMk id="8" creationId="{03E3EF7E-7BE5-4950-AA80-8EA1D034729B}"/>
+          </ac:grpSpMkLst>
+        </pc:grpChg>
+        <pc:grpChg chg="del">
+          <ac:chgData name="McGuire, William" userId="b57b71b3-2582-4369-b5c7-eb94d03fb1e7" providerId="ADAL" clId="{5E73F4D4-0C21-43A7-943D-72FAC8EA5892}" dt="2018-02-18T06:35:18.551" v="6144" actId="478"/>
+          <ac:grpSpMkLst>
+            <pc:docMk/>
+            <pc:sldMk cId="3304878646" sldId="272"/>
+            <ac:grpSpMk id="24" creationId="{33186112-0CFA-4259-AD89-C883CB284511}"/>
+          </ac:grpSpMkLst>
+        </pc:grpChg>
+        <pc:picChg chg="add mod">
+          <ac:chgData name="McGuire, William" userId="b57b71b3-2582-4369-b5c7-eb94d03fb1e7" providerId="ADAL" clId="{5E73F4D4-0C21-43A7-943D-72FAC8EA5892}" dt="2018-02-18T06:36:41.802" v="6152" actId="1076"/>
+          <ac:picMkLst>
+            <pc:docMk/>
+            <pc:sldMk cId="3304878646" sldId="272"/>
+            <ac:picMk id="2" creationId="{4EDE73EA-389C-4C7A-BEDB-ED8466518129}"/>
+          </ac:picMkLst>
+        </pc:picChg>
+        <pc:picChg chg="del">
+          <ac:chgData name="McGuire, William" userId="b57b71b3-2582-4369-b5c7-eb94d03fb1e7" providerId="ADAL" clId="{5E73F4D4-0C21-43A7-943D-72FAC8EA5892}" dt="2018-02-18T06:35:18.551" v="6144" actId="478"/>
+          <ac:picMkLst>
+            <pc:docMk/>
+            <pc:sldMk cId="3304878646" sldId="272"/>
+            <ac:picMk id="2050" creationId="{7ED5172C-39C4-439E-AC57-5909EFD1C90D}"/>
+          </ac:picMkLst>
+        </pc:picChg>
+        <pc:picChg chg="del">
+          <ac:chgData name="McGuire, William" userId="b57b71b3-2582-4369-b5c7-eb94d03fb1e7" providerId="ADAL" clId="{5E73F4D4-0C21-43A7-943D-72FAC8EA5892}" dt="2018-02-18T06:35:18.551" v="6144" actId="478"/>
+          <ac:picMkLst>
+            <pc:docMk/>
+            <pc:sldMk cId="3304878646" sldId="272"/>
+            <ac:picMk id="2052" creationId="{EC7EF7D9-2F31-4942-A870-23217651ECD4}"/>
+          </ac:picMkLst>
+        </pc:picChg>
+        <pc:picChg chg="del">
+          <ac:chgData name="McGuire, William" userId="b57b71b3-2582-4369-b5c7-eb94d03fb1e7" providerId="ADAL" clId="{5E73F4D4-0C21-43A7-943D-72FAC8EA5892}" dt="2018-02-18T06:35:18.551" v="6144" actId="478"/>
+          <ac:picMkLst>
+            <pc:docMk/>
+            <pc:sldMk cId="3304878646" sldId="272"/>
+            <ac:picMk id="2054" creationId="{A3583ECE-F347-4DA2-A999-A186C83096A8}"/>
+          </ac:picMkLst>
+        </pc:picChg>
+      </pc:sldChg>
+      <pc:sldChg chg="modSp add">
+        <pc:chgData name="McGuire, William" userId="b57b71b3-2582-4369-b5c7-eb94d03fb1e7" providerId="ADAL" clId="{5E73F4D4-0C21-43A7-943D-72FAC8EA5892}" dt="2018-02-18T07:05:45.335" v="6324" actId="20577"/>
+        <pc:sldMkLst>
+          <pc:docMk/>
+          <pc:sldMk cId="915108200" sldId="273"/>
+        </pc:sldMkLst>
+        <pc:spChg chg="mod">
+          <ac:chgData name="McGuire, William" userId="b57b71b3-2582-4369-b5c7-eb94d03fb1e7" providerId="ADAL" clId="{5E73F4D4-0C21-43A7-943D-72FAC8EA5892}" dt="2018-02-18T07:05:45.335" v="6324" actId="20577"/>
+          <ac:spMkLst>
+            <pc:docMk/>
+            <pc:sldMk cId="915108200" sldId="273"/>
+            <ac:spMk id="2" creationId="{B6DEC478-5A39-4E8D-A20B-C09E6E05E87E}"/>
+          </ac:spMkLst>
+        </pc:spChg>
+      </pc:sldChg>
+      <pc:sldChg chg="addSp delSp modSp add">
+        <pc:chgData name="McGuire, William" userId="b57b71b3-2582-4369-b5c7-eb94d03fb1e7" providerId="ADAL" clId="{5E73F4D4-0C21-43A7-943D-72FAC8EA5892}" dt="2018-02-18T07:17:42.375" v="6909" actId="20577"/>
+        <pc:sldMkLst>
+          <pc:docMk/>
+          <pc:sldMk cId="2356741573" sldId="274"/>
+        </pc:sldMkLst>
+        <pc:spChg chg="del">
+          <ac:chgData name="McGuire, William" userId="b57b71b3-2582-4369-b5c7-eb94d03fb1e7" providerId="ADAL" clId="{5E73F4D4-0C21-43A7-943D-72FAC8EA5892}" dt="2018-02-18T07:07:02.374" v="6373" actId="478"/>
+          <ac:spMkLst>
+            <pc:docMk/>
+            <pc:sldMk cId="2356741573" sldId="274"/>
+            <ac:spMk id="12" creationId="{F267AB6E-D350-4EAF-8587-915FD7A2E2F7}"/>
+          </ac:spMkLst>
+        </pc:spChg>
+        <pc:spChg chg="mod">
+          <ac:chgData name="McGuire, William" userId="b57b71b3-2582-4369-b5c7-eb94d03fb1e7" providerId="ADAL" clId="{5E73F4D4-0C21-43A7-943D-72FAC8EA5892}" dt="2018-02-18T07:06:53.610" v="6372" actId="6549"/>
+          <ac:spMkLst>
+            <pc:docMk/>
+            <pc:sldMk cId="2356741573" sldId="274"/>
+            <ac:spMk id="13" creationId="{F69CEBC5-AFE9-4CA5-A08B-340F861A782E}"/>
+          </ac:spMkLst>
+        </pc:spChg>
+        <pc:spChg chg="add mod">
+          <ac:chgData name="McGuire, William" userId="b57b71b3-2582-4369-b5c7-eb94d03fb1e7" providerId="ADAL" clId="{5E73F4D4-0C21-43A7-943D-72FAC8EA5892}" dt="2018-02-18T07:17:42.375" v="6909" actId="20577"/>
+          <ac:spMkLst>
+            <pc:docMk/>
+            <pc:sldMk cId="2356741573" sldId="274"/>
+            <ac:spMk id="21" creationId="{754783BB-DF18-4496-BFA8-F59165A25799}"/>
+          </ac:spMkLst>
+        </pc:spChg>
+        <pc:spChg chg="del">
+          <ac:chgData name="McGuire, William" userId="b57b71b3-2582-4369-b5c7-eb94d03fb1e7" providerId="ADAL" clId="{5E73F4D4-0C21-43A7-943D-72FAC8EA5892}" dt="2018-02-18T07:07:02.374" v="6373" actId="478"/>
+          <ac:spMkLst>
+            <pc:docMk/>
+            <pc:sldMk cId="2356741573" sldId="274"/>
+            <ac:spMk id="28" creationId="{C611CB1D-67BA-4904-898B-F155417E7B0A}"/>
+          </ac:spMkLst>
+        </pc:spChg>
+        <pc:spChg chg="del">
+          <ac:chgData name="McGuire, William" userId="b57b71b3-2582-4369-b5c7-eb94d03fb1e7" providerId="ADAL" clId="{5E73F4D4-0C21-43A7-943D-72FAC8EA5892}" dt="2018-02-18T07:07:02.374" v="6373" actId="478"/>
+          <ac:spMkLst>
+            <pc:docMk/>
+            <pc:sldMk cId="2356741573" sldId="274"/>
+            <ac:spMk id="29" creationId="{E5066518-9C1C-40E5-A603-E0B92702E612}"/>
+          </ac:spMkLst>
+        </pc:spChg>
+        <pc:spChg chg="mod">
+          <ac:chgData name="McGuire, William" userId="b57b71b3-2582-4369-b5c7-eb94d03fb1e7" providerId="ADAL" clId="{5E73F4D4-0C21-43A7-943D-72FAC8EA5892}" dt="2018-02-18T07:07:42.888" v="6385" actId="1076"/>
+          <ac:spMkLst>
+            <pc:docMk/>
+            <pc:sldMk cId="2356741573" sldId="274"/>
+            <ac:spMk id="30" creationId="{0E8C3258-E2ED-4CB4-AA28-F059C53CFBA6}"/>
+          </ac:spMkLst>
+        </pc:spChg>
+        <pc:spChg chg="mod">
+          <ac:chgData name="McGuire, William" userId="b57b71b3-2582-4369-b5c7-eb94d03fb1e7" providerId="ADAL" clId="{5E73F4D4-0C21-43A7-943D-72FAC8EA5892}" dt="2018-02-18T07:07:33.152" v="6382" actId="1076"/>
+          <ac:spMkLst>
+            <pc:docMk/>
+            <pc:sldMk cId="2356741573" sldId="274"/>
+            <ac:spMk id="40" creationId="{CB4EA55F-DA8A-447E-8A87-0C3BE64133BB}"/>
+          </ac:spMkLst>
+        </pc:spChg>
+        <pc:picChg chg="del">
+          <ac:chgData name="McGuire, William" userId="b57b71b3-2582-4369-b5c7-eb94d03fb1e7" providerId="ADAL" clId="{5E73F4D4-0C21-43A7-943D-72FAC8EA5892}" dt="2018-02-18T07:07:28.865" v="6381" actId="478"/>
+          <ac:picMkLst>
+            <pc:docMk/>
+            <pc:sldMk cId="2356741573" sldId="274"/>
+            <ac:picMk id="2" creationId="{4EDE73EA-389C-4C7A-BEDB-ED8466518129}"/>
+          </ac:picMkLst>
+        </pc:picChg>
+        <pc:picChg chg="add mod">
+          <ac:chgData name="McGuire, William" userId="b57b71b3-2582-4369-b5c7-eb94d03fb1e7" providerId="ADAL" clId="{5E73F4D4-0C21-43A7-943D-72FAC8EA5892}" dt="2018-02-18T07:08:42.865" v="6397" actId="14100"/>
+          <ac:picMkLst>
+            <pc:docMk/>
+            <pc:sldMk cId="2356741573" sldId="274"/>
+            <ac:picMk id="4" creationId="{79F67352-0FEF-4255-9965-CF500C1EBC99}"/>
+          </ac:picMkLst>
+        </pc:picChg>
+        <pc:picChg chg="add mod">
+          <ac:chgData name="McGuire, William" userId="b57b71b3-2582-4369-b5c7-eb94d03fb1e7" providerId="ADAL" clId="{5E73F4D4-0C21-43A7-943D-72FAC8EA5892}" dt="2018-02-18T07:09:40.137" v="6398" actId="1076"/>
+          <ac:picMkLst>
+            <pc:docMk/>
+            <pc:sldMk cId="2356741573" sldId="274"/>
+            <ac:picMk id="6" creationId="{A53F6A6A-F2DF-4527-BF6A-81D24BF44458}"/>
+          </ac:picMkLst>
+        </pc:picChg>
       </pc:sldChg>
       <pc:sldMasterChg chg="setBg">
         <pc:chgData name="McGuire, William" userId="b57b71b3-2582-4369-b5c7-eb94d03fb1e7" providerId="ADAL" clId="{5E73F4D4-0C21-43A7-943D-72FAC8EA5892}" dt="2018-02-17T17:10:35.838" v="1882"/>
@@ -8226,6 +8570,96 @@
           <a:chExt cx="0" cy="0"/>
         </a:xfrm>
       </p:grpSpPr>
+      <p:pic>
+        <p:nvPicPr>
+          <p:cNvPr id="10" name="Picture 9">
+            <a:extLst>
+              <a:ext uri="{FF2B5EF4-FFF2-40B4-BE49-F238E27FC236}">
+                <a16:creationId xmlns:a16="http://schemas.microsoft.com/office/drawing/2014/main" id="{72A5A0B8-9716-4363-B205-388DCD3A2F84}"/>
+              </a:ext>
+            </a:extLst>
+          </p:cNvPr>
+          <p:cNvPicPr>
+            <a:picLocks noChangeAspect="1"/>
+          </p:cNvPicPr>
+          <p:nvPr/>
+        </p:nvPicPr>
+        <p:blipFill rotWithShape="1">
+          <a:blip r:embed="rId2">
+            <a:extLst>
+              <a:ext uri="{28A0092B-C50C-407E-A947-70E740481C1C}">
+                <a14:useLocalDpi xmlns:a14="http://schemas.microsoft.com/office/drawing/2010/main" val="0"/>
+              </a:ext>
+            </a:extLst>
+          </a:blip>
+          <a:srcRect r="8547"/>
+          <a:stretch/>
+        </p:blipFill>
+        <p:spPr>
+          <a:xfrm>
+            <a:off x="1" y="348646"/>
+            <a:ext cx="7382577" cy="2581741"/>
+          </a:xfrm>
+          <a:prstGeom prst="rect">
+            <a:avLst/>
+          </a:prstGeom>
+          <a:noFill/>
+        </p:spPr>
+      </p:pic>
+      <p:sp>
+        <p:nvSpPr>
+          <p:cNvPr id="19" name="Rectangle 18">
+            <a:extLst>
+              <a:ext uri="{FF2B5EF4-FFF2-40B4-BE49-F238E27FC236}">
+                <a16:creationId xmlns:a16="http://schemas.microsoft.com/office/drawing/2014/main" id="{CFA20CAA-A085-42A8-B9AD-89712BABED39}"/>
+              </a:ext>
+            </a:extLst>
+          </p:cNvPr>
+          <p:cNvSpPr/>
+          <p:nvPr/>
+        </p:nvSpPr>
+        <p:spPr>
+          <a:xfrm>
+            <a:off x="-658" y="342586"/>
+            <a:ext cx="7382577" cy="2581741"/>
+          </a:xfrm>
+          <a:prstGeom prst="rect">
+            <a:avLst/>
+          </a:prstGeom>
+          <a:solidFill>
+            <a:schemeClr val="tx1">
+              <a:alpha val="30000"/>
+            </a:schemeClr>
+          </a:solidFill>
+          <a:ln>
+            <a:noFill/>
+          </a:ln>
+        </p:spPr>
+        <p:style>
+          <a:lnRef idx="2">
+            <a:schemeClr val="accent1">
+              <a:shade val="50000"/>
+            </a:schemeClr>
+          </a:lnRef>
+          <a:fillRef idx="1">
+            <a:schemeClr val="accent1"/>
+          </a:fillRef>
+          <a:effectRef idx="0">
+            <a:schemeClr val="accent1"/>
+          </a:effectRef>
+          <a:fontRef idx="minor">
+            <a:schemeClr val="lt1"/>
+          </a:fontRef>
+        </p:style>
+        <p:txBody>
+          <a:bodyPr rtlCol="0" anchor="ctr"/>
+          <a:lstStyle/>
+          <a:p>
+            <a:pPr algn="ctr"/>
+            <a:endParaRPr lang="en-US" dirty="0"/>
+          </a:p>
+        </p:txBody>
+      </p:sp>
       <p:sp>
         <p:nvSpPr>
           <p:cNvPr id="18" name="Rectangle 17">
@@ -8284,135 +8718,6 @@
           </a:p>
         </p:txBody>
       </p:sp>
-      <p:pic>
-        <p:nvPicPr>
-          <p:cNvPr id="10" name="Picture 9">
-            <a:extLst>
-              <a:ext uri="{FF2B5EF4-FFF2-40B4-BE49-F238E27FC236}">
-                <a16:creationId xmlns:a16="http://schemas.microsoft.com/office/drawing/2014/main" id="{72A5A0B8-9716-4363-B205-388DCD3A2F84}"/>
-              </a:ext>
-            </a:extLst>
-          </p:cNvPr>
-          <p:cNvPicPr>
-            <a:picLocks noChangeAspect="1"/>
-          </p:cNvPicPr>
-          <p:nvPr/>
-        </p:nvPicPr>
-        <p:blipFill rotWithShape="1">
-          <a:blip r:embed="rId2">
-            <a:extLst>
-              <a:ext uri="{28A0092B-C50C-407E-A947-70E740481C1C}">
-                <a14:useLocalDpi xmlns:a14="http://schemas.microsoft.com/office/drawing/2010/main" val="0"/>
-              </a:ext>
-            </a:extLst>
-          </a:blip>
-          <a:srcRect r="8547"/>
-          <a:stretch/>
-        </p:blipFill>
-        <p:spPr>
-          <a:xfrm>
-            <a:off x="1" y="348646"/>
-            <a:ext cx="7382577" cy="2581741"/>
-          </a:xfrm>
-          <a:prstGeom prst="rect">
-            <a:avLst/>
-          </a:prstGeom>
-          <a:noFill/>
-        </p:spPr>
-      </p:pic>
-      <p:sp>
-        <p:nvSpPr>
-          <p:cNvPr id="11" name="Rectangle 10">
-            <a:extLst>
-              <a:ext uri="{FF2B5EF4-FFF2-40B4-BE49-F238E27FC236}">
-                <a16:creationId xmlns:a16="http://schemas.microsoft.com/office/drawing/2014/main" id="{D7ABF69E-09EC-42C8-B09D-DA55F04E4D4D}"/>
-              </a:ext>
-            </a:extLst>
-          </p:cNvPr>
-          <p:cNvSpPr/>
-          <p:nvPr/>
-        </p:nvSpPr>
-        <p:spPr>
-          <a:xfrm>
-            <a:off x="0" y="348646"/>
-            <a:ext cx="7382577" cy="2581741"/>
-          </a:xfrm>
-          <a:prstGeom prst="rect">
-            <a:avLst/>
-          </a:prstGeom>
-          <a:solidFill>
-            <a:schemeClr val="tx1">
-              <a:alpha val="30000"/>
-            </a:schemeClr>
-          </a:solidFill>
-          <a:ln>
-            <a:noFill/>
-          </a:ln>
-        </p:spPr>
-        <p:style>
-          <a:lnRef idx="2">
-            <a:schemeClr val="accent1">
-              <a:shade val="50000"/>
-            </a:schemeClr>
-          </a:lnRef>
-          <a:fillRef idx="1">
-            <a:schemeClr val="accent1"/>
-          </a:fillRef>
-          <a:effectRef idx="0">
-            <a:schemeClr val="accent1"/>
-          </a:effectRef>
-          <a:fontRef idx="minor">
-            <a:schemeClr val="lt1"/>
-          </a:fontRef>
-        </p:style>
-        <p:txBody>
-          <a:bodyPr rtlCol="0" anchor="ctr"/>
-          <a:lstStyle/>
-          <a:p>
-            <a:pPr algn="ctr"/>
-            <a:endParaRPr lang="en-US"/>
-          </a:p>
-        </p:txBody>
-      </p:sp>
-      <p:sp>
-        <p:nvSpPr>
-          <p:cNvPr id="2" name="Title 1">
-            <a:extLst>
-              <a:ext uri="{FF2B5EF4-FFF2-40B4-BE49-F238E27FC236}">
-                <a16:creationId xmlns:a16="http://schemas.microsoft.com/office/drawing/2014/main" id="{18F74812-D8BA-453B-A2E9-322F4882F865}"/>
-              </a:ext>
-            </a:extLst>
-          </p:cNvPr>
-          <p:cNvSpPr>
-            <a:spLocks noGrp="1"/>
-          </p:cNvSpPr>
-          <p:nvPr>
-            <p:ph type="ctrTitle"/>
-          </p:nvPr>
-        </p:nvSpPr>
-        <p:spPr>
-          <a:xfrm>
-            <a:off x="1126155" y="926273"/>
-            <a:ext cx="5130265" cy="889000"/>
-          </a:xfrm>
-        </p:spPr>
-        <p:txBody>
-          <a:bodyPr>
-            <a:normAutofit/>
-          </a:bodyPr>
-          <a:lstStyle/>
-          <a:p>
-            <a:r>
-              <a:rPr lang="en-US" sz="2200" b="1" dirty="0">
-                <a:solidFill>
-                  <a:schemeClr val="bg1"/>
-                </a:solidFill>
-              </a:rPr>
-              <a:t>Creating Community &amp; Social Impact Through Peer to Peer Shared Workspaces</a:t>
-            </a:r>
-          </a:p>
-        </p:txBody>
-      </p:sp>
       <p:sp>
         <p:nvSpPr>
           <p:cNvPr id="9" name="Rectangle: Rounded Corners 8">
@@ -8473,244 +8778,223 @@
           </a:p>
         </p:txBody>
       </p:sp>
-      <p:grpSp>
-        <p:nvGrpSpPr>
-          <p:cNvPr id="14" name="Group 13">
-            <a:extLst>
-              <a:ext uri="{FF2B5EF4-FFF2-40B4-BE49-F238E27FC236}">
-                <a16:creationId xmlns:a16="http://schemas.microsoft.com/office/drawing/2014/main" id="{EE017568-7B07-4DEB-828D-24A88ECAFB10}"/>
-              </a:ext>
-            </a:extLst>
-          </p:cNvPr>
-          <p:cNvGrpSpPr/>
+      <p:pic>
+        <p:nvPicPr>
+          <p:cNvPr id="1026" name="Picture 2" descr="Workspace0x">
+            <a:extLst>
+              <a:ext uri="{FF2B5EF4-FFF2-40B4-BE49-F238E27FC236}">
+                <a16:creationId xmlns:a16="http://schemas.microsoft.com/office/drawing/2014/main" id="{0C888112-5814-4D39-A7A8-43EFCC6B2D1C}"/>
+              </a:ext>
+            </a:extLst>
+          </p:cNvPr>
+          <p:cNvPicPr>
+            <a:picLocks noChangeAspect="1" noChangeArrowheads="1"/>
+          </p:cNvPicPr>
           <p:nvPr/>
-        </p:nvGrpSpPr>
-        <p:grpSpPr>
+        </p:nvPicPr>
+        <p:blipFill>
+          <a:blip r:embed="rId3">
+            <a:extLst>
+              <a:ext uri="{28A0092B-C50C-407E-A947-70E740481C1C}">
+                <a14:useLocalDpi xmlns:a14="http://schemas.microsoft.com/office/drawing/2010/main" val="0"/>
+              </a:ext>
+            </a:extLst>
+          </a:blip>
+          <a:srcRect/>
+          <a:stretch>
+            <a:fillRect/>
+          </a:stretch>
+        </p:blipFill>
+        <p:spPr bwMode="auto">
           <a:xfrm>
-            <a:off x="33109" y="2610"/>
-            <a:ext cx="7348731" cy="348646"/>
-            <a:chOff x="33109" y="2610"/>
-            <a:chExt cx="7348731" cy="348646"/>
+            <a:off x="33109" y="22155"/>
+            <a:ext cx="1235548" cy="309557"/>
           </a:xfrm>
-        </p:grpSpPr>
-        <p:pic>
-          <p:nvPicPr>
-            <p:cNvPr id="1026" name="Picture 2" descr="Workspace0x">
-              <a:extLst>
-                <a:ext uri="{FF2B5EF4-FFF2-40B4-BE49-F238E27FC236}">
-                  <a16:creationId xmlns:a16="http://schemas.microsoft.com/office/drawing/2014/main" id="{0C888112-5814-4D39-A7A8-43EFCC6B2D1C}"/>
-                </a:ext>
-              </a:extLst>
-            </p:cNvPr>
-            <p:cNvPicPr>
-              <a:picLocks noChangeAspect="1" noChangeArrowheads="1"/>
-            </p:cNvPicPr>
-            <p:nvPr/>
-          </p:nvPicPr>
-          <p:blipFill>
-            <a:blip r:embed="rId3">
-              <a:extLst>
-                <a:ext uri="{28A0092B-C50C-407E-A947-70E740481C1C}">
-                  <a14:useLocalDpi xmlns:a14="http://schemas.microsoft.com/office/drawing/2010/main" val="0"/>
-                </a:ext>
-              </a:extLst>
-            </a:blip>
-            <a:srcRect/>
-            <a:stretch>
-              <a:fillRect/>
-            </a:stretch>
-          </p:blipFill>
-          <p:spPr bwMode="auto">
-            <a:xfrm>
-              <a:off x="33109" y="22155"/>
-              <a:ext cx="1235548" cy="309557"/>
-            </a:xfrm>
-            <a:prstGeom prst="rect">
-              <a:avLst/>
-            </a:prstGeom>
-            <a:noFill/>
-            <a:extLst>
-              <a:ext uri="{909E8E84-426E-40DD-AFC4-6F175D3DCCD1}">
-                <a14:hiddenFill xmlns:a14="http://schemas.microsoft.com/office/drawing/2010/main">
-                  <a:solidFill>
-                    <a:srgbClr val="FFFFFF"/>
-                  </a:solidFill>
-                </a14:hiddenFill>
-              </a:ext>
-            </a:extLst>
-          </p:spPr>
-        </p:pic>
-        <p:sp>
-          <p:nvSpPr>
-            <p:cNvPr id="12" name="Rectangle 11">
-              <a:extLst>
-                <a:ext uri="{FF2B5EF4-FFF2-40B4-BE49-F238E27FC236}">
-                  <a16:creationId xmlns:a16="http://schemas.microsoft.com/office/drawing/2014/main" id="{D63501FD-4928-4372-9449-DED9F0C80AF8}"/>
-                </a:ext>
-              </a:extLst>
-            </p:cNvPr>
-            <p:cNvSpPr/>
-            <p:nvPr/>
-          </p:nvSpPr>
-          <p:spPr>
-            <a:xfrm>
-              <a:off x="5939120" y="2610"/>
-              <a:ext cx="1442720" cy="348646"/>
-            </a:xfrm>
-            <a:prstGeom prst="rect">
-              <a:avLst/>
-            </a:prstGeom>
+          <a:prstGeom prst="rect">
+            <a:avLst/>
+          </a:prstGeom>
+          <a:noFill/>
+          <a:extLst>
+            <a:ext uri="{909E8E84-426E-40DD-AFC4-6F175D3DCCD1}">
+              <a14:hiddenFill xmlns:a14="http://schemas.microsoft.com/office/drawing/2010/main">
+                <a:solidFill>
+                  <a:srgbClr val="FFFFFF"/>
+                </a:solidFill>
+              </a14:hiddenFill>
+            </a:ext>
+          </a:extLst>
+        </p:spPr>
+      </p:pic>
+      <p:sp>
+        <p:nvSpPr>
+          <p:cNvPr id="12" name="Rectangle 11">
+            <a:extLst>
+              <a:ext uri="{FF2B5EF4-FFF2-40B4-BE49-F238E27FC236}">
+                <a16:creationId xmlns:a16="http://schemas.microsoft.com/office/drawing/2014/main" id="{D63501FD-4928-4372-9449-DED9F0C80AF8}"/>
+              </a:ext>
+            </a:extLst>
+          </p:cNvPr>
+          <p:cNvSpPr/>
+          <p:nvPr/>
+        </p:nvSpPr>
+        <p:spPr>
+          <a:xfrm>
+            <a:off x="5939120" y="2610"/>
+            <a:ext cx="1442720" cy="348646"/>
+          </a:xfrm>
+          <a:prstGeom prst="rect">
+            <a:avLst/>
+          </a:prstGeom>
+          <a:solidFill>
+            <a:srgbClr val="006EBC"/>
+          </a:solidFill>
+          <a:ln>
             <a:solidFill>
               <a:srgbClr val="006EBC"/>
             </a:solidFill>
-            <a:ln>
-              <a:solidFill>
-                <a:srgbClr val="006EBC"/>
-              </a:solidFill>
-            </a:ln>
-          </p:spPr>
-          <p:style>
-            <a:lnRef idx="2">
-              <a:schemeClr val="accent1">
-                <a:shade val="50000"/>
-              </a:schemeClr>
-            </a:lnRef>
-            <a:fillRef idx="1">
-              <a:schemeClr val="accent1"/>
-            </a:fillRef>
-            <a:effectRef idx="0">
-              <a:schemeClr val="accent1"/>
-            </a:effectRef>
-            <a:fontRef idx="minor">
-              <a:schemeClr val="lt1"/>
-            </a:fontRef>
-          </p:style>
-          <p:txBody>
-            <a:bodyPr rtlCol="0" anchor="ctr"/>
-            <a:lstStyle/>
-            <a:p>
-              <a:pPr algn="ctr"/>
-              <a:r>
-                <a:rPr lang="en-US" sz="1200" dirty="0">
-                  <a:latin typeface="Arial Narrow" panose="020B0606020202030204" pitchFamily="34" charset="0"/>
-                </a:rPr>
-                <a:t>Find a Space</a:t>
-              </a:r>
-            </a:p>
-          </p:txBody>
-        </p:sp>
-        <p:sp>
-          <p:nvSpPr>
-            <p:cNvPr id="13" name="Rectangle 12">
-              <a:extLst>
-                <a:ext uri="{FF2B5EF4-FFF2-40B4-BE49-F238E27FC236}">
-                  <a16:creationId xmlns:a16="http://schemas.microsoft.com/office/drawing/2014/main" id="{F51D73D5-D697-4130-8C57-A2FA8AD12F9C}"/>
-                </a:ext>
-              </a:extLst>
-            </p:cNvPr>
-            <p:cNvSpPr/>
-            <p:nvPr/>
-          </p:nvSpPr>
-          <p:spPr>
-            <a:xfrm>
-              <a:off x="1729197" y="37129"/>
-              <a:ext cx="872355" cy="276999"/>
-            </a:xfrm>
-            <a:prstGeom prst="rect">
-              <a:avLst/>
-            </a:prstGeom>
-          </p:spPr>
-          <p:txBody>
-            <a:bodyPr wrap="none">
-              <a:spAutoFit/>
-            </a:bodyPr>
-            <a:lstStyle/>
-            <a:p>
-              <a:pPr algn="ctr"/>
-              <a:r>
-                <a:rPr lang="en-US" sz="1200" dirty="0">
-                  <a:latin typeface="Arial Narrow" panose="020B0606020202030204" pitchFamily="34" charset="0"/>
-                </a:rPr>
-                <a:t>Governance</a:t>
-              </a:r>
-            </a:p>
-          </p:txBody>
-        </p:sp>
-        <p:sp>
-          <p:nvSpPr>
-            <p:cNvPr id="15" name="Rectangle 14">
-              <a:extLst>
-                <a:ext uri="{FF2B5EF4-FFF2-40B4-BE49-F238E27FC236}">
-                  <a16:creationId xmlns:a16="http://schemas.microsoft.com/office/drawing/2014/main" id="{2BB840A6-94A3-4ADA-ABE6-196CDE86FED4}"/>
-                </a:ext>
-              </a:extLst>
-            </p:cNvPr>
-            <p:cNvSpPr/>
-            <p:nvPr/>
-          </p:nvSpPr>
-          <p:spPr>
-            <a:xfrm>
-              <a:off x="2711316" y="37129"/>
-              <a:ext cx="516488" cy="276999"/>
-            </a:xfrm>
-            <a:prstGeom prst="rect">
-              <a:avLst/>
-            </a:prstGeom>
-          </p:spPr>
-          <p:txBody>
-            <a:bodyPr wrap="none">
-              <a:spAutoFit/>
-            </a:bodyPr>
-            <a:lstStyle/>
-            <a:p>
-              <a:pPr algn="ctr"/>
-              <a:r>
-                <a:rPr lang="en-US" sz="1200" dirty="0">
-                  <a:latin typeface="Arial Narrow" panose="020B0606020202030204" pitchFamily="34" charset="0"/>
-                </a:rPr>
-                <a:t>About</a:t>
-              </a:r>
-            </a:p>
-          </p:txBody>
-        </p:sp>
-        <p:sp>
-          <p:nvSpPr>
-            <p:cNvPr id="16" name="Rectangle 15">
-              <a:extLst>
-                <a:ext uri="{FF2B5EF4-FFF2-40B4-BE49-F238E27FC236}">
-                  <a16:creationId xmlns:a16="http://schemas.microsoft.com/office/drawing/2014/main" id="{EB487324-F450-4DF3-B26B-05F550D47337}"/>
-                </a:ext>
-              </a:extLst>
-            </p:cNvPr>
-            <p:cNvSpPr/>
-            <p:nvPr/>
-          </p:nvSpPr>
-          <p:spPr>
-            <a:xfrm>
-              <a:off x="3389864" y="32793"/>
-              <a:ext cx="724878" cy="276999"/>
-            </a:xfrm>
-            <a:prstGeom prst="rect">
-              <a:avLst/>
-            </a:prstGeom>
-          </p:spPr>
-          <p:txBody>
-            <a:bodyPr wrap="none">
-              <a:spAutoFit/>
-            </a:bodyPr>
-            <a:lstStyle/>
-            <a:p>
-              <a:pPr algn="ctr"/>
-              <a:r>
-                <a:rPr lang="en-US" sz="1200" dirty="0">
-                  <a:latin typeface="Arial Narrow" panose="020B0606020202030204" pitchFamily="34" charset="0"/>
-                </a:rPr>
-                <a:t>Locations</a:t>
-              </a:r>
-            </a:p>
-          </p:txBody>
-        </p:sp>
-      </p:grpSp>
+          </a:ln>
+        </p:spPr>
+        <p:style>
+          <a:lnRef idx="2">
+            <a:schemeClr val="accent1">
+              <a:shade val="50000"/>
+            </a:schemeClr>
+          </a:lnRef>
+          <a:fillRef idx="1">
+            <a:schemeClr val="accent1"/>
+          </a:fillRef>
+          <a:effectRef idx="0">
+            <a:schemeClr val="accent1"/>
+          </a:effectRef>
+          <a:fontRef idx="minor">
+            <a:schemeClr val="lt1"/>
+          </a:fontRef>
+        </p:style>
+        <p:txBody>
+          <a:bodyPr rtlCol="0" anchor="ctr"/>
+          <a:lstStyle/>
+          <a:p>
+            <a:pPr algn="ctr"/>
+            <a:r>
+              <a:rPr lang="en-US" sz="1200" dirty="0">
+                <a:latin typeface="Arial Narrow" panose="020B0606020202030204" pitchFamily="34" charset="0"/>
+              </a:rPr>
+              <a:t>Find a Career</a:t>
+            </a:r>
+          </a:p>
+        </p:txBody>
+      </p:sp>
+      <p:sp>
+        <p:nvSpPr>
+          <p:cNvPr id="13" name="Rectangle 12">
+            <a:extLst>
+              <a:ext uri="{FF2B5EF4-FFF2-40B4-BE49-F238E27FC236}">
+                <a16:creationId xmlns:a16="http://schemas.microsoft.com/office/drawing/2014/main" id="{F51D73D5-D697-4130-8C57-A2FA8AD12F9C}"/>
+              </a:ext>
+            </a:extLst>
+          </p:cNvPr>
+          <p:cNvSpPr/>
+          <p:nvPr/>
+        </p:nvSpPr>
+        <p:spPr>
+          <a:xfrm>
+            <a:off x="1729197" y="37129"/>
+            <a:ext cx="872355" cy="276999"/>
+          </a:xfrm>
+          <a:prstGeom prst="rect">
+            <a:avLst/>
+          </a:prstGeom>
+        </p:spPr>
+        <p:txBody>
+          <a:bodyPr wrap="none">
+            <a:spAutoFit/>
+          </a:bodyPr>
+          <a:lstStyle/>
+          <a:p>
+            <a:pPr algn="ctr"/>
+            <a:r>
+              <a:rPr lang="en-US" sz="1200" dirty="0">
+                <a:latin typeface="Arial Narrow" panose="020B0606020202030204" pitchFamily="34" charset="0"/>
+              </a:rPr>
+              <a:t>Governance</a:t>
+            </a:r>
+          </a:p>
+        </p:txBody>
+      </p:sp>
+      <p:sp>
+        <p:nvSpPr>
+          <p:cNvPr id="15" name="Rectangle 14">
+            <a:extLst>
+              <a:ext uri="{FF2B5EF4-FFF2-40B4-BE49-F238E27FC236}">
+                <a16:creationId xmlns:a16="http://schemas.microsoft.com/office/drawing/2014/main" id="{2BB840A6-94A3-4ADA-ABE6-196CDE86FED4}"/>
+              </a:ext>
+            </a:extLst>
+          </p:cNvPr>
+          <p:cNvSpPr/>
+          <p:nvPr/>
+        </p:nvSpPr>
+        <p:spPr>
+          <a:xfrm>
+            <a:off x="2711316" y="37129"/>
+            <a:ext cx="516488" cy="276999"/>
+          </a:xfrm>
+          <a:prstGeom prst="rect">
+            <a:avLst/>
+          </a:prstGeom>
+        </p:spPr>
+        <p:txBody>
+          <a:bodyPr wrap="none">
+            <a:spAutoFit/>
+          </a:bodyPr>
+          <a:lstStyle/>
+          <a:p>
+            <a:pPr algn="ctr"/>
+            <a:r>
+              <a:rPr lang="en-US" sz="1200" dirty="0">
+                <a:latin typeface="Arial Narrow" panose="020B0606020202030204" pitchFamily="34" charset="0"/>
+              </a:rPr>
+              <a:t>About</a:t>
+            </a:r>
+          </a:p>
+        </p:txBody>
+      </p:sp>
+      <p:sp>
+        <p:nvSpPr>
+          <p:cNvPr id="16" name="Rectangle 15">
+            <a:extLst>
+              <a:ext uri="{FF2B5EF4-FFF2-40B4-BE49-F238E27FC236}">
+                <a16:creationId xmlns:a16="http://schemas.microsoft.com/office/drawing/2014/main" id="{EB487324-F450-4DF3-B26B-05F550D47337}"/>
+              </a:ext>
+            </a:extLst>
+          </p:cNvPr>
+          <p:cNvSpPr/>
+          <p:nvPr/>
+        </p:nvSpPr>
+        <p:spPr>
+          <a:xfrm>
+            <a:off x="3389864" y="32793"/>
+            <a:ext cx="724878" cy="276999"/>
+          </a:xfrm>
+          <a:prstGeom prst="rect">
+            <a:avLst/>
+          </a:prstGeom>
+        </p:spPr>
+        <p:txBody>
+          <a:bodyPr wrap="none">
+            <a:spAutoFit/>
+          </a:bodyPr>
+          <a:lstStyle/>
+          <a:p>
+            <a:pPr algn="ctr"/>
+            <a:r>
+              <a:rPr lang="en-US" sz="1200" dirty="0">
+                <a:latin typeface="Arial Narrow" panose="020B0606020202030204" pitchFamily="34" charset="0"/>
+              </a:rPr>
+              <a:t>Locations</a:t>
+            </a:r>
+          </a:p>
+        </p:txBody>
+      </p:sp>
       <p:sp>
         <p:nvSpPr>
           <p:cNvPr id="17" name="TextBox 16">
@@ -8741,22 +9025,15 @@
           <a:p>
             <a:pPr algn="ctr"/>
             <a:r>
-              <a:rPr lang="en-US" dirty="0"/>
-              <a:t>Nearly $0 </a:t>
+              <a:rPr lang="en-US" b="1" dirty="0"/>
+              <a:t>Direct Business to Worker Model </a:t>
             </a:r>
           </a:p>
           <a:p>
             <a:pPr algn="ctr"/>
             <a:r>
-              <a:rPr lang="en-US" dirty="0"/>
-              <a:t>Transaction Fees</a:t>
-            </a:r>
-          </a:p>
-          <a:p>
-            <a:pPr algn="ctr"/>
-            <a:r>
               <a:rPr lang="en-US" sz="1200" dirty="0"/>
-              <a:t>Holistic costs reduced via Peer to Peer Transactions on </a:t>
+              <a:t>Holistic costs reduced via </a:t>
             </a:r>
             <a:r>
               <a:rPr lang="en-US" sz="1200" dirty="0">
@@ -8765,6 +9042,18 @@
                 </a:solidFill>
               </a:rPr>
               <a:t>DLT</a:t>
+            </a:r>
+            <a:r>
+              <a:rPr lang="en-US" sz="1200" dirty="0"/>
+              <a:t> </a:t>
+            </a:r>
+            <a:r>
+              <a:rPr lang="en-US" sz="1200" dirty="0">
+                <a:solidFill>
+                  <a:srgbClr val="006EBC"/>
+                </a:solidFill>
+              </a:rPr>
+              <a:t>Smart Contracts</a:t>
             </a:r>
           </a:p>
         </p:txBody>
@@ -8824,8 +9113,8 @@
         </p:nvSpPr>
         <p:spPr>
           <a:xfrm>
-            <a:off x="2752256" y="3063700"/>
-            <a:ext cx="2062976" cy="1015663"/>
+            <a:off x="2601553" y="3063700"/>
+            <a:ext cx="2364380" cy="1015663"/>
           </a:xfrm>
           <a:prstGeom prst="rect">
             <a:avLst/>
@@ -8840,14 +9129,14 @@
           <a:p>
             <a:pPr algn="ctr"/>
             <a:r>
-              <a:rPr lang="en-US" dirty="0"/>
+              <a:rPr lang="en-US" b="1" dirty="0"/>
               <a:t>Peer to Peer</a:t>
             </a:r>
           </a:p>
           <a:p>
             <a:pPr algn="ctr"/>
             <a:r>
-              <a:rPr lang="en-US" dirty="0"/>
+              <a:rPr lang="en-US" b="1" dirty="0"/>
               <a:t>Governed</a:t>
             </a:r>
           </a:p>
@@ -8855,7 +9144,7 @@
             <a:pPr algn="ctr"/>
             <a:r>
               <a:rPr lang="en-US" sz="1200" dirty="0"/>
-              <a:t>If you don’t like something, vote to change it</a:t>
+              <a:t>As an employee, if you don’t like something, vote to change it</a:t>
             </a:r>
           </a:p>
         </p:txBody>
@@ -8931,14 +9220,14 @@
           <a:p>
             <a:pPr algn="ctr"/>
             <a:r>
-              <a:rPr lang="en-US" dirty="0"/>
+              <a:rPr lang="en-US" b="1" dirty="0"/>
               <a:t>Socially </a:t>
             </a:r>
           </a:p>
           <a:p>
             <a:pPr algn="ctr"/>
             <a:r>
-              <a:rPr lang="en-US" dirty="0"/>
+              <a:rPr lang="en-US" b="1" dirty="0"/>
               <a:t>Responsible</a:t>
             </a:r>
           </a:p>
@@ -8946,7 +9235,278 @@
             <a:pPr algn="ctr"/>
             <a:r>
               <a:rPr lang="en-US" sz="1200" dirty="0"/>
-              <a:t>Community votes and participates in social impact</a:t>
+              <a:t>Community voting system for social impact</a:t>
+            </a:r>
+          </a:p>
+        </p:txBody>
+      </p:sp>
+      <p:sp>
+        <p:nvSpPr>
+          <p:cNvPr id="20" name="Title 1">
+            <a:extLst>
+              <a:ext uri="{FF2B5EF4-FFF2-40B4-BE49-F238E27FC236}">
+                <a16:creationId xmlns:a16="http://schemas.microsoft.com/office/drawing/2014/main" id="{C33BF160-F2E3-4E2F-9A7E-EAB4DBF3F02B}"/>
+              </a:ext>
+            </a:extLst>
+          </p:cNvPr>
+          <p:cNvSpPr txBox="1">
+            <a:spLocks/>
+          </p:cNvSpPr>
+          <p:nvPr/>
+        </p:nvSpPr>
+        <p:spPr>
+          <a:xfrm>
+            <a:off x="7127488" y="1154203"/>
+            <a:ext cx="5130265" cy="889000"/>
+          </a:xfrm>
+          <a:prstGeom prst="rect">
+            <a:avLst/>
+          </a:prstGeom>
+        </p:spPr>
+        <p:txBody>
+          <a:bodyPr vert="horz" lIns="91440" tIns="45720" rIns="91440" bIns="45720" rtlCol="0" anchor="b">
+            <a:normAutofit fontScale="90000" lnSpcReduction="10000"/>
+          </a:bodyPr>
+          <a:lstStyle>
+            <a:lvl1pPr algn="ctr" defTabSz="914400" rtl="0" eaLnBrk="1" latinLnBrk="0" hangingPunct="1">
+              <a:lnSpc>
+                <a:spcPct val="90000"/>
+              </a:lnSpc>
+              <a:spcBef>
+                <a:spcPct val="0"/>
+              </a:spcBef>
+              <a:buNone/>
+              <a:defRPr sz="6000" kern="1200">
+                <a:solidFill>
+                  <a:schemeClr val="tx1"/>
+                </a:solidFill>
+                <a:latin typeface="+mj-lt"/>
+                <a:ea typeface="+mj-ea"/>
+                <a:cs typeface="+mj-cs"/>
+              </a:defRPr>
+            </a:lvl1pPr>
+          </a:lstStyle>
+          <a:p>
+            <a:r>
+              <a:rPr lang="en-US" sz="2200" b="1" dirty="0"/>
+              <a:t>A Platform Providing Long Term Employee Benefits and Shared Community Values To Freelancers While Creating Social Impact</a:t>
+            </a:r>
+          </a:p>
+        </p:txBody>
+      </p:sp>
+      <p:sp>
+        <p:nvSpPr>
+          <p:cNvPr id="22" name="Title 1">
+            <a:extLst>
+              <a:ext uri="{FF2B5EF4-FFF2-40B4-BE49-F238E27FC236}">
+                <a16:creationId xmlns:a16="http://schemas.microsoft.com/office/drawing/2014/main" id="{C401907F-6403-482A-81BC-F08CF1EAA2F3}"/>
+              </a:ext>
+            </a:extLst>
+          </p:cNvPr>
+          <p:cNvSpPr txBox="1">
+            <a:spLocks/>
+          </p:cNvSpPr>
+          <p:nvPr/>
+        </p:nvSpPr>
+        <p:spPr>
+          <a:xfrm>
+            <a:off x="7226064" y="2270227"/>
+            <a:ext cx="5130265" cy="889000"/>
+          </a:xfrm>
+          <a:prstGeom prst="rect">
+            <a:avLst/>
+          </a:prstGeom>
+        </p:spPr>
+        <p:txBody>
+          <a:bodyPr vert="horz" lIns="91440" tIns="45720" rIns="91440" bIns="45720" rtlCol="0" anchor="b">
+            <a:normAutofit fontScale="97500"/>
+          </a:bodyPr>
+          <a:lstStyle>
+            <a:lvl1pPr algn="ctr" defTabSz="914400" rtl="0" eaLnBrk="1" latinLnBrk="0" hangingPunct="1">
+              <a:lnSpc>
+                <a:spcPct val="90000"/>
+              </a:lnSpc>
+              <a:spcBef>
+                <a:spcPct val="0"/>
+              </a:spcBef>
+              <a:buNone/>
+              <a:defRPr sz="6000" kern="1200">
+                <a:solidFill>
+                  <a:schemeClr val="tx1"/>
+                </a:solidFill>
+                <a:latin typeface="+mj-lt"/>
+                <a:ea typeface="+mj-ea"/>
+                <a:cs typeface="+mj-cs"/>
+              </a:defRPr>
+            </a:lvl1pPr>
+          </a:lstStyle>
+          <a:p>
+            <a:r>
+              <a:rPr lang="en-US" sz="2200" b="1" dirty="0"/>
+              <a:t>Contract Talent in a Shared Workspace Community</a:t>
+            </a:r>
+          </a:p>
+        </p:txBody>
+      </p:sp>
+      <p:sp>
+        <p:nvSpPr>
+          <p:cNvPr id="26" name="Title 1">
+            <a:extLst>
+              <a:ext uri="{FF2B5EF4-FFF2-40B4-BE49-F238E27FC236}">
+                <a16:creationId xmlns:a16="http://schemas.microsoft.com/office/drawing/2014/main" id="{34129356-715B-47B2-A001-25D27A3A664C}"/>
+              </a:ext>
+            </a:extLst>
+          </p:cNvPr>
+          <p:cNvSpPr txBox="1">
+            <a:spLocks/>
+          </p:cNvSpPr>
+          <p:nvPr/>
+        </p:nvSpPr>
+        <p:spPr>
+          <a:xfrm>
+            <a:off x="7226064" y="3026135"/>
+            <a:ext cx="5130265" cy="889000"/>
+          </a:xfrm>
+          <a:prstGeom prst="rect">
+            <a:avLst/>
+          </a:prstGeom>
+        </p:spPr>
+        <p:txBody>
+          <a:bodyPr vert="horz" lIns="91440" tIns="45720" rIns="91440" bIns="45720" rtlCol="0" anchor="b">
+            <a:normAutofit fontScale="97500"/>
+          </a:bodyPr>
+          <a:lstStyle>
+            <a:lvl1pPr algn="ctr" defTabSz="914400" rtl="0" eaLnBrk="1" latinLnBrk="0" hangingPunct="1">
+              <a:lnSpc>
+                <a:spcPct val="90000"/>
+              </a:lnSpc>
+              <a:spcBef>
+                <a:spcPct val="0"/>
+              </a:spcBef>
+              <a:buNone/>
+              <a:defRPr sz="6000" kern="1200">
+                <a:solidFill>
+                  <a:schemeClr val="tx1"/>
+                </a:solidFill>
+                <a:latin typeface="+mj-lt"/>
+                <a:ea typeface="+mj-ea"/>
+                <a:cs typeface="+mj-cs"/>
+              </a:defRPr>
+            </a:lvl1pPr>
+          </a:lstStyle>
+          <a:p>
+            <a:endParaRPr lang="en-US" sz="2200" b="1" dirty="0"/>
+          </a:p>
+        </p:txBody>
+      </p:sp>
+      <p:sp>
+        <p:nvSpPr>
+          <p:cNvPr id="27" name="Title 1">
+            <a:extLst>
+              <a:ext uri="{FF2B5EF4-FFF2-40B4-BE49-F238E27FC236}">
+                <a16:creationId xmlns:a16="http://schemas.microsoft.com/office/drawing/2014/main" id="{7DC043B5-E110-487A-9F59-D598692A9F23}"/>
+              </a:ext>
+            </a:extLst>
+          </p:cNvPr>
+          <p:cNvSpPr txBox="1">
+            <a:spLocks/>
+          </p:cNvSpPr>
+          <p:nvPr/>
+        </p:nvSpPr>
+        <p:spPr>
+          <a:xfrm>
+            <a:off x="7226064" y="3386251"/>
+            <a:ext cx="5130265" cy="889000"/>
+          </a:xfrm>
+          <a:prstGeom prst="rect">
+            <a:avLst/>
+          </a:prstGeom>
+        </p:spPr>
+        <p:txBody>
+          <a:bodyPr vert="horz" lIns="91440" tIns="45720" rIns="91440" bIns="45720" rtlCol="0" anchor="b">
+            <a:normAutofit fontScale="90000" lnSpcReduction="10000"/>
+          </a:bodyPr>
+          <a:lstStyle>
+            <a:lvl1pPr algn="ctr" defTabSz="914400" rtl="0" eaLnBrk="1" latinLnBrk="0" hangingPunct="1">
+              <a:lnSpc>
+                <a:spcPct val="90000"/>
+              </a:lnSpc>
+              <a:spcBef>
+                <a:spcPct val="0"/>
+              </a:spcBef>
+              <a:buNone/>
+              <a:defRPr sz="6000" kern="1200">
+                <a:solidFill>
+                  <a:schemeClr val="tx1"/>
+                </a:solidFill>
+                <a:latin typeface="+mj-lt"/>
+                <a:ea typeface="+mj-ea"/>
+                <a:cs typeface="+mj-cs"/>
+              </a:defRPr>
+            </a:lvl1pPr>
+          </a:lstStyle>
+          <a:p>
+            <a:r>
+              <a:rPr lang="en-US" sz="2200" b="1" dirty="0"/>
+              <a:t>A Worker Decentralized Autonomous Organization (DAO) with Incredible Worker Benefits Generating Meaningful Social Impact</a:t>
+            </a:r>
+          </a:p>
+        </p:txBody>
+      </p:sp>
+      <p:sp>
+        <p:nvSpPr>
+          <p:cNvPr id="28" name="Title 1">
+            <a:extLst>
+              <a:ext uri="{FF2B5EF4-FFF2-40B4-BE49-F238E27FC236}">
+                <a16:creationId xmlns:a16="http://schemas.microsoft.com/office/drawing/2014/main" id="{4947501D-CB01-4F7F-9E38-B44793F45933}"/>
+              </a:ext>
+            </a:extLst>
+          </p:cNvPr>
+          <p:cNvSpPr txBox="1">
+            <a:spLocks/>
+          </p:cNvSpPr>
+          <p:nvPr/>
+        </p:nvSpPr>
+        <p:spPr>
+          <a:xfrm>
+            <a:off x="1187170" y="1038350"/>
+            <a:ext cx="5130265" cy="889000"/>
+          </a:xfrm>
+          <a:prstGeom prst="rect">
+            <a:avLst/>
+          </a:prstGeom>
+        </p:spPr>
+        <p:txBody>
+          <a:bodyPr vert="horz" lIns="91440" tIns="45720" rIns="91440" bIns="45720" rtlCol="0" anchor="b">
+            <a:normAutofit fontScale="90000" lnSpcReduction="10000"/>
+          </a:bodyPr>
+          <a:lstStyle>
+            <a:lvl1pPr algn="ctr" defTabSz="914400" rtl="0" eaLnBrk="1" latinLnBrk="0" hangingPunct="1">
+              <a:lnSpc>
+                <a:spcPct val="90000"/>
+              </a:lnSpc>
+              <a:spcBef>
+                <a:spcPct val="0"/>
+              </a:spcBef>
+              <a:buNone/>
+              <a:defRPr sz="6000" kern="1200">
+                <a:solidFill>
+                  <a:schemeClr val="tx1"/>
+                </a:solidFill>
+                <a:latin typeface="+mj-lt"/>
+                <a:ea typeface="+mj-ea"/>
+                <a:cs typeface="+mj-cs"/>
+              </a:defRPr>
+            </a:lvl1pPr>
+          </a:lstStyle>
+          <a:p>
+            <a:r>
+              <a:rPr lang="en-US" sz="2200" b="1" dirty="0">
+                <a:solidFill>
+                  <a:schemeClr val="bg1"/>
+                </a:solidFill>
+              </a:rPr>
+              <a:t>A Worker Decentralized Autonomous Organization (DAO) with Incredible Worker Benefits Generating Meaningful Social Impact</a:t>
             </a:r>
           </a:p>
         </p:txBody>
@@ -8954,7 +9514,7 @@
     </p:spTree>
     <p:extLst>
       <p:ext uri="{BB962C8B-B14F-4D97-AF65-F5344CB8AC3E}">
-        <p14:creationId xmlns:p14="http://schemas.microsoft.com/office/powerpoint/2010/main" val="3386298081"/>
+        <p14:creationId xmlns:p14="http://schemas.microsoft.com/office/powerpoint/2010/main" val="573826110"/>
       </p:ext>
     </p:extLst>
   </p:cSld>
@@ -8983,6 +9543,1490 @@
       </p:grpSpPr>
       <p:sp>
         <p:nvSpPr>
+          <p:cNvPr id="6" name="Rectangle 5">
+            <a:extLst>
+              <a:ext uri="{FF2B5EF4-FFF2-40B4-BE49-F238E27FC236}">
+                <a16:creationId xmlns:a16="http://schemas.microsoft.com/office/drawing/2014/main" id="{BE21B872-4817-42CC-AC91-C88120918379}"/>
+              </a:ext>
+            </a:extLst>
+          </p:cNvPr>
+          <p:cNvSpPr/>
+          <p:nvPr/>
+        </p:nvSpPr>
+        <p:spPr>
+          <a:xfrm>
+            <a:off x="1" y="0"/>
+            <a:ext cx="2428239" cy="640080"/>
+          </a:xfrm>
+          <a:prstGeom prst="rect">
+            <a:avLst/>
+          </a:prstGeom>
+        </p:spPr>
+        <p:style>
+          <a:lnRef idx="2">
+            <a:schemeClr val="accent1">
+              <a:shade val="50000"/>
+            </a:schemeClr>
+          </a:lnRef>
+          <a:fillRef idx="1">
+            <a:schemeClr val="accent1"/>
+          </a:fillRef>
+          <a:effectRef idx="0">
+            <a:schemeClr val="accent1"/>
+          </a:effectRef>
+          <a:fontRef idx="minor">
+            <a:schemeClr val="lt1"/>
+          </a:fontRef>
+        </p:style>
+        <p:txBody>
+          <a:bodyPr rtlCol="0" anchor="ctr"/>
+          <a:lstStyle/>
+          <a:p>
+            <a:pPr algn="ctr"/>
+            <a:r>
+              <a:rPr lang="en-US" dirty="0"/>
+              <a:t>Find My Space</a:t>
+            </a:r>
+          </a:p>
+        </p:txBody>
+      </p:sp>
+      <p:sp>
+        <p:nvSpPr>
+          <p:cNvPr id="2" name="Rectangle 1">
+            <a:extLst>
+              <a:ext uri="{FF2B5EF4-FFF2-40B4-BE49-F238E27FC236}">
+                <a16:creationId xmlns:a16="http://schemas.microsoft.com/office/drawing/2014/main" id="{1626EF4F-619E-4134-A9A0-EFE0B183732F}"/>
+              </a:ext>
+            </a:extLst>
+          </p:cNvPr>
+          <p:cNvSpPr/>
+          <p:nvPr/>
+        </p:nvSpPr>
+        <p:spPr>
+          <a:xfrm>
+            <a:off x="4018280" y="4612640"/>
+            <a:ext cx="4094480" cy="457200"/>
+          </a:xfrm>
+          <a:prstGeom prst="rect">
+            <a:avLst/>
+          </a:prstGeom>
+          <a:noFill/>
+        </p:spPr>
+        <p:style>
+          <a:lnRef idx="2">
+            <a:schemeClr val="accent1">
+              <a:shade val="50000"/>
+            </a:schemeClr>
+          </a:lnRef>
+          <a:fillRef idx="1">
+            <a:schemeClr val="accent1"/>
+          </a:fillRef>
+          <a:effectRef idx="0">
+            <a:schemeClr val="accent1"/>
+          </a:effectRef>
+          <a:fontRef idx="minor">
+            <a:schemeClr val="lt1"/>
+          </a:fontRef>
+        </p:style>
+        <p:txBody>
+          <a:bodyPr rtlCol="0" anchor="ctr"/>
+          <a:lstStyle/>
+          <a:p>
+            <a:pPr algn="ctr"/>
+            <a:endParaRPr lang="en-US"/>
+          </a:p>
+        </p:txBody>
+      </p:sp>
+      <p:sp>
+        <p:nvSpPr>
+          <p:cNvPr id="3" name="TextBox 2">
+            <a:extLst>
+              <a:ext uri="{FF2B5EF4-FFF2-40B4-BE49-F238E27FC236}">
+                <a16:creationId xmlns:a16="http://schemas.microsoft.com/office/drawing/2014/main" id="{2A5C766D-CD29-4E2B-87ED-7A370ECB0CCF}"/>
+              </a:ext>
+            </a:extLst>
+          </p:cNvPr>
+          <p:cNvSpPr txBox="1"/>
+          <p:nvPr/>
+        </p:nvSpPr>
+        <p:spPr>
+          <a:xfrm>
+            <a:off x="1971040" y="4656574"/>
+            <a:ext cx="1991360" cy="369332"/>
+          </a:xfrm>
+          <a:prstGeom prst="rect">
+            <a:avLst/>
+          </a:prstGeom>
+          <a:noFill/>
+        </p:spPr>
+        <p:txBody>
+          <a:bodyPr wrap="square" rtlCol="0">
+            <a:spAutoFit/>
+          </a:bodyPr>
+          <a:lstStyle/>
+          <a:p>
+            <a:pPr algn="r"/>
+            <a:r>
+              <a:rPr lang="en-US" dirty="0"/>
+              <a:t>Location</a:t>
+            </a:r>
+          </a:p>
+        </p:txBody>
+      </p:sp>
+      <p:sp>
+        <p:nvSpPr>
+          <p:cNvPr id="18" name="Rectangle 17">
+            <a:extLst>
+              <a:ext uri="{FF2B5EF4-FFF2-40B4-BE49-F238E27FC236}">
+                <a16:creationId xmlns:a16="http://schemas.microsoft.com/office/drawing/2014/main" id="{57ED407D-B299-4DB4-91F3-3CD7938BC8DB}"/>
+              </a:ext>
+            </a:extLst>
+          </p:cNvPr>
+          <p:cNvSpPr/>
+          <p:nvPr/>
+        </p:nvSpPr>
+        <p:spPr>
+          <a:xfrm>
+            <a:off x="4033520" y="5222240"/>
+            <a:ext cx="4094480" cy="457200"/>
+          </a:xfrm>
+          <a:prstGeom prst="rect">
+            <a:avLst/>
+          </a:prstGeom>
+          <a:noFill/>
+        </p:spPr>
+        <p:style>
+          <a:lnRef idx="2">
+            <a:schemeClr val="accent1">
+              <a:shade val="50000"/>
+            </a:schemeClr>
+          </a:lnRef>
+          <a:fillRef idx="1">
+            <a:schemeClr val="accent1"/>
+          </a:fillRef>
+          <a:effectRef idx="0">
+            <a:schemeClr val="accent1"/>
+          </a:effectRef>
+          <a:fontRef idx="minor">
+            <a:schemeClr val="lt1"/>
+          </a:fontRef>
+        </p:style>
+        <p:txBody>
+          <a:bodyPr rtlCol="0" anchor="ctr"/>
+          <a:lstStyle/>
+          <a:p>
+            <a:pPr algn="ctr"/>
+            <a:endParaRPr lang="en-US"/>
+          </a:p>
+        </p:txBody>
+      </p:sp>
+      <p:sp>
+        <p:nvSpPr>
+          <p:cNvPr id="19" name="TextBox 18">
+            <a:extLst>
+              <a:ext uri="{FF2B5EF4-FFF2-40B4-BE49-F238E27FC236}">
+                <a16:creationId xmlns:a16="http://schemas.microsoft.com/office/drawing/2014/main" id="{86993E04-CB87-4581-841D-06AF20314864}"/>
+              </a:ext>
+            </a:extLst>
+          </p:cNvPr>
+          <p:cNvSpPr txBox="1"/>
+          <p:nvPr/>
+        </p:nvSpPr>
+        <p:spPr>
+          <a:xfrm>
+            <a:off x="1986280" y="5266174"/>
+            <a:ext cx="1991360" cy="369332"/>
+          </a:xfrm>
+          <a:prstGeom prst="rect">
+            <a:avLst/>
+          </a:prstGeom>
+          <a:noFill/>
+        </p:spPr>
+        <p:txBody>
+          <a:bodyPr wrap="square" rtlCol="0">
+            <a:spAutoFit/>
+          </a:bodyPr>
+          <a:lstStyle/>
+          <a:p>
+            <a:pPr algn="r"/>
+            <a:r>
+              <a:rPr lang="en-US" dirty="0"/>
+              <a:t>Location</a:t>
+            </a:r>
+          </a:p>
+        </p:txBody>
+      </p:sp>
+      <p:sp>
+        <p:nvSpPr>
+          <p:cNvPr id="22" name="Rectangle 21">
+            <a:extLst>
+              <a:ext uri="{FF2B5EF4-FFF2-40B4-BE49-F238E27FC236}">
+                <a16:creationId xmlns:a16="http://schemas.microsoft.com/office/drawing/2014/main" id="{5DEFFF57-B896-4283-972A-C4A5830F65C0}"/>
+              </a:ext>
+            </a:extLst>
+          </p:cNvPr>
+          <p:cNvSpPr/>
+          <p:nvPr/>
+        </p:nvSpPr>
+        <p:spPr>
+          <a:xfrm>
+            <a:off x="-1" y="0"/>
+            <a:ext cx="12191999" cy="3429000"/>
+          </a:xfrm>
+          <a:prstGeom prst="rect">
+            <a:avLst/>
+          </a:prstGeom>
+        </p:spPr>
+        <p:style>
+          <a:lnRef idx="2">
+            <a:schemeClr val="accent1">
+              <a:shade val="50000"/>
+            </a:schemeClr>
+          </a:lnRef>
+          <a:fillRef idx="1">
+            <a:schemeClr val="accent1"/>
+          </a:fillRef>
+          <a:effectRef idx="0">
+            <a:schemeClr val="accent1"/>
+          </a:effectRef>
+          <a:fontRef idx="minor">
+            <a:schemeClr val="lt1"/>
+          </a:fontRef>
+        </p:style>
+        <p:txBody>
+          <a:bodyPr rtlCol="0" anchor="ctr"/>
+          <a:lstStyle/>
+          <a:p>
+            <a:pPr algn="ctr"/>
+            <a:endParaRPr lang="en-US"/>
+          </a:p>
+        </p:txBody>
+      </p:sp>
+      <p:sp>
+        <p:nvSpPr>
+          <p:cNvPr id="20" name="TextBox 19">
+            <a:extLst>
+              <a:ext uri="{FF2B5EF4-FFF2-40B4-BE49-F238E27FC236}">
+                <a16:creationId xmlns:a16="http://schemas.microsoft.com/office/drawing/2014/main" id="{39D87466-FB96-4AED-815C-3907B2687689}"/>
+              </a:ext>
+            </a:extLst>
+          </p:cNvPr>
+          <p:cNvSpPr txBox="1"/>
+          <p:nvPr/>
+        </p:nvSpPr>
+        <p:spPr>
+          <a:xfrm>
+            <a:off x="7747000" y="3169503"/>
+            <a:ext cx="4445000" cy="553998"/>
+          </a:xfrm>
+          <a:prstGeom prst="rect">
+            <a:avLst/>
+          </a:prstGeom>
+          <a:noFill/>
+        </p:spPr>
+        <p:txBody>
+          <a:bodyPr wrap="square" rtlCol="0">
+            <a:spAutoFit/>
+          </a:bodyPr>
+          <a:lstStyle/>
+          <a:p>
+            <a:pPr algn="ctr"/>
+            <a:r>
+              <a:rPr lang="en-US" sz="3000" dirty="0"/>
+              <a:t>Frankfurt, Germany</a:t>
+            </a:r>
+          </a:p>
+        </p:txBody>
+      </p:sp>
+      <p:sp>
+        <p:nvSpPr>
+          <p:cNvPr id="11" name="TextBox 10">
+            <a:extLst>
+              <a:ext uri="{FF2B5EF4-FFF2-40B4-BE49-F238E27FC236}">
+                <a16:creationId xmlns:a16="http://schemas.microsoft.com/office/drawing/2014/main" id="{E680BD90-EF45-44A0-8BB1-E2533D4AAA3D}"/>
+              </a:ext>
+            </a:extLst>
+          </p:cNvPr>
+          <p:cNvSpPr txBox="1"/>
+          <p:nvPr/>
+        </p:nvSpPr>
+        <p:spPr>
+          <a:xfrm>
+            <a:off x="8382000" y="4162920"/>
+            <a:ext cx="3413760" cy="1477328"/>
+          </a:xfrm>
+          <a:prstGeom prst="rect">
+            <a:avLst/>
+          </a:prstGeom>
+          <a:noFill/>
+        </p:spPr>
+        <p:txBody>
+          <a:bodyPr wrap="square" rtlCol="0">
+            <a:spAutoFit/>
+          </a:bodyPr>
+          <a:lstStyle/>
+          <a:p>
+            <a:pPr marL="285750" indent="-285750">
+              <a:buFont typeface="Arial" panose="020B0604020202020204" pitchFamily="34" charset="0"/>
+              <a:buChar char="•"/>
+            </a:pPr>
+            <a:r>
+              <a:rPr lang="en-US" dirty="0"/>
+              <a:t>Private space</a:t>
+            </a:r>
+          </a:p>
+          <a:p>
+            <a:pPr marL="285750" indent="-285750">
+              <a:buFont typeface="Arial" panose="020B0604020202020204" pitchFamily="34" charset="0"/>
+              <a:buChar char="•"/>
+            </a:pPr>
+            <a:r>
+              <a:rPr lang="en-US" dirty="0"/>
+              <a:t>Open Workspace</a:t>
+            </a:r>
+          </a:p>
+          <a:p>
+            <a:pPr marL="285750" indent="-285750">
+              <a:buFont typeface="Arial" panose="020B0604020202020204" pitchFamily="34" charset="0"/>
+              <a:buChar char="•"/>
+            </a:pPr>
+            <a:r>
+              <a:rPr lang="en-US" dirty="0"/>
+              <a:t>Meeting Room</a:t>
+            </a:r>
+          </a:p>
+          <a:p>
+            <a:pPr marL="285750" indent="-285750">
+              <a:buFont typeface="Arial" panose="020B0604020202020204" pitchFamily="34" charset="0"/>
+              <a:buChar char="•"/>
+            </a:pPr>
+            <a:endParaRPr lang="en-US" dirty="0"/>
+          </a:p>
+          <a:p>
+            <a:pPr marL="285750" indent="-285750">
+              <a:buFont typeface="Arial" panose="020B0604020202020204" pitchFamily="34" charset="0"/>
+              <a:buChar char="•"/>
+            </a:pPr>
+            <a:endParaRPr lang="en-US" dirty="0"/>
+          </a:p>
+        </p:txBody>
+      </p:sp>
+    </p:spTree>
+    <p:extLst>
+      <p:ext uri="{BB962C8B-B14F-4D97-AF65-F5344CB8AC3E}">
+        <p14:creationId xmlns:p14="http://schemas.microsoft.com/office/powerpoint/2010/main" val="1115696043"/>
+      </p:ext>
+    </p:extLst>
+  </p:cSld>
+  <p:clrMapOvr>
+    <a:masterClrMapping/>
+  </p:clrMapOvr>
+</p:sld>
+</file>
+
+<file path=ppt/slides/slide11.xml><?xml version="1.0" encoding="utf-8"?>
+<p:sld xmlns:a="http://schemas.openxmlformats.org/drawingml/2006/main" xmlns:r="http://schemas.openxmlformats.org/officeDocument/2006/relationships" xmlns:p="http://schemas.openxmlformats.org/presentationml/2006/main">
+  <p:cSld>
+    <p:spTree>
+      <p:nvGrpSpPr>
+        <p:cNvPr id="1" name=""/>
+        <p:cNvGrpSpPr/>
+        <p:nvPr/>
+      </p:nvGrpSpPr>
+      <p:grpSpPr>
+        <a:xfrm>
+          <a:off x="0" y="0"/>
+          <a:ext cx="0" cy="0"/>
+          <a:chOff x="0" y="0"/>
+          <a:chExt cx="0" cy="0"/>
+        </a:xfrm>
+      </p:grpSpPr>
+      <p:sp>
+        <p:nvSpPr>
+          <p:cNvPr id="6" name="Rectangle 5">
+            <a:extLst>
+              <a:ext uri="{FF2B5EF4-FFF2-40B4-BE49-F238E27FC236}">
+                <a16:creationId xmlns:a16="http://schemas.microsoft.com/office/drawing/2014/main" id="{BE21B872-4817-42CC-AC91-C88120918379}"/>
+              </a:ext>
+            </a:extLst>
+          </p:cNvPr>
+          <p:cNvSpPr/>
+          <p:nvPr/>
+        </p:nvSpPr>
+        <p:spPr>
+          <a:xfrm>
+            <a:off x="2206473" y="2362200"/>
+            <a:ext cx="8085607" cy="2133600"/>
+          </a:xfrm>
+          <a:prstGeom prst="rect">
+            <a:avLst/>
+          </a:prstGeom>
+        </p:spPr>
+        <p:style>
+          <a:lnRef idx="2">
+            <a:schemeClr val="accent1">
+              <a:shade val="50000"/>
+            </a:schemeClr>
+          </a:lnRef>
+          <a:fillRef idx="1">
+            <a:schemeClr val="accent1"/>
+          </a:fillRef>
+          <a:effectRef idx="0">
+            <a:schemeClr val="accent1"/>
+          </a:effectRef>
+          <a:fontRef idx="minor">
+            <a:schemeClr val="lt1"/>
+          </a:fontRef>
+        </p:style>
+        <p:txBody>
+          <a:bodyPr rtlCol="0" anchor="ctr"/>
+          <a:lstStyle/>
+          <a:p>
+            <a:pPr algn="ctr"/>
+            <a:r>
+              <a:rPr lang="en-US" dirty="0"/>
+              <a:t>Insert value thing from loopy</a:t>
+            </a:r>
+          </a:p>
+          <a:p>
+            <a:pPr algn="ctr"/>
+            <a:r>
+              <a:rPr lang="en-US" dirty="0"/>
+              <a:t>Perhaps don’t even use the above</a:t>
+            </a:r>
+          </a:p>
+        </p:txBody>
+      </p:sp>
+    </p:spTree>
+    <p:extLst>
+      <p:ext uri="{BB962C8B-B14F-4D97-AF65-F5344CB8AC3E}">
+        <p14:creationId xmlns:p14="http://schemas.microsoft.com/office/powerpoint/2010/main" val="1844804774"/>
+      </p:ext>
+    </p:extLst>
+  </p:cSld>
+  <p:clrMapOvr>
+    <a:masterClrMapping/>
+  </p:clrMapOvr>
+</p:sld>
+</file>
+
+<file path=ppt/slides/slide12.xml><?xml version="1.0" encoding="utf-8"?>
+<p:sld xmlns:a="http://schemas.openxmlformats.org/drawingml/2006/main" xmlns:r="http://schemas.openxmlformats.org/officeDocument/2006/relationships" xmlns:p="http://schemas.openxmlformats.org/presentationml/2006/main">
+  <p:cSld>
+    <p:spTree>
+      <p:nvGrpSpPr>
+        <p:cNvPr id="1" name=""/>
+        <p:cNvGrpSpPr/>
+        <p:nvPr/>
+      </p:nvGrpSpPr>
+      <p:grpSpPr>
+        <a:xfrm>
+          <a:off x="0" y="0"/>
+          <a:ext cx="0" cy="0"/>
+          <a:chOff x="0" y="0"/>
+          <a:chExt cx="0" cy="0"/>
+        </a:xfrm>
+      </p:grpSpPr>
+      <p:sp>
+        <p:nvSpPr>
+          <p:cNvPr id="4" name="TextBox 3">
+            <a:extLst>
+              <a:ext uri="{FF2B5EF4-FFF2-40B4-BE49-F238E27FC236}">
+                <a16:creationId xmlns:a16="http://schemas.microsoft.com/office/drawing/2014/main" id="{BD394466-0563-4042-9DE0-0FBE0E4C666D}"/>
+              </a:ext>
+            </a:extLst>
+          </p:cNvPr>
+          <p:cNvSpPr txBox="1"/>
+          <p:nvPr/>
+        </p:nvSpPr>
+        <p:spPr>
+          <a:xfrm>
+            <a:off x="7342094" y="376518"/>
+            <a:ext cx="4849906" cy="1754326"/>
+          </a:xfrm>
+          <a:prstGeom prst="rect">
+            <a:avLst/>
+          </a:prstGeom>
+          <a:noFill/>
+        </p:spPr>
+        <p:txBody>
+          <a:bodyPr wrap="square" rtlCol="0">
+            <a:spAutoFit/>
+          </a:bodyPr>
+          <a:lstStyle/>
+          <a:p>
+            <a:r>
+              <a:rPr lang="en-US" dirty="0"/>
+              <a:t>0x</a:t>
+            </a:r>
+          </a:p>
+          <a:p>
+            <a:pPr marL="285750" indent="-285750">
+              <a:buFont typeface="Arial" panose="020B0604020202020204" pitchFamily="34" charset="0"/>
+              <a:buChar char="•"/>
+            </a:pPr>
+            <a:r>
+              <a:rPr lang="en-US" dirty="0"/>
+              <a:t>Multi-dimensional</a:t>
+            </a:r>
+          </a:p>
+          <a:p>
+            <a:pPr marL="742950" lvl="1" indent="-285750">
+              <a:buFont typeface="Arial" panose="020B0604020202020204" pitchFamily="34" charset="0"/>
+              <a:buChar char="•"/>
+            </a:pPr>
+            <a:r>
+              <a:rPr lang="en-US" dirty="0"/>
+              <a:t>Business for Good</a:t>
+            </a:r>
+          </a:p>
+          <a:p>
+            <a:pPr marL="742950" lvl="1" indent="-285750">
+              <a:buFont typeface="Arial" panose="020B0604020202020204" pitchFamily="34" charset="0"/>
+              <a:buChar char="•"/>
+            </a:pPr>
+            <a:r>
+              <a:rPr lang="en-US" dirty="0"/>
+              <a:t>Shared Economy</a:t>
+            </a:r>
+          </a:p>
+          <a:p>
+            <a:pPr marL="742950" lvl="1" indent="-285750">
+              <a:buFont typeface="Arial" panose="020B0604020202020204" pitchFamily="34" charset="0"/>
+              <a:buChar char="•"/>
+            </a:pPr>
+            <a:r>
+              <a:rPr lang="en-US" dirty="0"/>
+              <a:t>Social Impact</a:t>
+            </a:r>
+          </a:p>
+          <a:p>
+            <a:pPr marL="285750" indent="-285750">
+              <a:buFont typeface="Arial" panose="020B0604020202020204" pitchFamily="34" charset="0"/>
+              <a:buChar char="•"/>
+            </a:pPr>
+            <a:r>
+              <a:rPr lang="en-US" dirty="0"/>
+              <a:t>0 waste</a:t>
+            </a:r>
+          </a:p>
+        </p:txBody>
+      </p:sp>
+      <p:graphicFrame>
+        <p:nvGraphicFramePr>
+          <p:cNvPr id="6" name="Diagram 5">
+            <a:extLst>
+              <a:ext uri="{FF2B5EF4-FFF2-40B4-BE49-F238E27FC236}">
+                <a16:creationId xmlns:a16="http://schemas.microsoft.com/office/drawing/2014/main" id="{1B3E8AB3-438C-4E87-81AF-A0FDC1C97DE7}"/>
+              </a:ext>
+            </a:extLst>
+          </p:cNvPr>
+          <p:cNvGraphicFramePr/>
+          <p:nvPr>
+            <p:extLst>
+              <p:ext uri="{D42A27DB-BD31-4B8C-83A1-F6EECF244321}">
+                <p14:modId xmlns:p14="http://schemas.microsoft.com/office/powerpoint/2010/main" val="2822160398"/>
+              </p:ext>
+            </p:extLst>
+          </p:nvPr>
+        </p:nvGraphicFramePr>
+        <p:xfrm>
+          <a:off x="221974" y="1752600"/>
+          <a:ext cx="6178825" cy="3917950"/>
+        </p:xfrm>
+        <a:graphic>
+          <a:graphicData uri="http://schemas.openxmlformats.org/drawingml/2006/diagram">
+            <dgm:relIds xmlns:dgm="http://schemas.openxmlformats.org/drawingml/2006/diagram" xmlns:r="http://schemas.openxmlformats.org/officeDocument/2006/relationships" r:dm="rId2" r:lo="rId3" r:qs="rId4" r:cs="rId5"/>
+          </a:graphicData>
+        </a:graphic>
+      </p:graphicFrame>
+      <p:sp>
+        <p:nvSpPr>
+          <p:cNvPr id="10" name="TextBox 9">
+            <a:extLst>
+              <a:ext uri="{FF2B5EF4-FFF2-40B4-BE49-F238E27FC236}">
+                <a16:creationId xmlns:a16="http://schemas.microsoft.com/office/drawing/2014/main" id="{721DD213-387F-4F24-911C-6B959E3C741C}"/>
+              </a:ext>
+            </a:extLst>
+          </p:cNvPr>
+          <p:cNvSpPr txBox="1"/>
+          <p:nvPr/>
+        </p:nvSpPr>
+        <p:spPr>
+          <a:xfrm>
+            <a:off x="5043815" y="2550185"/>
+            <a:ext cx="2024270" cy="440102"/>
+          </a:xfrm>
+          <a:prstGeom prst="rect">
+            <a:avLst/>
+          </a:prstGeom>
+        </p:spPr>
+        <p:txBody>
+          <a:bodyPr vert="horz" wrap="square" lIns="91440" tIns="45720" rIns="91440" bIns="45720" rtlCol="0" anchor="ctr">
+            <a:noAutofit/>
+          </a:bodyPr>
+          <a:lstStyle/>
+          <a:p>
+            <a:pPr defTabSz="457200"/>
+            <a:r>
+              <a:rPr lang="en-US" sz="2000" dirty="0">
+                <a:solidFill>
+                  <a:srgbClr val="5AA85D"/>
+                </a:solidFill>
+                <a:latin typeface="Roboto Black" panose="02000000000000000000" pitchFamily="2" charset="0"/>
+                <a:ea typeface="Roboto Black" panose="02000000000000000000" pitchFamily="2" charset="0"/>
+                <a:cs typeface="Roboto Condensed Regular"/>
+              </a:rPr>
+              <a:t>The sweet spot</a:t>
+            </a:r>
+          </a:p>
+        </p:txBody>
+      </p:sp>
+      <p:sp>
+        <p:nvSpPr>
+          <p:cNvPr id="11" name="Oval 10">
+            <a:extLst>
+              <a:ext uri="{FF2B5EF4-FFF2-40B4-BE49-F238E27FC236}">
+                <a16:creationId xmlns:a16="http://schemas.microsoft.com/office/drawing/2014/main" id="{5AEC66C2-CB5F-413F-83E8-EBADDE573B1F}"/>
+              </a:ext>
+            </a:extLst>
+          </p:cNvPr>
+          <p:cNvSpPr/>
+          <p:nvPr/>
+        </p:nvSpPr>
+        <p:spPr>
+          <a:xfrm>
+            <a:off x="3142127" y="3737181"/>
+            <a:ext cx="367752" cy="390954"/>
+          </a:xfrm>
+          <a:prstGeom prst="ellipse">
+            <a:avLst/>
+          </a:prstGeom>
+          <a:gradFill rotWithShape="1">
+            <a:gsLst>
+              <a:gs pos="0">
+                <a:srgbClr val="5AA85D">
+                  <a:tint val="100000"/>
+                  <a:shade val="100000"/>
+                  <a:satMod val="130000"/>
+                </a:srgbClr>
+              </a:gs>
+              <a:gs pos="100000">
+                <a:srgbClr val="5AA85D">
+                  <a:tint val="50000"/>
+                  <a:shade val="100000"/>
+                  <a:satMod val="350000"/>
+                </a:srgbClr>
+              </a:gs>
+            </a:gsLst>
+            <a:lin ang="16200000" scaled="0"/>
+          </a:gradFill>
+          <a:ln w="9525" cap="flat" cmpd="sng" algn="ctr">
+            <a:solidFill>
+              <a:srgbClr val="5AA85D">
+                <a:shade val="95000"/>
+                <a:satMod val="105000"/>
+              </a:srgbClr>
+            </a:solidFill>
+            <a:prstDash val="solid"/>
+          </a:ln>
+          <a:effectLst>
+            <a:outerShdw blurRad="40000" dist="23000" dir="5400000" rotWithShape="0">
+              <a:srgbClr val="000000">
+                <a:alpha val="35000"/>
+              </a:srgbClr>
+            </a:outerShdw>
+          </a:effectLst>
+        </p:spPr>
+        <p:txBody>
+          <a:bodyPr rtlCol="0" anchor="ctr"/>
+          <a:lstStyle/>
+          <a:p>
+            <a:pPr marL="0" marR="0" lvl="0" indent="0" algn="ctr" defTabSz="457200" eaLnBrk="1" fontAlgn="auto" latinLnBrk="0" hangingPunct="1">
+              <a:lnSpc>
+                <a:spcPct val="100000"/>
+              </a:lnSpc>
+              <a:spcBef>
+                <a:spcPts val="0"/>
+              </a:spcBef>
+              <a:spcAft>
+                <a:spcPts val="0"/>
+              </a:spcAft>
+              <a:buClrTx/>
+              <a:buSzTx/>
+              <a:buFontTx/>
+              <a:buNone/>
+              <a:tabLst/>
+              <a:defRPr/>
+            </a:pPr>
+            <a:endParaRPr kumimoji="0" lang="en-US" sz="1800" b="0" i="0" u="none" strike="noStrike" kern="0" cap="none" spc="0" normalizeH="0" baseline="0" noProof="0">
+              <a:ln>
+                <a:noFill/>
+              </a:ln>
+              <a:solidFill>
+                <a:srgbClr val="FFFFFF"/>
+              </a:solidFill>
+              <a:effectLst/>
+              <a:uLnTx/>
+              <a:uFillTx/>
+              <a:latin typeface="Calibri"/>
+              <a:ea typeface="+mn-ea"/>
+              <a:cs typeface="+mn-cs"/>
+            </a:endParaRPr>
+          </a:p>
+        </p:txBody>
+      </p:sp>
+      <p:cxnSp>
+        <p:nvCxnSpPr>
+          <p:cNvPr id="12" name="Straight Arrow Connector 11">
+            <a:extLst>
+              <a:ext uri="{FF2B5EF4-FFF2-40B4-BE49-F238E27FC236}">
+                <a16:creationId xmlns:a16="http://schemas.microsoft.com/office/drawing/2014/main" id="{66FEC790-45D2-47BE-AA2C-ED2FD872CE68}"/>
+              </a:ext>
+            </a:extLst>
+          </p:cNvPr>
+          <p:cNvCxnSpPr>
+            <a:cxnSpLocks/>
+            <a:stCxn id="10" idx="1"/>
+            <a:endCxn id="11" idx="7"/>
+          </p:cNvCxnSpPr>
+          <p:nvPr/>
+        </p:nvCxnSpPr>
+        <p:spPr>
+          <a:xfrm flipH="1">
+            <a:off x="3456023" y="2770236"/>
+            <a:ext cx="1587792" cy="1024199"/>
+          </a:xfrm>
+          <a:prstGeom prst="straightConnector1">
+            <a:avLst/>
+          </a:prstGeom>
+          <a:noFill/>
+          <a:ln w="38100" cap="flat" cmpd="sng" algn="ctr">
+            <a:solidFill>
+              <a:srgbClr val="5AA85D"/>
+            </a:solidFill>
+            <a:prstDash val="solid"/>
+            <a:tailEnd type="triangle" w="lg" len="lg"/>
+          </a:ln>
+          <a:effectLst>
+            <a:outerShdw blurRad="40000" dist="23000" dir="5400000" rotWithShape="0">
+              <a:srgbClr val="000000">
+                <a:alpha val="35000"/>
+              </a:srgbClr>
+            </a:outerShdw>
+          </a:effectLst>
+        </p:spPr>
+      </p:cxnSp>
+    </p:spTree>
+    <p:extLst>
+      <p:ext uri="{BB962C8B-B14F-4D97-AF65-F5344CB8AC3E}">
+        <p14:creationId xmlns:p14="http://schemas.microsoft.com/office/powerpoint/2010/main" val="669771956"/>
+      </p:ext>
+    </p:extLst>
+  </p:cSld>
+  <p:clrMapOvr>
+    <a:masterClrMapping/>
+  </p:clrMapOvr>
+</p:sld>
+</file>
+
+<file path=ppt/slides/slide13.xml><?xml version="1.0" encoding="utf-8"?>
+<p:sld xmlns:a="http://schemas.openxmlformats.org/drawingml/2006/main" xmlns:r="http://schemas.openxmlformats.org/officeDocument/2006/relationships" xmlns:p="http://schemas.openxmlformats.org/presentationml/2006/main">
+  <p:cSld>
+    <p:spTree>
+      <p:nvGrpSpPr>
+        <p:cNvPr id="1" name=""/>
+        <p:cNvGrpSpPr/>
+        <p:nvPr/>
+      </p:nvGrpSpPr>
+      <p:grpSpPr>
+        <a:xfrm>
+          <a:off x="0" y="0"/>
+          <a:ext cx="0" cy="0"/>
+          <a:chOff x="0" y="0"/>
+          <a:chExt cx="0" cy="0"/>
+        </a:xfrm>
+      </p:grpSpPr>
+      <p:sp>
+        <p:nvSpPr>
+          <p:cNvPr id="2" name="TextBox 1">
+            <a:extLst>
+              <a:ext uri="{FF2B5EF4-FFF2-40B4-BE49-F238E27FC236}">
+                <a16:creationId xmlns:a16="http://schemas.microsoft.com/office/drawing/2014/main" id="{2D8453CC-715A-4388-96B3-58DA452F1108}"/>
+              </a:ext>
+            </a:extLst>
+          </p:cNvPr>
+          <p:cNvSpPr txBox="1"/>
+          <p:nvPr/>
+        </p:nvSpPr>
+        <p:spPr>
+          <a:xfrm>
+            <a:off x="990599" y="788894"/>
+            <a:ext cx="2389096" cy="461665"/>
+          </a:xfrm>
+          <a:prstGeom prst="rect">
+            <a:avLst/>
+          </a:prstGeom>
+          <a:noFill/>
+        </p:spPr>
+        <p:txBody>
+          <a:bodyPr wrap="square" rtlCol="0">
+            <a:spAutoFit/>
+          </a:bodyPr>
+          <a:lstStyle/>
+          <a:p>
+            <a:pPr algn="ctr"/>
+            <a:r>
+              <a:rPr lang="en-US" sz="2400" b="1" dirty="0"/>
+              <a:t>Workers</a:t>
+            </a:r>
+          </a:p>
+        </p:txBody>
+      </p:sp>
+      <p:sp>
+        <p:nvSpPr>
+          <p:cNvPr id="3" name="Rectangle: Rounded Corners 2">
+            <a:extLst>
+              <a:ext uri="{FF2B5EF4-FFF2-40B4-BE49-F238E27FC236}">
+                <a16:creationId xmlns:a16="http://schemas.microsoft.com/office/drawing/2014/main" id="{D268141D-2997-4C42-BD9F-6EEF03CCAF2A}"/>
+              </a:ext>
+            </a:extLst>
+          </p:cNvPr>
+          <p:cNvSpPr/>
+          <p:nvPr/>
+        </p:nvSpPr>
+        <p:spPr>
+          <a:xfrm>
+            <a:off x="4913218" y="1599789"/>
+            <a:ext cx="2097183" cy="3348729"/>
+          </a:xfrm>
+          <a:prstGeom prst="roundRect">
+            <a:avLst>
+              <a:gd name="adj" fmla="val 6408"/>
+            </a:avLst>
+          </a:prstGeom>
+          <a:noFill/>
+        </p:spPr>
+        <p:style>
+          <a:lnRef idx="2">
+            <a:schemeClr val="accent1">
+              <a:shade val="50000"/>
+            </a:schemeClr>
+          </a:lnRef>
+          <a:fillRef idx="1">
+            <a:schemeClr val="accent1"/>
+          </a:fillRef>
+          <a:effectRef idx="0">
+            <a:schemeClr val="accent1"/>
+          </a:effectRef>
+          <a:fontRef idx="minor">
+            <a:schemeClr val="lt1"/>
+          </a:fontRef>
+        </p:style>
+        <p:txBody>
+          <a:bodyPr rtlCol="0" anchor="ctr"/>
+          <a:lstStyle/>
+          <a:p>
+            <a:pPr algn="ctr"/>
+            <a:r>
+              <a:rPr lang="en-US" dirty="0">
+                <a:solidFill>
+                  <a:schemeClr val="tx1"/>
+                </a:solidFill>
+              </a:rPr>
+              <a:t>Workspace0x</a:t>
+            </a:r>
+          </a:p>
+        </p:txBody>
+      </p:sp>
+      <p:pic>
+        <p:nvPicPr>
+          <p:cNvPr id="6" name="Picture 5">
+            <a:extLst>
+              <a:ext uri="{FF2B5EF4-FFF2-40B4-BE49-F238E27FC236}">
+                <a16:creationId xmlns:a16="http://schemas.microsoft.com/office/drawing/2014/main" id="{ECD03366-03D4-4603-8847-67A1CA280696}"/>
+              </a:ext>
+            </a:extLst>
+          </p:cNvPr>
+          <p:cNvPicPr>
+            <a:picLocks noChangeAspect="1"/>
+          </p:cNvPicPr>
+          <p:nvPr/>
+        </p:nvPicPr>
+        <p:blipFill>
+          <a:blip r:embed="rId2"/>
+          <a:stretch>
+            <a:fillRect/>
+          </a:stretch>
+        </p:blipFill>
+        <p:spPr>
+          <a:xfrm>
+            <a:off x="7870152" y="3445783"/>
+            <a:ext cx="3381935" cy="598342"/>
+          </a:xfrm>
+          <a:prstGeom prst="rect">
+            <a:avLst/>
+          </a:prstGeom>
+        </p:spPr>
+      </p:pic>
+      <p:sp>
+        <p:nvSpPr>
+          <p:cNvPr id="7" name="TextBox 6">
+            <a:extLst>
+              <a:ext uri="{FF2B5EF4-FFF2-40B4-BE49-F238E27FC236}">
+                <a16:creationId xmlns:a16="http://schemas.microsoft.com/office/drawing/2014/main" id="{B97F7CAC-19C9-4388-8341-44C2785DD760}"/>
+              </a:ext>
+            </a:extLst>
+          </p:cNvPr>
+          <p:cNvSpPr txBox="1"/>
+          <p:nvPr/>
+        </p:nvSpPr>
+        <p:spPr>
+          <a:xfrm>
+            <a:off x="4701987" y="788893"/>
+            <a:ext cx="2389096" cy="461665"/>
+          </a:xfrm>
+          <a:prstGeom prst="rect">
+            <a:avLst/>
+          </a:prstGeom>
+          <a:noFill/>
+        </p:spPr>
+        <p:txBody>
+          <a:bodyPr wrap="square" rtlCol="0">
+            <a:spAutoFit/>
+          </a:bodyPr>
+          <a:lstStyle/>
+          <a:p>
+            <a:pPr algn="ctr"/>
+            <a:r>
+              <a:rPr lang="en-US" sz="2400" b="1" dirty="0"/>
+              <a:t>Platform</a:t>
+            </a:r>
+          </a:p>
+        </p:txBody>
+      </p:sp>
+      <p:sp>
+        <p:nvSpPr>
+          <p:cNvPr id="8" name="TextBox 7">
+            <a:extLst>
+              <a:ext uri="{FF2B5EF4-FFF2-40B4-BE49-F238E27FC236}">
+                <a16:creationId xmlns:a16="http://schemas.microsoft.com/office/drawing/2014/main" id="{B871650B-FF15-4EBD-863B-108850112743}"/>
+              </a:ext>
+            </a:extLst>
+          </p:cNvPr>
+          <p:cNvSpPr txBox="1"/>
+          <p:nvPr/>
+        </p:nvSpPr>
+        <p:spPr>
+          <a:xfrm>
+            <a:off x="8550087" y="788892"/>
+            <a:ext cx="2389096" cy="461665"/>
+          </a:xfrm>
+          <a:prstGeom prst="rect">
+            <a:avLst/>
+          </a:prstGeom>
+          <a:noFill/>
+        </p:spPr>
+        <p:txBody>
+          <a:bodyPr wrap="square" rtlCol="0">
+            <a:spAutoFit/>
+          </a:bodyPr>
+          <a:lstStyle/>
+          <a:p>
+            <a:pPr algn="ctr"/>
+            <a:r>
+              <a:rPr lang="en-US" sz="2400" b="1" dirty="0"/>
+              <a:t>Workspaces</a:t>
+            </a:r>
+          </a:p>
+        </p:txBody>
+      </p:sp>
+      <p:pic>
+        <p:nvPicPr>
+          <p:cNvPr id="3074" name="Picture 2" descr="Image result for house clipart">
+            <a:extLst>
+              <a:ext uri="{FF2B5EF4-FFF2-40B4-BE49-F238E27FC236}">
+                <a16:creationId xmlns:a16="http://schemas.microsoft.com/office/drawing/2014/main" id="{00AA1F3E-FB56-4682-9221-71574D3EA3BF}"/>
+              </a:ext>
+            </a:extLst>
+          </p:cNvPr>
+          <p:cNvPicPr>
+            <a:picLocks noChangeAspect="1" noChangeArrowheads="1"/>
+          </p:cNvPicPr>
+          <p:nvPr/>
+        </p:nvPicPr>
+        <p:blipFill>
+          <a:blip r:embed="rId3">
+            <a:extLst>
+              <a:ext uri="{28A0092B-C50C-407E-A947-70E740481C1C}">
+                <a14:useLocalDpi xmlns:a14="http://schemas.microsoft.com/office/drawing/2010/main" val="0"/>
+              </a:ext>
+            </a:extLst>
+          </a:blip>
+          <a:srcRect/>
+          <a:stretch>
+            <a:fillRect/>
+          </a:stretch>
+        </p:blipFill>
+        <p:spPr bwMode="auto">
+          <a:xfrm>
+            <a:off x="7870152" y="4497575"/>
+            <a:ext cx="1218240" cy="1212826"/>
+          </a:xfrm>
+          <a:prstGeom prst="rect">
+            <a:avLst/>
+          </a:prstGeom>
+          <a:noFill/>
+          <a:extLst>
+            <a:ext uri="{909E8E84-426E-40DD-AFC4-6F175D3DCCD1}">
+              <a14:hiddenFill xmlns:a14="http://schemas.microsoft.com/office/drawing/2010/main">
+                <a:solidFill>
+                  <a:srgbClr val="FFFFFF"/>
+                </a:solidFill>
+              </a14:hiddenFill>
+            </a:ext>
+          </a:extLst>
+        </p:spPr>
+      </p:pic>
+      <p:pic>
+        <p:nvPicPr>
+          <p:cNvPr id="9" name="Picture 8">
+            <a:extLst>
+              <a:ext uri="{FF2B5EF4-FFF2-40B4-BE49-F238E27FC236}">
+                <a16:creationId xmlns:a16="http://schemas.microsoft.com/office/drawing/2014/main" id="{F27ADBF5-159E-4FEE-A496-BF771B42A269}"/>
+              </a:ext>
+            </a:extLst>
+          </p:cNvPr>
+          <p:cNvPicPr>
+            <a:picLocks noChangeAspect="1"/>
+          </p:cNvPicPr>
+          <p:nvPr/>
+        </p:nvPicPr>
+        <p:blipFill>
+          <a:blip r:embed="rId4"/>
+          <a:stretch>
+            <a:fillRect/>
+          </a:stretch>
+        </p:blipFill>
+        <p:spPr>
+          <a:xfrm>
+            <a:off x="9705064" y="4382179"/>
+            <a:ext cx="1851914" cy="1443618"/>
+          </a:xfrm>
+          <a:prstGeom prst="rect">
+            <a:avLst/>
+          </a:prstGeom>
+        </p:spPr>
+      </p:pic>
+      <p:pic>
+        <p:nvPicPr>
+          <p:cNvPr id="3086" name="Picture 14" descr="Image result for coffee shop clipart">
+            <a:extLst>
+              <a:ext uri="{FF2B5EF4-FFF2-40B4-BE49-F238E27FC236}">
+                <a16:creationId xmlns:a16="http://schemas.microsoft.com/office/drawing/2014/main" id="{1F7FD523-2612-4F6D-8EAD-4A40C1EF9DA2}"/>
+              </a:ext>
+            </a:extLst>
+          </p:cNvPr>
+          <p:cNvPicPr>
+            <a:picLocks noChangeAspect="1" noChangeArrowheads="1"/>
+          </p:cNvPicPr>
+          <p:nvPr/>
+        </p:nvPicPr>
+        <p:blipFill>
+          <a:blip r:embed="rId5">
+            <a:extLst>
+              <a:ext uri="{28A0092B-C50C-407E-A947-70E740481C1C}">
+                <a14:useLocalDpi xmlns:a14="http://schemas.microsoft.com/office/drawing/2010/main" val="0"/>
+              </a:ext>
+            </a:extLst>
+          </a:blip>
+          <a:srcRect/>
+          <a:stretch>
+            <a:fillRect/>
+          </a:stretch>
+        </p:blipFill>
+        <p:spPr bwMode="auto">
+          <a:xfrm>
+            <a:off x="8444197" y="1444757"/>
+            <a:ext cx="2233843" cy="1662972"/>
+          </a:xfrm>
+          <a:prstGeom prst="rect">
+            <a:avLst/>
+          </a:prstGeom>
+          <a:noFill/>
+          <a:extLst>
+            <a:ext uri="{909E8E84-426E-40DD-AFC4-6F175D3DCCD1}">
+              <a14:hiddenFill xmlns:a14="http://schemas.microsoft.com/office/drawing/2010/main">
+                <a:solidFill>
+                  <a:srgbClr val="FFFFFF"/>
+                </a:solidFill>
+              </a14:hiddenFill>
+            </a:ext>
+          </a:extLst>
+        </p:spPr>
+      </p:pic>
+      <p:pic>
+        <p:nvPicPr>
+          <p:cNvPr id="12" name="Picture 11">
+            <a:extLst>
+              <a:ext uri="{FF2B5EF4-FFF2-40B4-BE49-F238E27FC236}">
+                <a16:creationId xmlns:a16="http://schemas.microsoft.com/office/drawing/2014/main" id="{175DD02B-343B-4887-83BD-AFA73AE1543A}"/>
+              </a:ext>
+            </a:extLst>
+          </p:cNvPr>
+          <p:cNvPicPr>
+            <a:picLocks noChangeAspect="1"/>
+          </p:cNvPicPr>
+          <p:nvPr/>
+        </p:nvPicPr>
+        <p:blipFill>
+          <a:blip r:embed="rId6">
+            <a:extLst>
+              <a:ext uri="{BEBA8EAE-BF5A-486C-A8C5-ECC9F3942E4B}">
+                <a14:imgProps xmlns:a14="http://schemas.microsoft.com/office/drawing/2010/main">
+                  <a14:imgLayer r:embed="rId7">
+                    <a14:imgEffect>
+                      <a14:brightnessContrast bright="45000"/>
+                    </a14:imgEffect>
+                  </a14:imgLayer>
+                </a14:imgProps>
+              </a:ext>
+            </a:extLst>
+          </a:blip>
+          <a:stretch>
+            <a:fillRect/>
+          </a:stretch>
+        </p:blipFill>
+        <p:spPr>
+          <a:xfrm>
+            <a:off x="540019" y="1444757"/>
+            <a:ext cx="3292366" cy="2131563"/>
+          </a:xfrm>
+          <a:prstGeom prst="rect">
+            <a:avLst/>
+          </a:prstGeom>
+        </p:spPr>
+      </p:pic>
+      <p:grpSp>
+        <p:nvGrpSpPr>
+          <p:cNvPr id="13" name="Group 12">
+            <a:extLst>
+              <a:ext uri="{FF2B5EF4-FFF2-40B4-BE49-F238E27FC236}">
+                <a16:creationId xmlns:a16="http://schemas.microsoft.com/office/drawing/2014/main" id="{F0AB972F-41C4-4487-8A0B-FA717AA54167}"/>
+              </a:ext>
+            </a:extLst>
+          </p:cNvPr>
+          <p:cNvGrpSpPr/>
+          <p:nvPr/>
+        </p:nvGrpSpPr>
+        <p:grpSpPr>
+          <a:xfrm>
+            <a:off x="3910557" y="2276243"/>
+            <a:ext cx="924488" cy="1255059"/>
+            <a:chOff x="4187534" y="2202921"/>
+            <a:chExt cx="924488" cy="1255059"/>
+          </a:xfrm>
+        </p:grpSpPr>
+        <p:sp>
+          <p:nvSpPr>
+            <p:cNvPr id="20" name="Arrow: Chevron 19">
+              <a:extLst>
+                <a:ext uri="{FF2B5EF4-FFF2-40B4-BE49-F238E27FC236}">
+                  <a16:creationId xmlns:a16="http://schemas.microsoft.com/office/drawing/2014/main" id="{3DC8C62F-A0FF-4081-A86E-9C0362DD1416}"/>
+                </a:ext>
+              </a:extLst>
+            </p:cNvPr>
+            <p:cNvSpPr/>
+            <p:nvPr/>
+          </p:nvSpPr>
+          <p:spPr>
+            <a:xfrm>
+              <a:off x="4187534" y="2202921"/>
+              <a:ext cx="828117" cy="1255059"/>
+            </a:xfrm>
+            <a:prstGeom prst="chevron">
+              <a:avLst>
+                <a:gd name="adj" fmla="val 72733"/>
+              </a:avLst>
+            </a:prstGeom>
+            <a:solidFill>
+              <a:srgbClr val="737373"/>
+            </a:solidFill>
+            <a:ln>
+              <a:solidFill>
+                <a:schemeClr val="tx1">
+                  <a:lumMod val="50000"/>
+                  <a:lumOff val="50000"/>
+                </a:schemeClr>
+              </a:solidFill>
+            </a:ln>
+          </p:spPr>
+          <p:style>
+            <a:lnRef idx="2">
+              <a:schemeClr val="accent1">
+                <a:shade val="50000"/>
+              </a:schemeClr>
+            </a:lnRef>
+            <a:fillRef idx="1">
+              <a:schemeClr val="accent1"/>
+            </a:fillRef>
+            <a:effectRef idx="0">
+              <a:schemeClr val="accent1"/>
+            </a:effectRef>
+            <a:fontRef idx="minor">
+              <a:schemeClr val="lt1"/>
+            </a:fontRef>
+          </p:style>
+          <p:txBody>
+            <a:bodyPr rtlCol="0" anchor="ctr"/>
+            <a:lstStyle/>
+            <a:p>
+              <a:pPr algn="ctr"/>
+              <a:endParaRPr lang="en-US">
+                <a:solidFill>
+                  <a:schemeClr val="tx1"/>
+                </a:solidFill>
+              </a:endParaRPr>
+            </a:p>
+          </p:txBody>
+        </p:sp>
+        <p:sp>
+          <p:nvSpPr>
+            <p:cNvPr id="21" name="Arrow: Chevron 20">
+              <a:extLst>
+                <a:ext uri="{FF2B5EF4-FFF2-40B4-BE49-F238E27FC236}">
+                  <a16:creationId xmlns:a16="http://schemas.microsoft.com/office/drawing/2014/main" id="{4B2CBF83-9B4C-430F-853C-51F852D7A947}"/>
+                </a:ext>
+              </a:extLst>
+            </p:cNvPr>
+            <p:cNvSpPr/>
+            <p:nvPr/>
+          </p:nvSpPr>
+          <p:spPr>
+            <a:xfrm>
+              <a:off x="4430081" y="2202921"/>
+              <a:ext cx="681941" cy="1255059"/>
+            </a:xfrm>
+            <a:prstGeom prst="chevron">
+              <a:avLst>
+                <a:gd name="adj" fmla="val 87889"/>
+              </a:avLst>
+            </a:prstGeom>
+            <a:solidFill>
+              <a:schemeClr val="accent1"/>
+            </a:solidFill>
+            <a:ln>
+              <a:solidFill>
+                <a:schemeClr val="accent1"/>
+              </a:solidFill>
+            </a:ln>
+          </p:spPr>
+          <p:style>
+            <a:lnRef idx="2">
+              <a:schemeClr val="accent1">
+                <a:shade val="50000"/>
+              </a:schemeClr>
+            </a:lnRef>
+            <a:fillRef idx="1">
+              <a:schemeClr val="accent1"/>
+            </a:fillRef>
+            <a:effectRef idx="0">
+              <a:schemeClr val="accent1"/>
+            </a:effectRef>
+            <a:fontRef idx="minor">
+              <a:schemeClr val="lt1"/>
+            </a:fontRef>
+          </p:style>
+          <p:txBody>
+            <a:bodyPr rtlCol="0" anchor="ctr"/>
+            <a:lstStyle/>
+            <a:p>
+              <a:pPr algn="ctr"/>
+              <a:endParaRPr lang="en-US">
+                <a:solidFill>
+                  <a:schemeClr val="tx1"/>
+                </a:solidFill>
+              </a:endParaRPr>
+            </a:p>
+          </p:txBody>
+        </p:sp>
+      </p:grpSp>
+      <p:grpSp>
+        <p:nvGrpSpPr>
+          <p:cNvPr id="23" name="Group 22">
+            <a:extLst>
+              <a:ext uri="{FF2B5EF4-FFF2-40B4-BE49-F238E27FC236}">
+                <a16:creationId xmlns:a16="http://schemas.microsoft.com/office/drawing/2014/main" id="{6301BF5C-340E-4D07-A40C-5432B3CE7BD0}"/>
+              </a:ext>
+            </a:extLst>
+          </p:cNvPr>
+          <p:cNvGrpSpPr/>
+          <p:nvPr/>
+        </p:nvGrpSpPr>
+        <p:grpSpPr>
+          <a:xfrm rot="10800000">
+            <a:off x="7010401" y="2450531"/>
+            <a:ext cx="924488" cy="1255059"/>
+            <a:chOff x="4187534" y="2202921"/>
+            <a:chExt cx="924488" cy="1255059"/>
+          </a:xfrm>
+        </p:grpSpPr>
+        <p:sp>
+          <p:nvSpPr>
+            <p:cNvPr id="24" name="Arrow: Chevron 23">
+              <a:extLst>
+                <a:ext uri="{FF2B5EF4-FFF2-40B4-BE49-F238E27FC236}">
+                  <a16:creationId xmlns:a16="http://schemas.microsoft.com/office/drawing/2014/main" id="{5D8911CA-53C3-4C21-B56C-8EBC26ACE876}"/>
+                </a:ext>
+              </a:extLst>
+            </p:cNvPr>
+            <p:cNvSpPr/>
+            <p:nvPr/>
+          </p:nvSpPr>
+          <p:spPr>
+            <a:xfrm>
+              <a:off x="4187534" y="2202921"/>
+              <a:ext cx="828117" cy="1255059"/>
+            </a:xfrm>
+            <a:prstGeom prst="chevron">
+              <a:avLst>
+                <a:gd name="adj" fmla="val 72733"/>
+              </a:avLst>
+            </a:prstGeom>
+            <a:solidFill>
+              <a:srgbClr val="737373"/>
+            </a:solidFill>
+            <a:ln>
+              <a:solidFill>
+                <a:schemeClr val="tx1">
+                  <a:lumMod val="50000"/>
+                  <a:lumOff val="50000"/>
+                </a:schemeClr>
+              </a:solidFill>
+            </a:ln>
+          </p:spPr>
+          <p:style>
+            <a:lnRef idx="2">
+              <a:schemeClr val="accent1">
+                <a:shade val="50000"/>
+              </a:schemeClr>
+            </a:lnRef>
+            <a:fillRef idx="1">
+              <a:schemeClr val="accent1"/>
+            </a:fillRef>
+            <a:effectRef idx="0">
+              <a:schemeClr val="accent1"/>
+            </a:effectRef>
+            <a:fontRef idx="minor">
+              <a:schemeClr val="lt1"/>
+            </a:fontRef>
+          </p:style>
+          <p:txBody>
+            <a:bodyPr rtlCol="0" anchor="ctr"/>
+            <a:lstStyle/>
+            <a:p>
+              <a:pPr algn="ctr"/>
+              <a:endParaRPr lang="en-US">
+                <a:solidFill>
+                  <a:schemeClr val="tx1"/>
+                </a:solidFill>
+              </a:endParaRPr>
+            </a:p>
+          </p:txBody>
+        </p:sp>
+        <p:sp>
+          <p:nvSpPr>
+            <p:cNvPr id="25" name="Arrow: Chevron 24">
+              <a:extLst>
+                <a:ext uri="{FF2B5EF4-FFF2-40B4-BE49-F238E27FC236}">
+                  <a16:creationId xmlns:a16="http://schemas.microsoft.com/office/drawing/2014/main" id="{21C3686F-4094-4D56-957C-483D75F7D5B4}"/>
+                </a:ext>
+              </a:extLst>
+            </p:cNvPr>
+            <p:cNvSpPr/>
+            <p:nvPr/>
+          </p:nvSpPr>
+          <p:spPr>
+            <a:xfrm>
+              <a:off x="4430081" y="2202921"/>
+              <a:ext cx="681941" cy="1255059"/>
+            </a:xfrm>
+            <a:prstGeom prst="chevron">
+              <a:avLst>
+                <a:gd name="adj" fmla="val 87889"/>
+              </a:avLst>
+            </a:prstGeom>
+            <a:solidFill>
+              <a:schemeClr val="accent1"/>
+            </a:solidFill>
+            <a:ln>
+              <a:solidFill>
+                <a:schemeClr val="accent1"/>
+              </a:solidFill>
+            </a:ln>
+          </p:spPr>
+          <p:style>
+            <a:lnRef idx="2">
+              <a:schemeClr val="accent1">
+                <a:shade val="50000"/>
+              </a:schemeClr>
+            </a:lnRef>
+            <a:fillRef idx="1">
+              <a:schemeClr val="accent1"/>
+            </a:fillRef>
+            <a:effectRef idx="0">
+              <a:schemeClr val="accent1"/>
+            </a:effectRef>
+            <a:fontRef idx="minor">
+              <a:schemeClr val="lt1"/>
+            </a:fontRef>
+          </p:style>
+          <p:txBody>
+            <a:bodyPr rtlCol="0" anchor="ctr"/>
+            <a:lstStyle/>
+            <a:p>
+              <a:pPr algn="ctr"/>
+              <a:endParaRPr lang="en-US">
+                <a:solidFill>
+                  <a:schemeClr val="tx1"/>
+                </a:solidFill>
+              </a:endParaRPr>
+            </a:p>
+          </p:txBody>
+        </p:sp>
+      </p:grpSp>
+    </p:spTree>
+    <p:extLst>
+      <p:ext uri="{BB962C8B-B14F-4D97-AF65-F5344CB8AC3E}">
+        <p14:creationId xmlns:p14="http://schemas.microsoft.com/office/powerpoint/2010/main" val="3911104927"/>
+      </p:ext>
+    </p:extLst>
+  </p:cSld>
+  <p:clrMapOvr>
+    <a:masterClrMapping/>
+  </p:clrMapOvr>
+</p:sld>
+</file>
+
+<file path=ppt/slides/slide14.xml><?xml version="1.0" encoding="utf-8"?>
+<p:sld xmlns:a="http://schemas.openxmlformats.org/drawingml/2006/main" xmlns:r="http://schemas.openxmlformats.org/officeDocument/2006/relationships" xmlns:p="http://schemas.openxmlformats.org/presentationml/2006/main">
+  <p:cSld>
+    <p:spTree>
+      <p:nvGrpSpPr>
+        <p:cNvPr id="1" name=""/>
+        <p:cNvGrpSpPr/>
+        <p:nvPr/>
+      </p:nvGrpSpPr>
+      <p:grpSpPr>
+        <a:xfrm>
+          <a:off x="0" y="0"/>
+          <a:ext cx="0" cy="0"/>
+          <a:chOff x="0" y="0"/>
+          <a:chExt cx="0" cy="0"/>
+        </a:xfrm>
+      </p:grpSpPr>
+      <p:sp>
+        <p:nvSpPr>
           <p:cNvPr id="2" name="Rectangle 1">
             <a:extLst>
               <a:ext uri="{FF2B5EF4-FFF2-40B4-BE49-F238E27FC236}">
@@ -9042,7 +11086,7 @@
 </p:sld>
 </file>
 
-<file path=ppt/slides/slide11.xml><?xml version="1.0" encoding="utf-8"?>
+<file path=ppt/slides/slide15.xml><?xml version="1.0" encoding="utf-8"?>
 <p:sld xmlns:a="http://schemas.openxmlformats.org/drawingml/2006/main" xmlns:r="http://schemas.openxmlformats.org/officeDocument/2006/relationships" xmlns:p="http://schemas.openxmlformats.org/presentationml/2006/main">
   <p:cSld>
     <p:spTree>
@@ -9439,7 +11483,7 @@
 </p:sld>
 </file>
 
-<file path=ppt/slides/slide12.xml><?xml version="1.0" encoding="utf-8"?>
+<file path=ppt/slides/slide16.xml><?xml version="1.0" encoding="utf-8"?>
 <p:sld xmlns:a="http://schemas.openxmlformats.org/drawingml/2006/main" xmlns:r="http://schemas.openxmlformats.org/officeDocument/2006/relationships" xmlns:p="http://schemas.openxmlformats.org/presentationml/2006/main">
   <p:cSld>
     <p:spTree>
@@ -9588,7 +11632,7 @@
 </p:sld>
 </file>
 
-<file path=ppt/slides/slide13.xml><?xml version="1.0" encoding="utf-8"?>
+<file path=ppt/slides/slide17.xml><?xml version="1.0" encoding="utf-8"?>
 <p:sld xmlns:a="http://schemas.openxmlformats.org/drawingml/2006/main" xmlns:r="http://schemas.openxmlformats.org/officeDocument/2006/relationships" xmlns:p="http://schemas.openxmlformats.org/presentationml/2006/main">
   <p:cSld>
     <p:spTree>
@@ -10097,7 +12141,7 @@
 </p:sld>
 </file>
 
-<file path=ppt/slides/slide14.xml><?xml version="1.0" encoding="utf-8"?>
+<file path=ppt/slides/slide18.xml><?xml version="1.0" encoding="utf-8"?>
 <p:sld xmlns:a="http://schemas.openxmlformats.org/drawingml/2006/main" xmlns:r="http://schemas.openxmlformats.org/officeDocument/2006/relationships" xmlns:p="http://schemas.openxmlformats.org/presentationml/2006/main">
   <p:cSld>
     <p:spTree>
@@ -10128,6 +12172,2149 @@
 </file>
 
 <file path=ppt/slides/slide2.xml><?xml version="1.0" encoding="utf-8"?>
+<p:sld xmlns:a="http://schemas.openxmlformats.org/drawingml/2006/main" xmlns:r="http://schemas.openxmlformats.org/officeDocument/2006/relationships" xmlns:p="http://schemas.openxmlformats.org/presentationml/2006/main">
+  <p:cSld>
+    <p:spTree>
+      <p:nvGrpSpPr>
+        <p:cNvPr id="1" name=""/>
+        <p:cNvGrpSpPr/>
+        <p:nvPr/>
+      </p:nvGrpSpPr>
+      <p:grpSpPr>
+        <a:xfrm>
+          <a:off x="0" y="0"/>
+          <a:ext cx="0" cy="0"/>
+          <a:chOff x="0" y="0"/>
+          <a:chExt cx="0" cy="0"/>
+        </a:xfrm>
+      </p:grpSpPr>
+      <p:sp>
+        <p:nvSpPr>
+          <p:cNvPr id="27" name="Rectangle 26">
+            <a:extLst>
+              <a:ext uri="{FF2B5EF4-FFF2-40B4-BE49-F238E27FC236}">
+                <a16:creationId xmlns:a16="http://schemas.microsoft.com/office/drawing/2014/main" id="{695416FD-4D85-4E03-B9FF-2868A7B4E68A}"/>
+              </a:ext>
+            </a:extLst>
+          </p:cNvPr>
+          <p:cNvSpPr/>
+          <p:nvPr/>
+        </p:nvSpPr>
+        <p:spPr>
+          <a:xfrm>
+            <a:off x="0" y="-245"/>
+            <a:ext cx="7392202" cy="348647"/>
+          </a:xfrm>
+          <a:prstGeom prst="rect">
+            <a:avLst/>
+          </a:prstGeom>
+          <a:solidFill>
+            <a:schemeClr val="bg1">
+              <a:lumMod val="95000"/>
+            </a:schemeClr>
+          </a:solidFill>
+          <a:ln>
+            <a:solidFill>
+              <a:schemeClr val="bg1">
+                <a:lumMod val="95000"/>
+              </a:schemeClr>
+            </a:solidFill>
+          </a:ln>
+        </p:spPr>
+        <p:style>
+          <a:lnRef idx="2">
+            <a:schemeClr val="accent1">
+              <a:shade val="50000"/>
+            </a:schemeClr>
+          </a:lnRef>
+          <a:fillRef idx="1">
+            <a:schemeClr val="accent1"/>
+          </a:fillRef>
+          <a:effectRef idx="0">
+            <a:schemeClr val="accent1"/>
+          </a:effectRef>
+          <a:fontRef idx="minor">
+            <a:schemeClr val="lt1"/>
+          </a:fontRef>
+        </p:style>
+        <p:txBody>
+          <a:bodyPr rtlCol="0" anchor="ctr"/>
+          <a:lstStyle/>
+          <a:p>
+            <a:pPr algn="ctr"/>
+            <a:endParaRPr lang="en-US"/>
+          </a:p>
+        </p:txBody>
+      </p:sp>
+      <p:sp>
+        <p:nvSpPr>
+          <p:cNvPr id="12" name="Rectangle: Rounded Corners 11">
+            <a:extLst>
+              <a:ext uri="{FF2B5EF4-FFF2-40B4-BE49-F238E27FC236}">
+                <a16:creationId xmlns:a16="http://schemas.microsoft.com/office/drawing/2014/main" id="{F267AB6E-D350-4EAF-8587-915FD7A2E2F7}"/>
+              </a:ext>
+            </a:extLst>
+          </p:cNvPr>
+          <p:cNvSpPr/>
+          <p:nvPr/>
+        </p:nvSpPr>
+        <p:spPr>
+          <a:xfrm>
+            <a:off x="1470212" y="707081"/>
+            <a:ext cx="2033243" cy="454049"/>
+          </a:xfrm>
+          <a:prstGeom prst="roundRect">
+            <a:avLst/>
+          </a:prstGeom>
+          <a:solidFill>
+            <a:srgbClr val="006EBC"/>
+          </a:solidFill>
+          <a:ln>
+            <a:solidFill>
+              <a:srgbClr val="006EBC"/>
+            </a:solidFill>
+          </a:ln>
+        </p:spPr>
+        <p:style>
+          <a:lnRef idx="2">
+            <a:schemeClr val="accent1">
+              <a:shade val="50000"/>
+            </a:schemeClr>
+          </a:lnRef>
+          <a:fillRef idx="1">
+            <a:schemeClr val="accent1"/>
+          </a:fillRef>
+          <a:effectRef idx="0">
+            <a:schemeClr val="accent1"/>
+          </a:effectRef>
+          <a:fontRef idx="minor">
+            <a:schemeClr val="lt1"/>
+          </a:fontRef>
+        </p:style>
+        <p:txBody>
+          <a:bodyPr rtlCol="0" anchor="ctr"/>
+          <a:lstStyle/>
+          <a:p>
+            <a:pPr algn="ctr"/>
+            <a:r>
+              <a:rPr lang="en-US" dirty="0">
+                <a:latin typeface="Arial Narrow" panose="020B0606020202030204" pitchFamily="34" charset="0"/>
+              </a:rPr>
+              <a:t>Complete a Project</a:t>
+            </a:r>
+          </a:p>
+        </p:txBody>
+      </p:sp>
+      <p:sp>
+        <p:nvSpPr>
+          <p:cNvPr id="28" name="Rectangle: Rounded Corners 27">
+            <a:extLst>
+              <a:ext uri="{FF2B5EF4-FFF2-40B4-BE49-F238E27FC236}">
+                <a16:creationId xmlns:a16="http://schemas.microsoft.com/office/drawing/2014/main" id="{C611CB1D-67BA-4904-898B-F155417E7B0A}"/>
+              </a:ext>
+            </a:extLst>
+          </p:cNvPr>
+          <p:cNvSpPr/>
+          <p:nvPr/>
+        </p:nvSpPr>
+        <p:spPr>
+          <a:xfrm>
+            <a:off x="3789415" y="707081"/>
+            <a:ext cx="2033243" cy="454049"/>
+          </a:xfrm>
+          <a:prstGeom prst="roundRect">
+            <a:avLst/>
+          </a:prstGeom>
+          <a:solidFill>
+            <a:schemeClr val="accent1">
+              <a:lumMod val="20000"/>
+              <a:lumOff val="80000"/>
+            </a:schemeClr>
+          </a:solidFill>
+          <a:ln>
+            <a:solidFill>
+              <a:schemeClr val="accent1">
+                <a:lumMod val="20000"/>
+                <a:lumOff val="80000"/>
+              </a:schemeClr>
+            </a:solidFill>
+          </a:ln>
+        </p:spPr>
+        <p:style>
+          <a:lnRef idx="2">
+            <a:schemeClr val="accent1">
+              <a:shade val="50000"/>
+            </a:schemeClr>
+          </a:lnRef>
+          <a:fillRef idx="1">
+            <a:schemeClr val="accent1"/>
+          </a:fillRef>
+          <a:effectRef idx="0">
+            <a:schemeClr val="accent1"/>
+          </a:effectRef>
+          <a:fontRef idx="minor">
+            <a:schemeClr val="lt1"/>
+          </a:fontRef>
+        </p:style>
+        <p:txBody>
+          <a:bodyPr rtlCol="0" anchor="ctr"/>
+          <a:lstStyle/>
+          <a:p>
+            <a:pPr algn="ctr"/>
+            <a:r>
+              <a:rPr lang="en-US" dirty="0">
+                <a:solidFill>
+                  <a:schemeClr val="accent1">
+                    <a:lumMod val="75000"/>
+                  </a:schemeClr>
+                </a:solidFill>
+                <a:latin typeface="Arial Narrow" panose="020B0606020202030204" pitchFamily="34" charset="0"/>
+              </a:rPr>
+              <a:t>Join the Team</a:t>
+            </a:r>
+          </a:p>
+        </p:txBody>
+      </p:sp>
+      <p:sp>
+        <p:nvSpPr>
+          <p:cNvPr id="13" name="Rectangle 12">
+            <a:extLst>
+              <a:ext uri="{FF2B5EF4-FFF2-40B4-BE49-F238E27FC236}">
+                <a16:creationId xmlns:a16="http://schemas.microsoft.com/office/drawing/2014/main" id="{F69CEBC5-AFE9-4CA5-A08B-340F861A782E}"/>
+              </a:ext>
+            </a:extLst>
+          </p:cNvPr>
+          <p:cNvSpPr/>
+          <p:nvPr/>
+        </p:nvSpPr>
+        <p:spPr>
+          <a:xfrm>
+            <a:off x="7392202" y="0"/>
+            <a:ext cx="4799798" cy="564774"/>
+          </a:xfrm>
+          <a:prstGeom prst="rect">
+            <a:avLst/>
+          </a:prstGeom>
+        </p:spPr>
+        <p:style>
+          <a:lnRef idx="2">
+            <a:schemeClr val="dk1">
+              <a:shade val="50000"/>
+            </a:schemeClr>
+          </a:lnRef>
+          <a:fillRef idx="1">
+            <a:schemeClr val="dk1"/>
+          </a:fillRef>
+          <a:effectRef idx="0">
+            <a:schemeClr val="dk1"/>
+          </a:effectRef>
+          <a:fontRef idx="minor">
+            <a:schemeClr val="lt1"/>
+          </a:fontRef>
+        </p:style>
+        <p:txBody>
+          <a:bodyPr rtlCol="0" anchor="ctr"/>
+          <a:lstStyle/>
+          <a:p>
+            <a:pPr algn="ctr"/>
+            <a:r>
+              <a:rPr lang="en-US" dirty="0"/>
+              <a:t>Home: Button-&gt; Join the Community </a:t>
+            </a:r>
+          </a:p>
+        </p:txBody>
+      </p:sp>
+      <p:sp>
+        <p:nvSpPr>
+          <p:cNvPr id="23" name="TextBox 22">
+            <a:extLst>
+              <a:ext uri="{FF2B5EF4-FFF2-40B4-BE49-F238E27FC236}">
+                <a16:creationId xmlns:a16="http://schemas.microsoft.com/office/drawing/2014/main" id="{62D5140A-513C-4AA9-A5BF-321CB5B5A448}"/>
+              </a:ext>
+            </a:extLst>
+          </p:cNvPr>
+          <p:cNvSpPr txBox="1"/>
+          <p:nvPr/>
+        </p:nvSpPr>
+        <p:spPr>
+          <a:xfrm>
+            <a:off x="7392202" y="564774"/>
+            <a:ext cx="4799798" cy="369332"/>
+          </a:xfrm>
+          <a:prstGeom prst="rect">
+            <a:avLst/>
+          </a:prstGeom>
+          <a:noFill/>
+        </p:spPr>
+        <p:txBody>
+          <a:bodyPr wrap="square" rtlCol="0">
+            <a:spAutoFit/>
+          </a:bodyPr>
+          <a:lstStyle/>
+          <a:p>
+            <a:r>
+              <a:rPr lang="en-US" dirty="0"/>
+              <a:t>What We Do</a:t>
+            </a:r>
+          </a:p>
+        </p:txBody>
+      </p:sp>
+      <p:grpSp>
+        <p:nvGrpSpPr>
+          <p:cNvPr id="31" name="Group 30">
+            <a:extLst>
+              <a:ext uri="{FF2B5EF4-FFF2-40B4-BE49-F238E27FC236}">
+                <a16:creationId xmlns:a16="http://schemas.microsoft.com/office/drawing/2014/main" id="{EAAB2615-1820-4919-A703-C438B970ADFF}"/>
+              </a:ext>
+            </a:extLst>
+          </p:cNvPr>
+          <p:cNvGrpSpPr/>
+          <p:nvPr/>
+        </p:nvGrpSpPr>
+        <p:grpSpPr>
+          <a:xfrm>
+            <a:off x="33109" y="2610"/>
+            <a:ext cx="7348731" cy="348646"/>
+            <a:chOff x="33109" y="2610"/>
+            <a:chExt cx="7348731" cy="348646"/>
+          </a:xfrm>
+        </p:grpSpPr>
+        <p:pic>
+          <p:nvPicPr>
+            <p:cNvPr id="32" name="Picture 2" descr="Workspace0x">
+              <a:extLst>
+                <a:ext uri="{FF2B5EF4-FFF2-40B4-BE49-F238E27FC236}">
+                  <a16:creationId xmlns:a16="http://schemas.microsoft.com/office/drawing/2014/main" id="{E3419DC1-841E-4A3F-BD3D-27AADA64BA87}"/>
+                </a:ext>
+              </a:extLst>
+            </p:cNvPr>
+            <p:cNvPicPr>
+              <a:picLocks noChangeAspect="1" noChangeArrowheads="1"/>
+            </p:cNvPicPr>
+            <p:nvPr/>
+          </p:nvPicPr>
+          <p:blipFill>
+            <a:blip r:embed="rId2">
+              <a:extLst>
+                <a:ext uri="{28A0092B-C50C-407E-A947-70E740481C1C}">
+                  <a14:useLocalDpi xmlns:a14="http://schemas.microsoft.com/office/drawing/2010/main" val="0"/>
+                </a:ext>
+              </a:extLst>
+            </a:blip>
+            <a:srcRect/>
+            <a:stretch>
+              <a:fillRect/>
+            </a:stretch>
+          </p:blipFill>
+          <p:spPr bwMode="auto">
+            <a:xfrm>
+              <a:off x="33109" y="22155"/>
+              <a:ext cx="1235548" cy="309557"/>
+            </a:xfrm>
+            <a:prstGeom prst="rect">
+              <a:avLst/>
+            </a:prstGeom>
+            <a:noFill/>
+            <a:extLst>
+              <a:ext uri="{909E8E84-426E-40DD-AFC4-6F175D3DCCD1}">
+                <a14:hiddenFill xmlns:a14="http://schemas.microsoft.com/office/drawing/2010/main">
+                  <a:solidFill>
+                    <a:srgbClr val="FFFFFF"/>
+                  </a:solidFill>
+                </a14:hiddenFill>
+              </a:ext>
+            </a:extLst>
+          </p:spPr>
+        </p:pic>
+        <p:sp>
+          <p:nvSpPr>
+            <p:cNvPr id="33" name="Rectangle 32">
+              <a:extLst>
+                <a:ext uri="{FF2B5EF4-FFF2-40B4-BE49-F238E27FC236}">
+                  <a16:creationId xmlns:a16="http://schemas.microsoft.com/office/drawing/2014/main" id="{220C2A14-68FA-4BC6-AAC4-9FBD3AE19FB7}"/>
+                </a:ext>
+              </a:extLst>
+            </p:cNvPr>
+            <p:cNvSpPr/>
+            <p:nvPr/>
+          </p:nvSpPr>
+          <p:spPr>
+            <a:xfrm>
+              <a:off x="5939120" y="2610"/>
+              <a:ext cx="1442720" cy="348646"/>
+            </a:xfrm>
+            <a:prstGeom prst="rect">
+              <a:avLst/>
+            </a:prstGeom>
+            <a:solidFill>
+              <a:srgbClr val="006EBC"/>
+            </a:solidFill>
+            <a:ln>
+              <a:solidFill>
+                <a:srgbClr val="006EBC"/>
+              </a:solidFill>
+            </a:ln>
+          </p:spPr>
+          <p:style>
+            <a:lnRef idx="2">
+              <a:schemeClr val="accent1">
+                <a:shade val="50000"/>
+              </a:schemeClr>
+            </a:lnRef>
+            <a:fillRef idx="1">
+              <a:schemeClr val="accent1"/>
+            </a:fillRef>
+            <a:effectRef idx="0">
+              <a:schemeClr val="accent1"/>
+            </a:effectRef>
+            <a:fontRef idx="minor">
+              <a:schemeClr val="lt1"/>
+            </a:fontRef>
+          </p:style>
+          <p:txBody>
+            <a:bodyPr rtlCol="0" anchor="ctr"/>
+            <a:lstStyle/>
+            <a:p>
+              <a:pPr algn="ctr"/>
+              <a:r>
+                <a:rPr lang="en-US" sz="1200" dirty="0">
+                  <a:latin typeface="Arial Narrow" panose="020B0606020202030204" pitchFamily="34" charset="0"/>
+                </a:rPr>
+                <a:t>Find a Career</a:t>
+              </a:r>
+            </a:p>
+          </p:txBody>
+        </p:sp>
+        <p:sp>
+          <p:nvSpPr>
+            <p:cNvPr id="34" name="Rectangle 33">
+              <a:extLst>
+                <a:ext uri="{FF2B5EF4-FFF2-40B4-BE49-F238E27FC236}">
+                  <a16:creationId xmlns:a16="http://schemas.microsoft.com/office/drawing/2014/main" id="{35FC1E31-977F-4BE4-8DF5-958220FCF973}"/>
+                </a:ext>
+              </a:extLst>
+            </p:cNvPr>
+            <p:cNvSpPr/>
+            <p:nvPr/>
+          </p:nvSpPr>
+          <p:spPr>
+            <a:xfrm>
+              <a:off x="1729197" y="37129"/>
+              <a:ext cx="872355" cy="276999"/>
+            </a:xfrm>
+            <a:prstGeom prst="rect">
+              <a:avLst/>
+            </a:prstGeom>
+          </p:spPr>
+          <p:txBody>
+            <a:bodyPr wrap="none">
+              <a:spAutoFit/>
+            </a:bodyPr>
+            <a:lstStyle/>
+            <a:p>
+              <a:pPr algn="ctr"/>
+              <a:r>
+                <a:rPr lang="en-US" sz="1200" dirty="0">
+                  <a:latin typeface="Arial Narrow" panose="020B0606020202030204" pitchFamily="34" charset="0"/>
+                </a:rPr>
+                <a:t>Governance</a:t>
+              </a:r>
+            </a:p>
+          </p:txBody>
+        </p:sp>
+        <p:sp>
+          <p:nvSpPr>
+            <p:cNvPr id="35" name="Rectangle 34">
+              <a:extLst>
+                <a:ext uri="{FF2B5EF4-FFF2-40B4-BE49-F238E27FC236}">
+                  <a16:creationId xmlns:a16="http://schemas.microsoft.com/office/drawing/2014/main" id="{61C6391A-D68F-48AA-B5AC-8FAFB96DD516}"/>
+                </a:ext>
+              </a:extLst>
+            </p:cNvPr>
+            <p:cNvSpPr/>
+            <p:nvPr/>
+          </p:nvSpPr>
+          <p:spPr>
+            <a:xfrm>
+              <a:off x="2711316" y="37129"/>
+              <a:ext cx="516488" cy="276999"/>
+            </a:xfrm>
+            <a:prstGeom prst="rect">
+              <a:avLst/>
+            </a:prstGeom>
+          </p:spPr>
+          <p:txBody>
+            <a:bodyPr wrap="none">
+              <a:spAutoFit/>
+            </a:bodyPr>
+            <a:lstStyle/>
+            <a:p>
+              <a:pPr algn="ctr"/>
+              <a:r>
+                <a:rPr lang="en-US" sz="1200" dirty="0">
+                  <a:latin typeface="Arial Narrow" panose="020B0606020202030204" pitchFamily="34" charset="0"/>
+                </a:rPr>
+                <a:t>About</a:t>
+              </a:r>
+            </a:p>
+          </p:txBody>
+        </p:sp>
+        <p:sp>
+          <p:nvSpPr>
+            <p:cNvPr id="36" name="Rectangle 35">
+              <a:extLst>
+                <a:ext uri="{FF2B5EF4-FFF2-40B4-BE49-F238E27FC236}">
+                  <a16:creationId xmlns:a16="http://schemas.microsoft.com/office/drawing/2014/main" id="{DEF6CCF0-7A40-40B1-9703-9A4E91018921}"/>
+                </a:ext>
+              </a:extLst>
+            </p:cNvPr>
+            <p:cNvSpPr/>
+            <p:nvPr/>
+          </p:nvSpPr>
+          <p:spPr>
+            <a:xfrm>
+              <a:off x="3389864" y="32793"/>
+              <a:ext cx="724878" cy="276999"/>
+            </a:xfrm>
+            <a:prstGeom prst="rect">
+              <a:avLst/>
+            </a:prstGeom>
+          </p:spPr>
+          <p:txBody>
+            <a:bodyPr wrap="none">
+              <a:spAutoFit/>
+            </a:bodyPr>
+            <a:lstStyle/>
+            <a:p>
+              <a:pPr algn="ctr"/>
+              <a:r>
+                <a:rPr lang="en-US" sz="1200" dirty="0">
+                  <a:latin typeface="Arial Narrow" panose="020B0606020202030204" pitchFamily="34" charset="0"/>
+                </a:rPr>
+                <a:t>Locations</a:t>
+              </a:r>
+            </a:p>
+          </p:txBody>
+        </p:sp>
+      </p:grpSp>
+      <p:sp>
+        <p:nvSpPr>
+          <p:cNvPr id="40" name="Arrow: Chevron 39">
+            <a:extLst>
+              <a:ext uri="{FF2B5EF4-FFF2-40B4-BE49-F238E27FC236}">
+                <a16:creationId xmlns:a16="http://schemas.microsoft.com/office/drawing/2014/main" id="{CB4EA55F-DA8A-447E-8A87-0C3BE64133BB}"/>
+              </a:ext>
+            </a:extLst>
+          </p:cNvPr>
+          <p:cNvSpPr/>
+          <p:nvPr/>
+        </p:nvSpPr>
+        <p:spPr>
+          <a:xfrm rot="5400000">
+            <a:off x="3603522" y="3622905"/>
+            <a:ext cx="297561" cy="497695"/>
+          </a:xfrm>
+          <a:prstGeom prst="chevron">
+            <a:avLst>
+              <a:gd name="adj" fmla="val 72733"/>
+            </a:avLst>
+          </a:prstGeom>
+          <a:solidFill>
+            <a:schemeClr val="bg2">
+              <a:lumMod val="90000"/>
+            </a:schemeClr>
+          </a:solidFill>
+          <a:ln>
+            <a:noFill/>
+          </a:ln>
+        </p:spPr>
+        <p:style>
+          <a:lnRef idx="2">
+            <a:schemeClr val="accent1">
+              <a:shade val="50000"/>
+            </a:schemeClr>
+          </a:lnRef>
+          <a:fillRef idx="1">
+            <a:schemeClr val="accent1"/>
+          </a:fillRef>
+          <a:effectRef idx="0">
+            <a:schemeClr val="accent1"/>
+          </a:effectRef>
+          <a:fontRef idx="minor">
+            <a:schemeClr val="lt1"/>
+          </a:fontRef>
+        </p:style>
+        <p:txBody>
+          <a:bodyPr rtlCol="0" anchor="ctr"/>
+          <a:lstStyle/>
+          <a:p>
+            <a:pPr algn="ctr"/>
+            <a:endParaRPr lang="en-US">
+              <a:solidFill>
+                <a:schemeClr val="tx1"/>
+              </a:solidFill>
+            </a:endParaRPr>
+          </a:p>
+        </p:txBody>
+      </p:sp>
+      <p:sp>
+        <p:nvSpPr>
+          <p:cNvPr id="29" name="TextBox 28">
+            <a:extLst>
+              <a:ext uri="{FF2B5EF4-FFF2-40B4-BE49-F238E27FC236}">
+                <a16:creationId xmlns:a16="http://schemas.microsoft.com/office/drawing/2014/main" id="{E5066518-9C1C-40E5-A603-E0B92702E612}"/>
+              </a:ext>
+            </a:extLst>
+          </p:cNvPr>
+          <p:cNvSpPr txBox="1"/>
+          <p:nvPr/>
+        </p:nvSpPr>
+        <p:spPr>
+          <a:xfrm>
+            <a:off x="1203023" y="1159835"/>
+            <a:ext cx="2586392" cy="307777"/>
+          </a:xfrm>
+          <a:prstGeom prst="rect">
+            <a:avLst/>
+          </a:prstGeom>
+          <a:noFill/>
+        </p:spPr>
+        <p:txBody>
+          <a:bodyPr wrap="square" rtlCol="0">
+            <a:spAutoFit/>
+          </a:bodyPr>
+          <a:lstStyle/>
+          <a:p>
+            <a:pPr algn="ctr"/>
+            <a:r>
+              <a:rPr lang="en-US" sz="1400" dirty="0"/>
+              <a:t>Businesses, find talent!</a:t>
+            </a:r>
+          </a:p>
+        </p:txBody>
+      </p:sp>
+      <p:sp>
+        <p:nvSpPr>
+          <p:cNvPr id="30" name="TextBox 29">
+            <a:extLst>
+              <a:ext uri="{FF2B5EF4-FFF2-40B4-BE49-F238E27FC236}">
+                <a16:creationId xmlns:a16="http://schemas.microsoft.com/office/drawing/2014/main" id="{0E8C3258-E2ED-4CB4-AA28-F059C53CFBA6}"/>
+              </a:ext>
+            </a:extLst>
+          </p:cNvPr>
+          <p:cNvSpPr txBox="1"/>
+          <p:nvPr/>
+        </p:nvSpPr>
+        <p:spPr>
+          <a:xfrm>
+            <a:off x="3789415" y="1177911"/>
+            <a:ext cx="2033244" cy="307777"/>
+          </a:xfrm>
+          <a:prstGeom prst="rect">
+            <a:avLst/>
+          </a:prstGeom>
+          <a:noFill/>
+        </p:spPr>
+        <p:txBody>
+          <a:bodyPr wrap="square" rtlCol="0">
+            <a:spAutoFit/>
+          </a:bodyPr>
+          <a:lstStyle/>
+          <a:p>
+            <a:pPr algn="ctr"/>
+            <a:r>
+              <a:rPr lang="en-US" sz="1400" dirty="0"/>
+              <a:t>Talented? We Want You!</a:t>
+            </a:r>
+          </a:p>
+        </p:txBody>
+      </p:sp>
+      <p:pic>
+        <p:nvPicPr>
+          <p:cNvPr id="2" name="Picture 1">
+            <a:extLst>
+              <a:ext uri="{FF2B5EF4-FFF2-40B4-BE49-F238E27FC236}">
+                <a16:creationId xmlns:a16="http://schemas.microsoft.com/office/drawing/2014/main" id="{4EDE73EA-389C-4C7A-BEDB-ED8466518129}"/>
+              </a:ext>
+            </a:extLst>
+          </p:cNvPr>
+          <p:cNvPicPr>
+            <a:picLocks noChangeAspect="1"/>
+          </p:cNvPicPr>
+          <p:nvPr/>
+        </p:nvPicPr>
+        <p:blipFill>
+          <a:blip r:embed="rId3"/>
+          <a:stretch>
+            <a:fillRect/>
+          </a:stretch>
+        </p:blipFill>
+        <p:spPr>
+          <a:xfrm>
+            <a:off x="313719" y="1840971"/>
+            <a:ext cx="6598069" cy="3763999"/>
+          </a:xfrm>
+          <a:prstGeom prst="rect">
+            <a:avLst/>
+          </a:prstGeom>
+        </p:spPr>
+      </p:pic>
+    </p:spTree>
+    <p:extLst>
+      <p:ext uri="{BB962C8B-B14F-4D97-AF65-F5344CB8AC3E}">
+        <p14:creationId xmlns:p14="http://schemas.microsoft.com/office/powerpoint/2010/main" val="3304878646"/>
+      </p:ext>
+    </p:extLst>
+  </p:cSld>
+  <p:clrMapOvr>
+    <a:masterClrMapping/>
+  </p:clrMapOvr>
+</p:sld>
+</file>
+
+<file path=ppt/slides/slide3.xml><?xml version="1.0" encoding="utf-8"?>
+<p:sld xmlns:a="http://schemas.openxmlformats.org/drawingml/2006/main" xmlns:r="http://schemas.openxmlformats.org/officeDocument/2006/relationships" xmlns:p="http://schemas.openxmlformats.org/presentationml/2006/main">
+  <p:cSld>
+    <p:spTree>
+      <p:nvGrpSpPr>
+        <p:cNvPr id="1" name=""/>
+        <p:cNvGrpSpPr/>
+        <p:nvPr/>
+      </p:nvGrpSpPr>
+      <p:grpSpPr>
+        <a:xfrm>
+          <a:off x="0" y="0"/>
+          <a:ext cx="0" cy="0"/>
+          <a:chOff x="0" y="0"/>
+          <a:chExt cx="0" cy="0"/>
+        </a:xfrm>
+      </p:grpSpPr>
+      <p:sp>
+        <p:nvSpPr>
+          <p:cNvPr id="27" name="Rectangle 26">
+            <a:extLst>
+              <a:ext uri="{FF2B5EF4-FFF2-40B4-BE49-F238E27FC236}">
+                <a16:creationId xmlns:a16="http://schemas.microsoft.com/office/drawing/2014/main" id="{695416FD-4D85-4E03-B9FF-2868A7B4E68A}"/>
+              </a:ext>
+            </a:extLst>
+          </p:cNvPr>
+          <p:cNvSpPr/>
+          <p:nvPr/>
+        </p:nvSpPr>
+        <p:spPr>
+          <a:xfrm>
+            <a:off x="0" y="-245"/>
+            <a:ext cx="7392202" cy="348647"/>
+          </a:xfrm>
+          <a:prstGeom prst="rect">
+            <a:avLst/>
+          </a:prstGeom>
+          <a:solidFill>
+            <a:schemeClr val="bg1">
+              <a:lumMod val="95000"/>
+            </a:schemeClr>
+          </a:solidFill>
+          <a:ln>
+            <a:solidFill>
+              <a:schemeClr val="bg1">
+                <a:lumMod val="95000"/>
+              </a:schemeClr>
+            </a:solidFill>
+          </a:ln>
+        </p:spPr>
+        <p:style>
+          <a:lnRef idx="2">
+            <a:schemeClr val="accent1">
+              <a:shade val="50000"/>
+            </a:schemeClr>
+          </a:lnRef>
+          <a:fillRef idx="1">
+            <a:schemeClr val="accent1"/>
+          </a:fillRef>
+          <a:effectRef idx="0">
+            <a:schemeClr val="accent1"/>
+          </a:effectRef>
+          <a:fontRef idx="minor">
+            <a:schemeClr val="lt1"/>
+          </a:fontRef>
+        </p:style>
+        <p:txBody>
+          <a:bodyPr rtlCol="0" anchor="ctr"/>
+          <a:lstStyle/>
+          <a:p>
+            <a:pPr algn="ctr"/>
+            <a:endParaRPr lang="en-US"/>
+          </a:p>
+        </p:txBody>
+      </p:sp>
+      <p:sp>
+        <p:nvSpPr>
+          <p:cNvPr id="13" name="Rectangle 12">
+            <a:extLst>
+              <a:ext uri="{FF2B5EF4-FFF2-40B4-BE49-F238E27FC236}">
+                <a16:creationId xmlns:a16="http://schemas.microsoft.com/office/drawing/2014/main" id="{F69CEBC5-AFE9-4CA5-A08B-340F861A782E}"/>
+              </a:ext>
+            </a:extLst>
+          </p:cNvPr>
+          <p:cNvSpPr/>
+          <p:nvPr/>
+        </p:nvSpPr>
+        <p:spPr>
+          <a:xfrm>
+            <a:off x="7392202" y="0"/>
+            <a:ext cx="4799798" cy="564774"/>
+          </a:xfrm>
+          <a:prstGeom prst="rect">
+            <a:avLst/>
+          </a:prstGeom>
+        </p:spPr>
+        <p:style>
+          <a:lnRef idx="2">
+            <a:schemeClr val="dk1">
+              <a:shade val="50000"/>
+            </a:schemeClr>
+          </a:lnRef>
+          <a:fillRef idx="1">
+            <a:schemeClr val="dk1"/>
+          </a:fillRef>
+          <a:effectRef idx="0">
+            <a:schemeClr val="dk1"/>
+          </a:effectRef>
+          <a:fontRef idx="minor">
+            <a:schemeClr val="lt1"/>
+          </a:fontRef>
+        </p:style>
+        <p:txBody>
+          <a:bodyPr rtlCol="0" anchor="ctr"/>
+          <a:lstStyle/>
+          <a:p>
+            <a:pPr algn="ctr"/>
+            <a:r>
+              <a:rPr lang="en-US" dirty="0"/>
+              <a:t>Home: Button-&gt; About-&gt;Team </a:t>
+            </a:r>
+          </a:p>
+        </p:txBody>
+      </p:sp>
+      <p:sp>
+        <p:nvSpPr>
+          <p:cNvPr id="23" name="TextBox 22">
+            <a:extLst>
+              <a:ext uri="{FF2B5EF4-FFF2-40B4-BE49-F238E27FC236}">
+                <a16:creationId xmlns:a16="http://schemas.microsoft.com/office/drawing/2014/main" id="{62D5140A-513C-4AA9-A5BF-321CB5B5A448}"/>
+              </a:ext>
+            </a:extLst>
+          </p:cNvPr>
+          <p:cNvSpPr txBox="1"/>
+          <p:nvPr/>
+        </p:nvSpPr>
+        <p:spPr>
+          <a:xfrm>
+            <a:off x="7392202" y="564774"/>
+            <a:ext cx="4799798" cy="369332"/>
+          </a:xfrm>
+          <a:prstGeom prst="rect">
+            <a:avLst/>
+          </a:prstGeom>
+          <a:noFill/>
+        </p:spPr>
+        <p:txBody>
+          <a:bodyPr wrap="square" rtlCol="0">
+            <a:spAutoFit/>
+          </a:bodyPr>
+          <a:lstStyle/>
+          <a:p>
+            <a:r>
+              <a:rPr lang="en-US" dirty="0"/>
+              <a:t>What We Do</a:t>
+            </a:r>
+          </a:p>
+        </p:txBody>
+      </p:sp>
+      <p:grpSp>
+        <p:nvGrpSpPr>
+          <p:cNvPr id="31" name="Group 30">
+            <a:extLst>
+              <a:ext uri="{FF2B5EF4-FFF2-40B4-BE49-F238E27FC236}">
+                <a16:creationId xmlns:a16="http://schemas.microsoft.com/office/drawing/2014/main" id="{EAAB2615-1820-4919-A703-C438B970ADFF}"/>
+              </a:ext>
+            </a:extLst>
+          </p:cNvPr>
+          <p:cNvGrpSpPr/>
+          <p:nvPr/>
+        </p:nvGrpSpPr>
+        <p:grpSpPr>
+          <a:xfrm>
+            <a:off x="33109" y="2610"/>
+            <a:ext cx="7348731" cy="348646"/>
+            <a:chOff x="33109" y="2610"/>
+            <a:chExt cx="7348731" cy="348646"/>
+          </a:xfrm>
+        </p:grpSpPr>
+        <p:pic>
+          <p:nvPicPr>
+            <p:cNvPr id="32" name="Picture 2" descr="Workspace0x">
+              <a:extLst>
+                <a:ext uri="{FF2B5EF4-FFF2-40B4-BE49-F238E27FC236}">
+                  <a16:creationId xmlns:a16="http://schemas.microsoft.com/office/drawing/2014/main" id="{E3419DC1-841E-4A3F-BD3D-27AADA64BA87}"/>
+                </a:ext>
+              </a:extLst>
+            </p:cNvPr>
+            <p:cNvPicPr>
+              <a:picLocks noChangeAspect="1" noChangeArrowheads="1"/>
+            </p:cNvPicPr>
+            <p:nvPr/>
+          </p:nvPicPr>
+          <p:blipFill>
+            <a:blip r:embed="rId2">
+              <a:extLst>
+                <a:ext uri="{28A0092B-C50C-407E-A947-70E740481C1C}">
+                  <a14:useLocalDpi xmlns:a14="http://schemas.microsoft.com/office/drawing/2010/main" val="0"/>
+                </a:ext>
+              </a:extLst>
+            </a:blip>
+            <a:srcRect/>
+            <a:stretch>
+              <a:fillRect/>
+            </a:stretch>
+          </p:blipFill>
+          <p:spPr bwMode="auto">
+            <a:xfrm>
+              <a:off x="33109" y="22155"/>
+              <a:ext cx="1235548" cy="309557"/>
+            </a:xfrm>
+            <a:prstGeom prst="rect">
+              <a:avLst/>
+            </a:prstGeom>
+            <a:noFill/>
+            <a:extLst>
+              <a:ext uri="{909E8E84-426E-40DD-AFC4-6F175D3DCCD1}">
+                <a14:hiddenFill xmlns:a14="http://schemas.microsoft.com/office/drawing/2010/main">
+                  <a:solidFill>
+                    <a:srgbClr val="FFFFFF"/>
+                  </a:solidFill>
+                </a14:hiddenFill>
+              </a:ext>
+            </a:extLst>
+          </p:spPr>
+        </p:pic>
+        <p:sp>
+          <p:nvSpPr>
+            <p:cNvPr id="33" name="Rectangle 32">
+              <a:extLst>
+                <a:ext uri="{FF2B5EF4-FFF2-40B4-BE49-F238E27FC236}">
+                  <a16:creationId xmlns:a16="http://schemas.microsoft.com/office/drawing/2014/main" id="{220C2A14-68FA-4BC6-AAC4-9FBD3AE19FB7}"/>
+                </a:ext>
+              </a:extLst>
+            </p:cNvPr>
+            <p:cNvSpPr/>
+            <p:nvPr/>
+          </p:nvSpPr>
+          <p:spPr>
+            <a:xfrm>
+              <a:off x="5939120" y="2610"/>
+              <a:ext cx="1442720" cy="348646"/>
+            </a:xfrm>
+            <a:prstGeom prst="rect">
+              <a:avLst/>
+            </a:prstGeom>
+            <a:solidFill>
+              <a:srgbClr val="006EBC"/>
+            </a:solidFill>
+            <a:ln>
+              <a:solidFill>
+                <a:srgbClr val="006EBC"/>
+              </a:solidFill>
+            </a:ln>
+          </p:spPr>
+          <p:style>
+            <a:lnRef idx="2">
+              <a:schemeClr val="accent1">
+                <a:shade val="50000"/>
+              </a:schemeClr>
+            </a:lnRef>
+            <a:fillRef idx="1">
+              <a:schemeClr val="accent1"/>
+            </a:fillRef>
+            <a:effectRef idx="0">
+              <a:schemeClr val="accent1"/>
+            </a:effectRef>
+            <a:fontRef idx="minor">
+              <a:schemeClr val="lt1"/>
+            </a:fontRef>
+          </p:style>
+          <p:txBody>
+            <a:bodyPr rtlCol="0" anchor="ctr"/>
+            <a:lstStyle/>
+            <a:p>
+              <a:pPr algn="ctr"/>
+              <a:r>
+                <a:rPr lang="en-US" sz="1200" dirty="0">
+                  <a:latin typeface="Arial Narrow" panose="020B0606020202030204" pitchFamily="34" charset="0"/>
+                </a:rPr>
+                <a:t>Find a Career</a:t>
+              </a:r>
+            </a:p>
+          </p:txBody>
+        </p:sp>
+        <p:sp>
+          <p:nvSpPr>
+            <p:cNvPr id="34" name="Rectangle 33">
+              <a:extLst>
+                <a:ext uri="{FF2B5EF4-FFF2-40B4-BE49-F238E27FC236}">
+                  <a16:creationId xmlns:a16="http://schemas.microsoft.com/office/drawing/2014/main" id="{35FC1E31-977F-4BE4-8DF5-958220FCF973}"/>
+                </a:ext>
+              </a:extLst>
+            </p:cNvPr>
+            <p:cNvSpPr/>
+            <p:nvPr/>
+          </p:nvSpPr>
+          <p:spPr>
+            <a:xfrm>
+              <a:off x="1729197" y="37129"/>
+              <a:ext cx="872355" cy="276999"/>
+            </a:xfrm>
+            <a:prstGeom prst="rect">
+              <a:avLst/>
+            </a:prstGeom>
+          </p:spPr>
+          <p:txBody>
+            <a:bodyPr wrap="none">
+              <a:spAutoFit/>
+            </a:bodyPr>
+            <a:lstStyle/>
+            <a:p>
+              <a:pPr algn="ctr"/>
+              <a:r>
+                <a:rPr lang="en-US" sz="1200" dirty="0">
+                  <a:latin typeface="Arial Narrow" panose="020B0606020202030204" pitchFamily="34" charset="0"/>
+                </a:rPr>
+                <a:t>Governance</a:t>
+              </a:r>
+            </a:p>
+          </p:txBody>
+        </p:sp>
+        <p:sp>
+          <p:nvSpPr>
+            <p:cNvPr id="35" name="Rectangle 34">
+              <a:extLst>
+                <a:ext uri="{FF2B5EF4-FFF2-40B4-BE49-F238E27FC236}">
+                  <a16:creationId xmlns:a16="http://schemas.microsoft.com/office/drawing/2014/main" id="{61C6391A-D68F-48AA-B5AC-8FAFB96DD516}"/>
+                </a:ext>
+              </a:extLst>
+            </p:cNvPr>
+            <p:cNvSpPr/>
+            <p:nvPr/>
+          </p:nvSpPr>
+          <p:spPr>
+            <a:xfrm>
+              <a:off x="2711316" y="37129"/>
+              <a:ext cx="516488" cy="276999"/>
+            </a:xfrm>
+            <a:prstGeom prst="rect">
+              <a:avLst/>
+            </a:prstGeom>
+          </p:spPr>
+          <p:txBody>
+            <a:bodyPr wrap="none">
+              <a:spAutoFit/>
+            </a:bodyPr>
+            <a:lstStyle/>
+            <a:p>
+              <a:pPr algn="ctr"/>
+              <a:r>
+                <a:rPr lang="en-US" sz="1200" dirty="0">
+                  <a:latin typeface="Arial Narrow" panose="020B0606020202030204" pitchFamily="34" charset="0"/>
+                </a:rPr>
+                <a:t>About</a:t>
+              </a:r>
+            </a:p>
+          </p:txBody>
+        </p:sp>
+        <p:sp>
+          <p:nvSpPr>
+            <p:cNvPr id="36" name="Rectangle 35">
+              <a:extLst>
+                <a:ext uri="{FF2B5EF4-FFF2-40B4-BE49-F238E27FC236}">
+                  <a16:creationId xmlns:a16="http://schemas.microsoft.com/office/drawing/2014/main" id="{DEF6CCF0-7A40-40B1-9703-9A4E91018921}"/>
+                </a:ext>
+              </a:extLst>
+            </p:cNvPr>
+            <p:cNvSpPr/>
+            <p:nvPr/>
+          </p:nvSpPr>
+          <p:spPr>
+            <a:xfrm>
+              <a:off x="3389864" y="32793"/>
+              <a:ext cx="724878" cy="276999"/>
+            </a:xfrm>
+            <a:prstGeom prst="rect">
+              <a:avLst/>
+            </a:prstGeom>
+          </p:spPr>
+          <p:txBody>
+            <a:bodyPr wrap="none">
+              <a:spAutoFit/>
+            </a:bodyPr>
+            <a:lstStyle/>
+            <a:p>
+              <a:pPr algn="ctr"/>
+              <a:r>
+                <a:rPr lang="en-US" sz="1200" dirty="0">
+                  <a:latin typeface="Arial Narrow" panose="020B0606020202030204" pitchFamily="34" charset="0"/>
+                </a:rPr>
+                <a:t>Locations</a:t>
+              </a:r>
+            </a:p>
+          </p:txBody>
+        </p:sp>
+      </p:grpSp>
+      <p:sp>
+        <p:nvSpPr>
+          <p:cNvPr id="40" name="Arrow: Chevron 39">
+            <a:extLst>
+              <a:ext uri="{FF2B5EF4-FFF2-40B4-BE49-F238E27FC236}">
+                <a16:creationId xmlns:a16="http://schemas.microsoft.com/office/drawing/2014/main" id="{CB4EA55F-DA8A-447E-8A87-0C3BE64133BB}"/>
+              </a:ext>
+            </a:extLst>
+          </p:cNvPr>
+          <p:cNvSpPr/>
+          <p:nvPr/>
+        </p:nvSpPr>
+        <p:spPr>
+          <a:xfrm rot="5400000">
+            <a:off x="3463972" y="3596011"/>
+            <a:ext cx="297561" cy="497695"/>
+          </a:xfrm>
+          <a:prstGeom prst="chevron">
+            <a:avLst>
+              <a:gd name="adj" fmla="val 72733"/>
+            </a:avLst>
+          </a:prstGeom>
+          <a:solidFill>
+            <a:schemeClr val="bg2">
+              <a:lumMod val="90000"/>
+            </a:schemeClr>
+          </a:solidFill>
+          <a:ln>
+            <a:noFill/>
+          </a:ln>
+        </p:spPr>
+        <p:style>
+          <a:lnRef idx="2">
+            <a:schemeClr val="accent1">
+              <a:shade val="50000"/>
+            </a:schemeClr>
+          </a:lnRef>
+          <a:fillRef idx="1">
+            <a:schemeClr val="accent1"/>
+          </a:fillRef>
+          <a:effectRef idx="0">
+            <a:schemeClr val="accent1"/>
+          </a:effectRef>
+          <a:fontRef idx="minor">
+            <a:schemeClr val="lt1"/>
+          </a:fontRef>
+        </p:style>
+        <p:txBody>
+          <a:bodyPr rtlCol="0" anchor="ctr"/>
+          <a:lstStyle/>
+          <a:p>
+            <a:pPr algn="ctr"/>
+            <a:endParaRPr lang="en-US">
+              <a:solidFill>
+                <a:schemeClr val="tx1"/>
+              </a:solidFill>
+            </a:endParaRPr>
+          </a:p>
+        </p:txBody>
+      </p:sp>
+      <p:sp>
+        <p:nvSpPr>
+          <p:cNvPr id="30" name="TextBox 29">
+            <a:extLst>
+              <a:ext uri="{FF2B5EF4-FFF2-40B4-BE49-F238E27FC236}">
+                <a16:creationId xmlns:a16="http://schemas.microsoft.com/office/drawing/2014/main" id="{0E8C3258-E2ED-4CB4-AA28-F059C53CFBA6}"/>
+              </a:ext>
+            </a:extLst>
+          </p:cNvPr>
+          <p:cNvSpPr txBox="1"/>
+          <p:nvPr/>
+        </p:nvSpPr>
+        <p:spPr>
+          <a:xfrm>
+            <a:off x="0" y="388630"/>
+            <a:ext cx="7381840" cy="430887"/>
+          </a:xfrm>
+          <a:prstGeom prst="rect">
+            <a:avLst/>
+          </a:prstGeom>
+          <a:noFill/>
+        </p:spPr>
+        <p:txBody>
+          <a:bodyPr wrap="square" rtlCol="0">
+            <a:spAutoFit/>
+          </a:bodyPr>
+          <a:lstStyle/>
+          <a:p>
+            <a:pPr algn="ctr"/>
+            <a:r>
+              <a:rPr lang="en-US" sz="2200" dirty="0"/>
+              <a:t>Team</a:t>
+            </a:r>
+          </a:p>
+        </p:txBody>
+      </p:sp>
+      <p:pic>
+        <p:nvPicPr>
+          <p:cNvPr id="4" name="Picture 3">
+            <a:extLst>
+              <a:ext uri="{FF2B5EF4-FFF2-40B4-BE49-F238E27FC236}">
+                <a16:creationId xmlns:a16="http://schemas.microsoft.com/office/drawing/2014/main" id="{79F67352-0FEF-4255-9965-CF500C1EBC99}"/>
+              </a:ext>
+            </a:extLst>
+          </p:cNvPr>
+          <p:cNvPicPr>
+            <a:picLocks noChangeAspect="1"/>
+          </p:cNvPicPr>
+          <p:nvPr/>
+        </p:nvPicPr>
+        <p:blipFill>
+          <a:blip r:embed="rId3">
+            <a:extLst>
+              <a:ext uri="{28A0092B-C50C-407E-A947-70E740481C1C}">
+                <a14:useLocalDpi xmlns:a14="http://schemas.microsoft.com/office/drawing/2010/main" val="0"/>
+              </a:ext>
+            </a:extLst>
+          </a:blip>
+          <a:stretch>
+            <a:fillRect/>
+          </a:stretch>
+        </p:blipFill>
+        <p:spPr>
+          <a:xfrm>
+            <a:off x="3051204" y="934106"/>
+            <a:ext cx="1299880" cy="1299880"/>
+          </a:xfrm>
+          <a:prstGeom prst="rect">
+            <a:avLst/>
+          </a:prstGeom>
+        </p:spPr>
+      </p:pic>
+      <p:pic>
+        <p:nvPicPr>
+          <p:cNvPr id="6" name="Picture 5">
+            <a:extLst>
+              <a:ext uri="{FF2B5EF4-FFF2-40B4-BE49-F238E27FC236}">
+                <a16:creationId xmlns:a16="http://schemas.microsoft.com/office/drawing/2014/main" id="{A53F6A6A-F2DF-4527-BF6A-81D24BF44458}"/>
+              </a:ext>
+            </a:extLst>
+          </p:cNvPr>
+          <p:cNvPicPr>
+            <a:picLocks noChangeAspect="1"/>
+          </p:cNvPicPr>
+          <p:nvPr/>
+        </p:nvPicPr>
+        <p:blipFill>
+          <a:blip r:embed="rId4">
+            <a:extLst>
+              <a:ext uri="{28A0092B-C50C-407E-A947-70E740481C1C}">
+                <a14:useLocalDpi xmlns:a14="http://schemas.microsoft.com/office/drawing/2010/main" val="0"/>
+              </a:ext>
+            </a:extLst>
+          </a:blip>
+          <a:stretch>
+            <a:fillRect/>
+          </a:stretch>
+        </p:blipFill>
+        <p:spPr>
+          <a:xfrm>
+            <a:off x="5446060" y="934106"/>
+            <a:ext cx="1299880" cy="1299880"/>
+          </a:xfrm>
+          <a:prstGeom prst="rect">
+            <a:avLst/>
+          </a:prstGeom>
+        </p:spPr>
+      </p:pic>
+      <p:sp>
+        <p:nvSpPr>
+          <p:cNvPr id="21" name="TextBox 20">
+            <a:extLst>
+              <a:ext uri="{FF2B5EF4-FFF2-40B4-BE49-F238E27FC236}">
+                <a16:creationId xmlns:a16="http://schemas.microsoft.com/office/drawing/2014/main" id="{754783BB-DF18-4496-BFA8-F59165A25799}"/>
+              </a:ext>
+            </a:extLst>
+          </p:cNvPr>
+          <p:cNvSpPr txBox="1"/>
+          <p:nvPr/>
+        </p:nvSpPr>
+        <p:spPr>
+          <a:xfrm>
+            <a:off x="2601552" y="2233986"/>
+            <a:ext cx="2198246" cy="1415772"/>
+          </a:xfrm>
+          <a:prstGeom prst="rect">
+            <a:avLst/>
+          </a:prstGeom>
+          <a:noFill/>
+        </p:spPr>
+        <p:txBody>
+          <a:bodyPr wrap="square" rtlCol="0">
+            <a:spAutoFit/>
+          </a:bodyPr>
+          <a:lstStyle/>
+          <a:p>
+            <a:pPr algn="ctr"/>
+            <a:r>
+              <a:rPr lang="en-US" sz="1400" b="1" dirty="0">
+                <a:latin typeface="Arial Narrow" panose="020B0606020202030204" pitchFamily="34" charset="0"/>
+              </a:rPr>
+              <a:t>William McGuire</a:t>
+            </a:r>
+          </a:p>
+          <a:p>
+            <a:pPr algn="ctr"/>
+            <a:r>
+              <a:rPr lang="en-US" sz="1200" dirty="0">
+                <a:latin typeface="Arial Narrow" panose="020B0606020202030204" pitchFamily="34" charset="0"/>
+              </a:rPr>
+              <a:t>William believes in using blockchain as a Force for Good.  He believes creating a shared Workspace Community Governed by the Community will revolutionize the way companies are structured</a:t>
+            </a:r>
+          </a:p>
+        </p:txBody>
+      </p:sp>
+    </p:spTree>
+    <p:extLst>
+      <p:ext uri="{BB962C8B-B14F-4D97-AF65-F5344CB8AC3E}">
+        <p14:creationId xmlns:p14="http://schemas.microsoft.com/office/powerpoint/2010/main" val="2356741573"/>
+      </p:ext>
+    </p:extLst>
+  </p:cSld>
+  <p:clrMapOvr>
+    <a:masterClrMapping/>
+  </p:clrMapOvr>
+</p:sld>
+</file>
+
+<file path=ppt/slides/slide4.xml><?xml version="1.0" encoding="utf-8"?>
+<p:sld xmlns:a="http://schemas.openxmlformats.org/drawingml/2006/main" xmlns:r="http://schemas.openxmlformats.org/officeDocument/2006/relationships" xmlns:p="http://schemas.openxmlformats.org/presentationml/2006/main">
+  <p:cSld>
+    <p:spTree>
+      <p:nvGrpSpPr>
+        <p:cNvPr id="1" name=""/>
+        <p:cNvGrpSpPr/>
+        <p:nvPr/>
+      </p:nvGrpSpPr>
+      <p:grpSpPr>
+        <a:xfrm>
+          <a:off x="0" y="0"/>
+          <a:ext cx="0" cy="0"/>
+          <a:chOff x="0" y="0"/>
+          <a:chExt cx="0" cy="0"/>
+        </a:xfrm>
+      </p:grpSpPr>
+      <p:sp>
+        <p:nvSpPr>
+          <p:cNvPr id="2" name="Title 1">
+            <a:extLst>
+              <a:ext uri="{FF2B5EF4-FFF2-40B4-BE49-F238E27FC236}">
+                <a16:creationId xmlns:a16="http://schemas.microsoft.com/office/drawing/2014/main" id="{B6DEC478-5A39-4E8D-A20B-C09E6E05E87E}"/>
+              </a:ext>
+            </a:extLst>
+          </p:cNvPr>
+          <p:cNvSpPr>
+            <a:spLocks noGrp="1"/>
+          </p:cNvSpPr>
+          <p:nvPr>
+            <p:ph type="title"/>
+          </p:nvPr>
+        </p:nvSpPr>
+        <p:spPr/>
+        <p:txBody>
+          <a:bodyPr/>
+          <a:lstStyle/>
+          <a:p>
+            <a:r>
+              <a:rPr lang="en-US" dirty="0"/>
+              <a:t>Original Idea Below</a:t>
+            </a:r>
+          </a:p>
+        </p:txBody>
+      </p:sp>
+      <p:sp>
+        <p:nvSpPr>
+          <p:cNvPr id="3" name="Content Placeholder 2">
+            <a:extLst>
+              <a:ext uri="{FF2B5EF4-FFF2-40B4-BE49-F238E27FC236}">
+                <a16:creationId xmlns:a16="http://schemas.microsoft.com/office/drawing/2014/main" id="{39CEFB64-A47E-4C52-9A6E-179403754F1C}"/>
+              </a:ext>
+            </a:extLst>
+          </p:cNvPr>
+          <p:cNvSpPr>
+            <a:spLocks noGrp="1"/>
+          </p:cNvSpPr>
+          <p:nvPr>
+            <p:ph idx="1"/>
+          </p:nvPr>
+        </p:nvSpPr>
+        <p:spPr/>
+        <p:txBody>
+          <a:bodyPr/>
+          <a:lstStyle/>
+          <a:p>
+            <a:endParaRPr lang="en-US"/>
+          </a:p>
+        </p:txBody>
+      </p:sp>
+    </p:spTree>
+    <p:extLst>
+      <p:ext uri="{BB962C8B-B14F-4D97-AF65-F5344CB8AC3E}">
+        <p14:creationId xmlns:p14="http://schemas.microsoft.com/office/powerpoint/2010/main" val="915108200"/>
+      </p:ext>
+    </p:extLst>
+  </p:cSld>
+  <p:clrMapOvr>
+    <a:masterClrMapping/>
+  </p:clrMapOvr>
+</p:sld>
+</file>
+
+<file path=ppt/slides/slide5.xml><?xml version="1.0" encoding="utf-8"?>
+<p:sld xmlns:a="http://schemas.openxmlformats.org/drawingml/2006/main" xmlns:r="http://schemas.openxmlformats.org/officeDocument/2006/relationships" xmlns:p="http://schemas.openxmlformats.org/presentationml/2006/main">
+  <p:cSld>
+    <p:spTree>
+      <p:nvGrpSpPr>
+        <p:cNvPr id="1" name=""/>
+        <p:cNvGrpSpPr/>
+        <p:nvPr/>
+      </p:nvGrpSpPr>
+      <p:grpSpPr>
+        <a:xfrm>
+          <a:off x="0" y="0"/>
+          <a:ext cx="0" cy="0"/>
+          <a:chOff x="0" y="0"/>
+          <a:chExt cx="0" cy="0"/>
+        </a:xfrm>
+      </p:grpSpPr>
+      <p:sp>
+        <p:nvSpPr>
+          <p:cNvPr id="18" name="Rectangle 17">
+            <a:extLst>
+              <a:ext uri="{FF2B5EF4-FFF2-40B4-BE49-F238E27FC236}">
+                <a16:creationId xmlns:a16="http://schemas.microsoft.com/office/drawing/2014/main" id="{1E1FBF9D-725A-4606-9A8B-2FC7B4D0B124}"/>
+              </a:ext>
+            </a:extLst>
+          </p:cNvPr>
+          <p:cNvSpPr/>
+          <p:nvPr/>
+        </p:nvSpPr>
+        <p:spPr>
+          <a:xfrm>
+            <a:off x="0" y="-1"/>
+            <a:ext cx="7392202" cy="348403"/>
+          </a:xfrm>
+          <a:prstGeom prst="rect">
+            <a:avLst/>
+          </a:prstGeom>
+          <a:solidFill>
+            <a:schemeClr val="bg1">
+              <a:lumMod val="95000"/>
+            </a:schemeClr>
+          </a:solidFill>
+          <a:ln>
+            <a:solidFill>
+              <a:schemeClr val="bg1">
+                <a:lumMod val="95000"/>
+              </a:schemeClr>
+            </a:solidFill>
+          </a:ln>
+        </p:spPr>
+        <p:style>
+          <a:lnRef idx="2">
+            <a:schemeClr val="accent1">
+              <a:shade val="50000"/>
+            </a:schemeClr>
+          </a:lnRef>
+          <a:fillRef idx="1">
+            <a:schemeClr val="accent1"/>
+          </a:fillRef>
+          <a:effectRef idx="0">
+            <a:schemeClr val="accent1"/>
+          </a:effectRef>
+          <a:fontRef idx="minor">
+            <a:schemeClr val="lt1"/>
+          </a:fontRef>
+        </p:style>
+        <p:txBody>
+          <a:bodyPr rtlCol="0" anchor="ctr"/>
+          <a:lstStyle/>
+          <a:p>
+            <a:pPr algn="ctr"/>
+            <a:endParaRPr lang="en-US"/>
+          </a:p>
+        </p:txBody>
+      </p:sp>
+      <p:pic>
+        <p:nvPicPr>
+          <p:cNvPr id="10" name="Picture 9">
+            <a:extLst>
+              <a:ext uri="{FF2B5EF4-FFF2-40B4-BE49-F238E27FC236}">
+                <a16:creationId xmlns:a16="http://schemas.microsoft.com/office/drawing/2014/main" id="{72A5A0B8-9716-4363-B205-388DCD3A2F84}"/>
+              </a:ext>
+            </a:extLst>
+          </p:cNvPr>
+          <p:cNvPicPr>
+            <a:picLocks noChangeAspect="1"/>
+          </p:cNvPicPr>
+          <p:nvPr/>
+        </p:nvPicPr>
+        <p:blipFill rotWithShape="1">
+          <a:blip r:embed="rId2">
+            <a:extLst>
+              <a:ext uri="{28A0092B-C50C-407E-A947-70E740481C1C}">
+                <a14:useLocalDpi xmlns:a14="http://schemas.microsoft.com/office/drawing/2010/main" val="0"/>
+              </a:ext>
+            </a:extLst>
+          </a:blip>
+          <a:srcRect r="8547"/>
+          <a:stretch/>
+        </p:blipFill>
+        <p:spPr>
+          <a:xfrm>
+            <a:off x="1" y="348646"/>
+            <a:ext cx="7382577" cy="2581741"/>
+          </a:xfrm>
+          <a:prstGeom prst="rect">
+            <a:avLst/>
+          </a:prstGeom>
+          <a:noFill/>
+        </p:spPr>
+      </p:pic>
+      <p:sp>
+        <p:nvSpPr>
+          <p:cNvPr id="11" name="Rectangle 10">
+            <a:extLst>
+              <a:ext uri="{FF2B5EF4-FFF2-40B4-BE49-F238E27FC236}">
+                <a16:creationId xmlns:a16="http://schemas.microsoft.com/office/drawing/2014/main" id="{D7ABF69E-09EC-42C8-B09D-DA55F04E4D4D}"/>
+              </a:ext>
+            </a:extLst>
+          </p:cNvPr>
+          <p:cNvSpPr/>
+          <p:nvPr/>
+        </p:nvSpPr>
+        <p:spPr>
+          <a:xfrm>
+            <a:off x="0" y="348646"/>
+            <a:ext cx="7382577" cy="2581741"/>
+          </a:xfrm>
+          <a:prstGeom prst="rect">
+            <a:avLst/>
+          </a:prstGeom>
+          <a:solidFill>
+            <a:schemeClr val="tx1">
+              <a:alpha val="30000"/>
+            </a:schemeClr>
+          </a:solidFill>
+          <a:ln>
+            <a:noFill/>
+          </a:ln>
+        </p:spPr>
+        <p:style>
+          <a:lnRef idx="2">
+            <a:schemeClr val="accent1">
+              <a:shade val="50000"/>
+            </a:schemeClr>
+          </a:lnRef>
+          <a:fillRef idx="1">
+            <a:schemeClr val="accent1"/>
+          </a:fillRef>
+          <a:effectRef idx="0">
+            <a:schemeClr val="accent1"/>
+          </a:effectRef>
+          <a:fontRef idx="minor">
+            <a:schemeClr val="lt1"/>
+          </a:fontRef>
+        </p:style>
+        <p:txBody>
+          <a:bodyPr rtlCol="0" anchor="ctr"/>
+          <a:lstStyle/>
+          <a:p>
+            <a:pPr algn="ctr"/>
+            <a:endParaRPr lang="en-US"/>
+          </a:p>
+        </p:txBody>
+      </p:sp>
+      <p:sp>
+        <p:nvSpPr>
+          <p:cNvPr id="2" name="Title 1">
+            <a:extLst>
+              <a:ext uri="{FF2B5EF4-FFF2-40B4-BE49-F238E27FC236}">
+                <a16:creationId xmlns:a16="http://schemas.microsoft.com/office/drawing/2014/main" id="{18F74812-D8BA-453B-A2E9-322F4882F865}"/>
+              </a:ext>
+            </a:extLst>
+          </p:cNvPr>
+          <p:cNvSpPr>
+            <a:spLocks noGrp="1"/>
+          </p:cNvSpPr>
+          <p:nvPr>
+            <p:ph type="ctrTitle"/>
+          </p:nvPr>
+        </p:nvSpPr>
+        <p:spPr>
+          <a:xfrm>
+            <a:off x="1126155" y="926273"/>
+            <a:ext cx="5130265" cy="889000"/>
+          </a:xfrm>
+        </p:spPr>
+        <p:txBody>
+          <a:bodyPr>
+            <a:normAutofit/>
+          </a:bodyPr>
+          <a:lstStyle/>
+          <a:p>
+            <a:r>
+              <a:rPr lang="en-US" sz="2200" b="1" dirty="0">
+                <a:solidFill>
+                  <a:schemeClr val="bg1"/>
+                </a:solidFill>
+              </a:rPr>
+              <a:t>Creating Community &amp; Social Impact Through Peer to Peer Shared Workspaces</a:t>
+            </a:r>
+          </a:p>
+        </p:txBody>
+      </p:sp>
+      <p:sp>
+        <p:nvSpPr>
+          <p:cNvPr id="9" name="Rectangle: Rounded Corners 8">
+            <a:extLst>
+              <a:ext uri="{FF2B5EF4-FFF2-40B4-BE49-F238E27FC236}">
+                <a16:creationId xmlns:a16="http://schemas.microsoft.com/office/drawing/2014/main" id="{2FC79326-D257-44C0-BB5F-7F7ADD03F28C}"/>
+              </a:ext>
+            </a:extLst>
+          </p:cNvPr>
+          <p:cNvSpPr/>
+          <p:nvPr/>
+        </p:nvSpPr>
+        <p:spPr>
+          <a:xfrm>
+            <a:off x="2675821" y="2043203"/>
+            <a:ext cx="2030931" cy="454049"/>
+          </a:xfrm>
+          <a:prstGeom prst="roundRect">
+            <a:avLst/>
+          </a:prstGeom>
+          <a:noFill/>
+          <a:ln w="19050">
+            <a:solidFill>
+              <a:schemeClr val="bg1"/>
+            </a:solidFill>
+          </a:ln>
+        </p:spPr>
+        <p:style>
+          <a:lnRef idx="2">
+            <a:schemeClr val="accent1">
+              <a:shade val="50000"/>
+            </a:schemeClr>
+          </a:lnRef>
+          <a:fillRef idx="1">
+            <a:schemeClr val="accent1"/>
+          </a:fillRef>
+          <a:effectRef idx="0">
+            <a:schemeClr val="accent1"/>
+          </a:effectRef>
+          <a:fontRef idx="minor">
+            <a:schemeClr val="lt1"/>
+          </a:fontRef>
+        </p:style>
+        <p:txBody>
+          <a:bodyPr rtlCol="0" anchor="ctr"/>
+          <a:lstStyle/>
+          <a:p>
+            <a:pPr algn="ctr"/>
+            <a:r>
+              <a:rPr lang="en-US" dirty="0">
+                <a:solidFill>
+                  <a:schemeClr val="bg1"/>
+                </a:solidFill>
+                <a:latin typeface="Arial Narrow" panose="020B0606020202030204" pitchFamily="34" charset="0"/>
+              </a:rPr>
+              <a:t>Join the Community</a:t>
+            </a:r>
+          </a:p>
+        </p:txBody>
+      </p:sp>
+      <p:pic>
+        <p:nvPicPr>
+          <p:cNvPr id="1026" name="Picture 2" descr="Workspace0x">
+            <a:extLst>
+              <a:ext uri="{FF2B5EF4-FFF2-40B4-BE49-F238E27FC236}">
+                <a16:creationId xmlns:a16="http://schemas.microsoft.com/office/drawing/2014/main" id="{0C888112-5814-4D39-A7A8-43EFCC6B2D1C}"/>
+              </a:ext>
+            </a:extLst>
+          </p:cNvPr>
+          <p:cNvPicPr>
+            <a:picLocks noChangeAspect="1" noChangeArrowheads="1"/>
+          </p:cNvPicPr>
+          <p:nvPr/>
+        </p:nvPicPr>
+        <p:blipFill>
+          <a:blip r:embed="rId3">
+            <a:extLst>
+              <a:ext uri="{28A0092B-C50C-407E-A947-70E740481C1C}">
+                <a14:useLocalDpi xmlns:a14="http://schemas.microsoft.com/office/drawing/2010/main" val="0"/>
+              </a:ext>
+            </a:extLst>
+          </a:blip>
+          <a:srcRect/>
+          <a:stretch>
+            <a:fillRect/>
+          </a:stretch>
+        </p:blipFill>
+        <p:spPr bwMode="auto">
+          <a:xfrm>
+            <a:off x="33109" y="22155"/>
+            <a:ext cx="1235548" cy="309557"/>
+          </a:xfrm>
+          <a:prstGeom prst="rect">
+            <a:avLst/>
+          </a:prstGeom>
+          <a:noFill/>
+          <a:extLst>
+            <a:ext uri="{909E8E84-426E-40DD-AFC4-6F175D3DCCD1}">
+              <a14:hiddenFill xmlns:a14="http://schemas.microsoft.com/office/drawing/2010/main">
+                <a:solidFill>
+                  <a:srgbClr val="FFFFFF"/>
+                </a:solidFill>
+              </a14:hiddenFill>
+            </a:ext>
+          </a:extLst>
+        </p:spPr>
+      </p:pic>
+      <p:sp>
+        <p:nvSpPr>
+          <p:cNvPr id="12" name="Rectangle 11">
+            <a:extLst>
+              <a:ext uri="{FF2B5EF4-FFF2-40B4-BE49-F238E27FC236}">
+                <a16:creationId xmlns:a16="http://schemas.microsoft.com/office/drawing/2014/main" id="{D63501FD-4928-4372-9449-DED9F0C80AF8}"/>
+              </a:ext>
+            </a:extLst>
+          </p:cNvPr>
+          <p:cNvSpPr/>
+          <p:nvPr/>
+        </p:nvSpPr>
+        <p:spPr>
+          <a:xfrm>
+            <a:off x="5939120" y="2610"/>
+            <a:ext cx="1442720" cy="348646"/>
+          </a:xfrm>
+          <a:prstGeom prst="rect">
+            <a:avLst/>
+          </a:prstGeom>
+          <a:solidFill>
+            <a:srgbClr val="006EBC"/>
+          </a:solidFill>
+          <a:ln>
+            <a:solidFill>
+              <a:srgbClr val="006EBC"/>
+            </a:solidFill>
+          </a:ln>
+        </p:spPr>
+        <p:style>
+          <a:lnRef idx="2">
+            <a:schemeClr val="accent1">
+              <a:shade val="50000"/>
+            </a:schemeClr>
+          </a:lnRef>
+          <a:fillRef idx="1">
+            <a:schemeClr val="accent1"/>
+          </a:fillRef>
+          <a:effectRef idx="0">
+            <a:schemeClr val="accent1"/>
+          </a:effectRef>
+          <a:fontRef idx="minor">
+            <a:schemeClr val="lt1"/>
+          </a:fontRef>
+        </p:style>
+        <p:txBody>
+          <a:bodyPr rtlCol="0" anchor="ctr"/>
+          <a:lstStyle/>
+          <a:p>
+            <a:pPr algn="ctr"/>
+            <a:r>
+              <a:rPr lang="en-US" sz="1200" dirty="0">
+                <a:latin typeface="Arial Narrow" panose="020B0606020202030204" pitchFamily="34" charset="0"/>
+              </a:rPr>
+              <a:t>Find a Space</a:t>
+            </a:r>
+          </a:p>
+        </p:txBody>
+      </p:sp>
+      <p:sp>
+        <p:nvSpPr>
+          <p:cNvPr id="13" name="Rectangle 12">
+            <a:extLst>
+              <a:ext uri="{FF2B5EF4-FFF2-40B4-BE49-F238E27FC236}">
+                <a16:creationId xmlns:a16="http://schemas.microsoft.com/office/drawing/2014/main" id="{F51D73D5-D697-4130-8C57-A2FA8AD12F9C}"/>
+              </a:ext>
+            </a:extLst>
+          </p:cNvPr>
+          <p:cNvSpPr/>
+          <p:nvPr/>
+        </p:nvSpPr>
+        <p:spPr>
+          <a:xfrm>
+            <a:off x="1729197" y="37129"/>
+            <a:ext cx="872355" cy="276999"/>
+          </a:xfrm>
+          <a:prstGeom prst="rect">
+            <a:avLst/>
+          </a:prstGeom>
+        </p:spPr>
+        <p:txBody>
+          <a:bodyPr wrap="none">
+            <a:spAutoFit/>
+          </a:bodyPr>
+          <a:lstStyle/>
+          <a:p>
+            <a:pPr algn="ctr"/>
+            <a:r>
+              <a:rPr lang="en-US" sz="1200" dirty="0">
+                <a:latin typeface="Arial Narrow" panose="020B0606020202030204" pitchFamily="34" charset="0"/>
+              </a:rPr>
+              <a:t>Governance</a:t>
+            </a:r>
+          </a:p>
+        </p:txBody>
+      </p:sp>
+      <p:sp>
+        <p:nvSpPr>
+          <p:cNvPr id="15" name="Rectangle 14">
+            <a:extLst>
+              <a:ext uri="{FF2B5EF4-FFF2-40B4-BE49-F238E27FC236}">
+                <a16:creationId xmlns:a16="http://schemas.microsoft.com/office/drawing/2014/main" id="{2BB840A6-94A3-4ADA-ABE6-196CDE86FED4}"/>
+              </a:ext>
+            </a:extLst>
+          </p:cNvPr>
+          <p:cNvSpPr/>
+          <p:nvPr/>
+        </p:nvSpPr>
+        <p:spPr>
+          <a:xfrm>
+            <a:off x="2711316" y="37129"/>
+            <a:ext cx="516488" cy="276999"/>
+          </a:xfrm>
+          <a:prstGeom prst="rect">
+            <a:avLst/>
+          </a:prstGeom>
+        </p:spPr>
+        <p:txBody>
+          <a:bodyPr wrap="none">
+            <a:spAutoFit/>
+          </a:bodyPr>
+          <a:lstStyle/>
+          <a:p>
+            <a:pPr algn="ctr"/>
+            <a:r>
+              <a:rPr lang="en-US" sz="1200" dirty="0">
+                <a:latin typeface="Arial Narrow" panose="020B0606020202030204" pitchFamily="34" charset="0"/>
+              </a:rPr>
+              <a:t>About</a:t>
+            </a:r>
+          </a:p>
+        </p:txBody>
+      </p:sp>
+      <p:sp>
+        <p:nvSpPr>
+          <p:cNvPr id="16" name="Rectangle 15">
+            <a:extLst>
+              <a:ext uri="{FF2B5EF4-FFF2-40B4-BE49-F238E27FC236}">
+                <a16:creationId xmlns:a16="http://schemas.microsoft.com/office/drawing/2014/main" id="{EB487324-F450-4DF3-B26B-05F550D47337}"/>
+              </a:ext>
+            </a:extLst>
+          </p:cNvPr>
+          <p:cNvSpPr/>
+          <p:nvPr/>
+        </p:nvSpPr>
+        <p:spPr>
+          <a:xfrm>
+            <a:off x="3389864" y="32793"/>
+            <a:ext cx="724878" cy="276999"/>
+          </a:xfrm>
+          <a:prstGeom prst="rect">
+            <a:avLst/>
+          </a:prstGeom>
+        </p:spPr>
+        <p:txBody>
+          <a:bodyPr wrap="none">
+            <a:spAutoFit/>
+          </a:bodyPr>
+          <a:lstStyle/>
+          <a:p>
+            <a:pPr algn="ctr"/>
+            <a:r>
+              <a:rPr lang="en-US" sz="1200" dirty="0">
+                <a:latin typeface="Arial Narrow" panose="020B0606020202030204" pitchFamily="34" charset="0"/>
+              </a:rPr>
+              <a:t>Locations</a:t>
+            </a:r>
+          </a:p>
+        </p:txBody>
+      </p:sp>
+      <p:sp>
+        <p:nvSpPr>
+          <p:cNvPr id="17" name="TextBox 16">
+            <a:extLst>
+              <a:ext uri="{FF2B5EF4-FFF2-40B4-BE49-F238E27FC236}">
+                <a16:creationId xmlns:a16="http://schemas.microsoft.com/office/drawing/2014/main" id="{AAB942D6-A9CC-4286-BCDD-8838FB41ED5F}"/>
+              </a:ext>
+            </a:extLst>
+          </p:cNvPr>
+          <p:cNvSpPr txBox="1"/>
+          <p:nvPr/>
+        </p:nvSpPr>
+        <p:spPr>
+          <a:xfrm>
+            <a:off x="237169" y="3046240"/>
+            <a:ext cx="2062976" cy="1015663"/>
+          </a:xfrm>
+          <a:prstGeom prst="rect">
+            <a:avLst/>
+          </a:prstGeom>
+          <a:noFill/>
+        </p:spPr>
+        <p:txBody>
+          <a:bodyPr wrap="square" rtlCol="0">
+            <a:spAutoFit/>
+          </a:bodyPr>
+          <a:lstStyle/>
+          <a:p>
+            <a:pPr algn="ctr"/>
+            <a:r>
+              <a:rPr lang="en-US" dirty="0"/>
+              <a:t>Nearly $0 </a:t>
+            </a:r>
+          </a:p>
+          <a:p>
+            <a:pPr algn="ctr"/>
+            <a:r>
+              <a:rPr lang="en-US" dirty="0"/>
+              <a:t>Transaction Fees</a:t>
+            </a:r>
+          </a:p>
+          <a:p>
+            <a:pPr algn="ctr"/>
+            <a:r>
+              <a:rPr lang="en-US" sz="1200" dirty="0"/>
+              <a:t>Holistic costs reduced via Peer to Peer Transactions on </a:t>
+            </a:r>
+            <a:r>
+              <a:rPr lang="en-US" sz="1200" dirty="0">
+                <a:solidFill>
+                  <a:srgbClr val="006EBC"/>
+                </a:solidFill>
+              </a:rPr>
+              <a:t>DLT</a:t>
+            </a:r>
+          </a:p>
+        </p:txBody>
+      </p:sp>
+      <p:cxnSp>
+        <p:nvCxnSpPr>
+          <p:cNvPr id="21" name="Straight Connector 20">
+            <a:extLst>
+              <a:ext uri="{FF2B5EF4-FFF2-40B4-BE49-F238E27FC236}">
+                <a16:creationId xmlns:a16="http://schemas.microsoft.com/office/drawing/2014/main" id="{785977AE-5500-464E-AB50-C08B5BAEA354}"/>
+              </a:ext>
+            </a:extLst>
+          </p:cNvPr>
+          <p:cNvCxnSpPr/>
+          <p:nvPr/>
+        </p:nvCxnSpPr>
+        <p:spPr>
+          <a:xfrm>
+            <a:off x="2601552" y="3251200"/>
+            <a:ext cx="0" cy="438870"/>
+          </a:xfrm>
+          <a:prstGeom prst="line">
+            <a:avLst/>
+          </a:prstGeom>
+          <a:ln w="28575">
+            <a:solidFill>
+              <a:srgbClr val="737373"/>
+            </a:solidFill>
+          </a:ln>
+        </p:spPr>
+        <p:style>
+          <a:lnRef idx="1">
+            <a:schemeClr val="dk1"/>
+          </a:lnRef>
+          <a:fillRef idx="0">
+            <a:schemeClr val="dk1"/>
+          </a:fillRef>
+          <a:effectRef idx="0">
+            <a:schemeClr val="dk1"/>
+          </a:effectRef>
+          <a:fontRef idx="minor">
+            <a:schemeClr val="tx1"/>
+          </a:fontRef>
+        </p:style>
+      </p:cxnSp>
+      <p:sp>
+        <p:nvSpPr>
+          <p:cNvPr id="23" name="TextBox 22">
+            <a:extLst>
+              <a:ext uri="{FF2B5EF4-FFF2-40B4-BE49-F238E27FC236}">
+                <a16:creationId xmlns:a16="http://schemas.microsoft.com/office/drawing/2014/main" id="{4CD3CDB6-EB20-4C63-91F8-3072EE4BA0F1}"/>
+              </a:ext>
+            </a:extLst>
+          </p:cNvPr>
+          <p:cNvSpPr txBox="1"/>
+          <p:nvPr/>
+        </p:nvSpPr>
+        <p:spPr>
+          <a:xfrm>
+            <a:off x="2752256" y="3063700"/>
+            <a:ext cx="2062976" cy="1015663"/>
+          </a:xfrm>
+          <a:prstGeom prst="rect">
+            <a:avLst/>
+          </a:prstGeom>
+          <a:noFill/>
+        </p:spPr>
+        <p:txBody>
+          <a:bodyPr wrap="square" rtlCol="0">
+            <a:spAutoFit/>
+          </a:bodyPr>
+          <a:lstStyle/>
+          <a:p>
+            <a:pPr algn="ctr"/>
+            <a:r>
+              <a:rPr lang="en-US" dirty="0"/>
+              <a:t>Peer to Peer</a:t>
+            </a:r>
+          </a:p>
+          <a:p>
+            <a:pPr algn="ctr"/>
+            <a:r>
+              <a:rPr lang="en-US" dirty="0"/>
+              <a:t>Governed</a:t>
+            </a:r>
+          </a:p>
+          <a:p>
+            <a:pPr algn="ctr"/>
+            <a:r>
+              <a:rPr lang="en-US" sz="1200" dirty="0"/>
+              <a:t>If you don’t like something, vote to change it</a:t>
+            </a:r>
+          </a:p>
+        </p:txBody>
+      </p:sp>
+      <p:cxnSp>
+        <p:nvCxnSpPr>
+          <p:cNvPr id="24" name="Straight Connector 23">
+            <a:extLst>
+              <a:ext uri="{FF2B5EF4-FFF2-40B4-BE49-F238E27FC236}">
+                <a16:creationId xmlns:a16="http://schemas.microsoft.com/office/drawing/2014/main" id="{53B1A6FF-9F4B-47FE-8F60-9211ACC835CC}"/>
+              </a:ext>
+            </a:extLst>
+          </p:cNvPr>
+          <p:cNvCxnSpPr/>
+          <p:nvPr/>
+        </p:nvCxnSpPr>
+        <p:spPr>
+          <a:xfrm>
+            <a:off x="4965935" y="3268660"/>
+            <a:ext cx="0" cy="438870"/>
+          </a:xfrm>
+          <a:prstGeom prst="line">
+            <a:avLst/>
+          </a:prstGeom>
+          <a:ln w="28575">
+            <a:solidFill>
+              <a:srgbClr val="737373"/>
+            </a:solidFill>
+          </a:ln>
+        </p:spPr>
+        <p:style>
+          <a:lnRef idx="1">
+            <a:schemeClr val="dk1"/>
+          </a:lnRef>
+          <a:fillRef idx="0">
+            <a:schemeClr val="dk1"/>
+          </a:fillRef>
+          <a:effectRef idx="0">
+            <a:schemeClr val="dk1"/>
+          </a:effectRef>
+          <a:fontRef idx="minor">
+            <a:schemeClr val="tx1"/>
+          </a:fontRef>
+        </p:style>
+      </p:cxnSp>
+      <p:sp>
+        <p:nvSpPr>
+          <p:cNvPr id="25" name="TextBox 24">
+            <a:extLst>
+              <a:ext uri="{FF2B5EF4-FFF2-40B4-BE49-F238E27FC236}">
+                <a16:creationId xmlns:a16="http://schemas.microsoft.com/office/drawing/2014/main" id="{964ACAB4-CA92-49A8-82A3-FC52C5DEE1A8}"/>
+              </a:ext>
+            </a:extLst>
+          </p:cNvPr>
+          <p:cNvSpPr txBox="1"/>
+          <p:nvPr/>
+        </p:nvSpPr>
+        <p:spPr>
+          <a:xfrm>
+            <a:off x="5064512" y="3046239"/>
+            <a:ext cx="2062976" cy="1015663"/>
+          </a:xfrm>
+          <a:prstGeom prst="rect">
+            <a:avLst/>
+          </a:prstGeom>
+          <a:noFill/>
+        </p:spPr>
+        <p:txBody>
+          <a:bodyPr wrap="square" rtlCol="0">
+            <a:spAutoFit/>
+          </a:bodyPr>
+          <a:lstStyle/>
+          <a:p>
+            <a:pPr algn="ctr"/>
+            <a:r>
+              <a:rPr lang="en-US" dirty="0"/>
+              <a:t>Socially </a:t>
+            </a:r>
+          </a:p>
+          <a:p>
+            <a:pPr algn="ctr"/>
+            <a:r>
+              <a:rPr lang="en-US" dirty="0"/>
+              <a:t>Responsible</a:t>
+            </a:r>
+          </a:p>
+          <a:p>
+            <a:pPr algn="ctr"/>
+            <a:r>
+              <a:rPr lang="en-US" sz="1200" dirty="0"/>
+              <a:t>Community votes and participates in social impact</a:t>
+            </a:r>
+          </a:p>
+        </p:txBody>
+      </p:sp>
+    </p:spTree>
+    <p:extLst>
+      <p:ext uri="{BB962C8B-B14F-4D97-AF65-F5344CB8AC3E}">
+        <p14:creationId xmlns:p14="http://schemas.microsoft.com/office/powerpoint/2010/main" val="3386298081"/>
+      </p:ext>
+    </p:extLst>
+  </p:cSld>
+  <p:clrMapOvr>
+    <a:masterClrMapping/>
+  </p:clrMapOvr>
+</p:sld>
+</file>
+
+<file path=ppt/slides/slide6.xml><?xml version="1.0" encoding="utf-8"?>
 <p:sld xmlns:a="http://schemas.openxmlformats.org/drawingml/2006/main" xmlns:r="http://schemas.openxmlformats.org/officeDocument/2006/relationships" xmlns:p="http://schemas.openxmlformats.org/presentationml/2006/main">
   <p:cSld>
     <p:spTree>
@@ -11196,10 +15383,9 @@
           <a:p>
             <a:pPr algn="ctr"/>
             <a:r>
-              <a:rPr lang="en-US" sz="1500"/>
+              <a:rPr lang="en-US" sz="1500" dirty="0"/>
               <a:t>Workspace</a:t>
             </a:r>
-            <a:endParaRPr lang="en-US" sz="1500" dirty="0"/>
           </a:p>
         </p:txBody>
       </p:sp>
@@ -11276,7 +15462,7 @@
 </p:sld>
 </file>
 
-<file path=ppt/slides/slide3.xml><?xml version="1.0" encoding="utf-8"?>
+<file path=ppt/slides/slide7.xml><?xml version="1.0" encoding="utf-8"?>
 <p:sld xmlns:a="http://schemas.openxmlformats.org/drawingml/2006/main" xmlns:r="http://schemas.openxmlformats.org/officeDocument/2006/relationships" xmlns:p="http://schemas.openxmlformats.org/presentationml/2006/main">
   <p:cSld>
     <p:spTree>
@@ -12492,7 +16678,7 @@
 </p:sld>
 </file>
 
-<file path=ppt/slides/slide4.xml><?xml version="1.0" encoding="utf-8"?>
+<file path=ppt/slides/slide8.xml><?xml version="1.0" encoding="utf-8"?>
 <p:sld xmlns:a="http://schemas.openxmlformats.org/drawingml/2006/main" xmlns:r="http://schemas.openxmlformats.org/officeDocument/2006/relationships" xmlns:p="http://schemas.openxmlformats.org/presentationml/2006/main">
   <p:cSld>
     <p:spTree>
@@ -13139,7 +17325,7 @@
 </p:sld>
 </file>
 
-<file path=ppt/slides/slide5.xml><?xml version="1.0" encoding="utf-8"?>
+<file path=ppt/slides/slide9.xml><?xml version="1.0" encoding="utf-8"?>
 <p:sld xmlns:a="http://schemas.openxmlformats.org/drawingml/2006/main" xmlns:r="http://schemas.openxmlformats.org/officeDocument/2006/relationships" xmlns:p="http://schemas.openxmlformats.org/presentationml/2006/main">
   <p:cSld>
     <p:spTree>
@@ -13549,1490 +17735,6 @@
     <p:extLst>
       <p:ext uri="{BB962C8B-B14F-4D97-AF65-F5344CB8AC3E}">
         <p14:creationId xmlns:p14="http://schemas.microsoft.com/office/powerpoint/2010/main" val="3135721834"/>
-      </p:ext>
-    </p:extLst>
-  </p:cSld>
-  <p:clrMapOvr>
-    <a:masterClrMapping/>
-  </p:clrMapOvr>
-</p:sld>
-</file>
-
-<file path=ppt/slides/slide6.xml><?xml version="1.0" encoding="utf-8"?>
-<p:sld xmlns:a="http://schemas.openxmlformats.org/drawingml/2006/main" xmlns:r="http://schemas.openxmlformats.org/officeDocument/2006/relationships" xmlns:p="http://schemas.openxmlformats.org/presentationml/2006/main">
-  <p:cSld>
-    <p:spTree>
-      <p:nvGrpSpPr>
-        <p:cNvPr id="1" name=""/>
-        <p:cNvGrpSpPr/>
-        <p:nvPr/>
-      </p:nvGrpSpPr>
-      <p:grpSpPr>
-        <a:xfrm>
-          <a:off x="0" y="0"/>
-          <a:ext cx="0" cy="0"/>
-          <a:chOff x="0" y="0"/>
-          <a:chExt cx="0" cy="0"/>
-        </a:xfrm>
-      </p:grpSpPr>
-      <p:sp>
-        <p:nvSpPr>
-          <p:cNvPr id="6" name="Rectangle 5">
-            <a:extLst>
-              <a:ext uri="{FF2B5EF4-FFF2-40B4-BE49-F238E27FC236}">
-                <a16:creationId xmlns:a16="http://schemas.microsoft.com/office/drawing/2014/main" id="{BE21B872-4817-42CC-AC91-C88120918379}"/>
-              </a:ext>
-            </a:extLst>
-          </p:cNvPr>
-          <p:cNvSpPr/>
-          <p:nvPr/>
-        </p:nvSpPr>
-        <p:spPr>
-          <a:xfrm>
-            <a:off x="1" y="0"/>
-            <a:ext cx="2428239" cy="640080"/>
-          </a:xfrm>
-          <a:prstGeom prst="rect">
-            <a:avLst/>
-          </a:prstGeom>
-        </p:spPr>
-        <p:style>
-          <a:lnRef idx="2">
-            <a:schemeClr val="accent1">
-              <a:shade val="50000"/>
-            </a:schemeClr>
-          </a:lnRef>
-          <a:fillRef idx="1">
-            <a:schemeClr val="accent1"/>
-          </a:fillRef>
-          <a:effectRef idx="0">
-            <a:schemeClr val="accent1"/>
-          </a:effectRef>
-          <a:fontRef idx="minor">
-            <a:schemeClr val="lt1"/>
-          </a:fontRef>
-        </p:style>
-        <p:txBody>
-          <a:bodyPr rtlCol="0" anchor="ctr"/>
-          <a:lstStyle/>
-          <a:p>
-            <a:pPr algn="ctr"/>
-            <a:r>
-              <a:rPr lang="en-US" dirty="0"/>
-              <a:t>Find My Space</a:t>
-            </a:r>
-          </a:p>
-        </p:txBody>
-      </p:sp>
-      <p:sp>
-        <p:nvSpPr>
-          <p:cNvPr id="2" name="Rectangle 1">
-            <a:extLst>
-              <a:ext uri="{FF2B5EF4-FFF2-40B4-BE49-F238E27FC236}">
-                <a16:creationId xmlns:a16="http://schemas.microsoft.com/office/drawing/2014/main" id="{1626EF4F-619E-4134-A9A0-EFE0B183732F}"/>
-              </a:ext>
-            </a:extLst>
-          </p:cNvPr>
-          <p:cNvSpPr/>
-          <p:nvPr/>
-        </p:nvSpPr>
-        <p:spPr>
-          <a:xfrm>
-            <a:off x="4018280" y="4612640"/>
-            <a:ext cx="4094480" cy="457200"/>
-          </a:xfrm>
-          <a:prstGeom prst="rect">
-            <a:avLst/>
-          </a:prstGeom>
-          <a:noFill/>
-        </p:spPr>
-        <p:style>
-          <a:lnRef idx="2">
-            <a:schemeClr val="accent1">
-              <a:shade val="50000"/>
-            </a:schemeClr>
-          </a:lnRef>
-          <a:fillRef idx="1">
-            <a:schemeClr val="accent1"/>
-          </a:fillRef>
-          <a:effectRef idx="0">
-            <a:schemeClr val="accent1"/>
-          </a:effectRef>
-          <a:fontRef idx="minor">
-            <a:schemeClr val="lt1"/>
-          </a:fontRef>
-        </p:style>
-        <p:txBody>
-          <a:bodyPr rtlCol="0" anchor="ctr"/>
-          <a:lstStyle/>
-          <a:p>
-            <a:pPr algn="ctr"/>
-            <a:endParaRPr lang="en-US"/>
-          </a:p>
-        </p:txBody>
-      </p:sp>
-      <p:sp>
-        <p:nvSpPr>
-          <p:cNvPr id="3" name="TextBox 2">
-            <a:extLst>
-              <a:ext uri="{FF2B5EF4-FFF2-40B4-BE49-F238E27FC236}">
-                <a16:creationId xmlns:a16="http://schemas.microsoft.com/office/drawing/2014/main" id="{2A5C766D-CD29-4E2B-87ED-7A370ECB0CCF}"/>
-              </a:ext>
-            </a:extLst>
-          </p:cNvPr>
-          <p:cNvSpPr txBox="1"/>
-          <p:nvPr/>
-        </p:nvSpPr>
-        <p:spPr>
-          <a:xfrm>
-            <a:off x="1971040" y="4656574"/>
-            <a:ext cx="1991360" cy="369332"/>
-          </a:xfrm>
-          <a:prstGeom prst="rect">
-            <a:avLst/>
-          </a:prstGeom>
-          <a:noFill/>
-        </p:spPr>
-        <p:txBody>
-          <a:bodyPr wrap="square" rtlCol="0">
-            <a:spAutoFit/>
-          </a:bodyPr>
-          <a:lstStyle/>
-          <a:p>
-            <a:pPr algn="r"/>
-            <a:r>
-              <a:rPr lang="en-US" dirty="0"/>
-              <a:t>Location</a:t>
-            </a:r>
-          </a:p>
-        </p:txBody>
-      </p:sp>
-      <p:sp>
-        <p:nvSpPr>
-          <p:cNvPr id="18" name="Rectangle 17">
-            <a:extLst>
-              <a:ext uri="{FF2B5EF4-FFF2-40B4-BE49-F238E27FC236}">
-                <a16:creationId xmlns:a16="http://schemas.microsoft.com/office/drawing/2014/main" id="{57ED407D-B299-4DB4-91F3-3CD7938BC8DB}"/>
-              </a:ext>
-            </a:extLst>
-          </p:cNvPr>
-          <p:cNvSpPr/>
-          <p:nvPr/>
-        </p:nvSpPr>
-        <p:spPr>
-          <a:xfrm>
-            <a:off x="4033520" y="5222240"/>
-            <a:ext cx="4094480" cy="457200"/>
-          </a:xfrm>
-          <a:prstGeom prst="rect">
-            <a:avLst/>
-          </a:prstGeom>
-          <a:noFill/>
-        </p:spPr>
-        <p:style>
-          <a:lnRef idx="2">
-            <a:schemeClr val="accent1">
-              <a:shade val="50000"/>
-            </a:schemeClr>
-          </a:lnRef>
-          <a:fillRef idx="1">
-            <a:schemeClr val="accent1"/>
-          </a:fillRef>
-          <a:effectRef idx="0">
-            <a:schemeClr val="accent1"/>
-          </a:effectRef>
-          <a:fontRef idx="minor">
-            <a:schemeClr val="lt1"/>
-          </a:fontRef>
-        </p:style>
-        <p:txBody>
-          <a:bodyPr rtlCol="0" anchor="ctr"/>
-          <a:lstStyle/>
-          <a:p>
-            <a:pPr algn="ctr"/>
-            <a:endParaRPr lang="en-US"/>
-          </a:p>
-        </p:txBody>
-      </p:sp>
-      <p:sp>
-        <p:nvSpPr>
-          <p:cNvPr id="19" name="TextBox 18">
-            <a:extLst>
-              <a:ext uri="{FF2B5EF4-FFF2-40B4-BE49-F238E27FC236}">
-                <a16:creationId xmlns:a16="http://schemas.microsoft.com/office/drawing/2014/main" id="{86993E04-CB87-4581-841D-06AF20314864}"/>
-              </a:ext>
-            </a:extLst>
-          </p:cNvPr>
-          <p:cNvSpPr txBox="1"/>
-          <p:nvPr/>
-        </p:nvSpPr>
-        <p:spPr>
-          <a:xfrm>
-            <a:off x="1986280" y="5266174"/>
-            <a:ext cx="1991360" cy="369332"/>
-          </a:xfrm>
-          <a:prstGeom prst="rect">
-            <a:avLst/>
-          </a:prstGeom>
-          <a:noFill/>
-        </p:spPr>
-        <p:txBody>
-          <a:bodyPr wrap="square" rtlCol="0">
-            <a:spAutoFit/>
-          </a:bodyPr>
-          <a:lstStyle/>
-          <a:p>
-            <a:pPr algn="r"/>
-            <a:r>
-              <a:rPr lang="en-US" dirty="0"/>
-              <a:t>Location</a:t>
-            </a:r>
-          </a:p>
-        </p:txBody>
-      </p:sp>
-      <p:sp>
-        <p:nvSpPr>
-          <p:cNvPr id="22" name="Rectangle 21">
-            <a:extLst>
-              <a:ext uri="{FF2B5EF4-FFF2-40B4-BE49-F238E27FC236}">
-                <a16:creationId xmlns:a16="http://schemas.microsoft.com/office/drawing/2014/main" id="{5DEFFF57-B896-4283-972A-C4A5830F65C0}"/>
-              </a:ext>
-            </a:extLst>
-          </p:cNvPr>
-          <p:cNvSpPr/>
-          <p:nvPr/>
-        </p:nvSpPr>
-        <p:spPr>
-          <a:xfrm>
-            <a:off x="-1" y="0"/>
-            <a:ext cx="12191999" cy="3429000"/>
-          </a:xfrm>
-          <a:prstGeom prst="rect">
-            <a:avLst/>
-          </a:prstGeom>
-        </p:spPr>
-        <p:style>
-          <a:lnRef idx="2">
-            <a:schemeClr val="accent1">
-              <a:shade val="50000"/>
-            </a:schemeClr>
-          </a:lnRef>
-          <a:fillRef idx="1">
-            <a:schemeClr val="accent1"/>
-          </a:fillRef>
-          <a:effectRef idx="0">
-            <a:schemeClr val="accent1"/>
-          </a:effectRef>
-          <a:fontRef idx="minor">
-            <a:schemeClr val="lt1"/>
-          </a:fontRef>
-        </p:style>
-        <p:txBody>
-          <a:bodyPr rtlCol="0" anchor="ctr"/>
-          <a:lstStyle/>
-          <a:p>
-            <a:pPr algn="ctr"/>
-            <a:endParaRPr lang="en-US"/>
-          </a:p>
-        </p:txBody>
-      </p:sp>
-      <p:sp>
-        <p:nvSpPr>
-          <p:cNvPr id="20" name="TextBox 19">
-            <a:extLst>
-              <a:ext uri="{FF2B5EF4-FFF2-40B4-BE49-F238E27FC236}">
-                <a16:creationId xmlns:a16="http://schemas.microsoft.com/office/drawing/2014/main" id="{39D87466-FB96-4AED-815C-3907B2687689}"/>
-              </a:ext>
-            </a:extLst>
-          </p:cNvPr>
-          <p:cNvSpPr txBox="1"/>
-          <p:nvPr/>
-        </p:nvSpPr>
-        <p:spPr>
-          <a:xfrm>
-            <a:off x="7747000" y="3169503"/>
-            <a:ext cx="4445000" cy="553998"/>
-          </a:xfrm>
-          <a:prstGeom prst="rect">
-            <a:avLst/>
-          </a:prstGeom>
-          <a:noFill/>
-        </p:spPr>
-        <p:txBody>
-          <a:bodyPr wrap="square" rtlCol="0">
-            <a:spAutoFit/>
-          </a:bodyPr>
-          <a:lstStyle/>
-          <a:p>
-            <a:pPr algn="ctr"/>
-            <a:r>
-              <a:rPr lang="en-US" sz="3000" dirty="0"/>
-              <a:t>Frankfurt, Germany</a:t>
-            </a:r>
-          </a:p>
-        </p:txBody>
-      </p:sp>
-      <p:sp>
-        <p:nvSpPr>
-          <p:cNvPr id="11" name="TextBox 10">
-            <a:extLst>
-              <a:ext uri="{FF2B5EF4-FFF2-40B4-BE49-F238E27FC236}">
-                <a16:creationId xmlns:a16="http://schemas.microsoft.com/office/drawing/2014/main" id="{E680BD90-EF45-44A0-8BB1-E2533D4AAA3D}"/>
-              </a:ext>
-            </a:extLst>
-          </p:cNvPr>
-          <p:cNvSpPr txBox="1"/>
-          <p:nvPr/>
-        </p:nvSpPr>
-        <p:spPr>
-          <a:xfrm>
-            <a:off x="8382000" y="4162920"/>
-            <a:ext cx="3413760" cy="1477328"/>
-          </a:xfrm>
-          <a:prstGeom prst="rect">
-            <a:avLst/>
-          </a:prstGeom>
-          <a:noFill/>
-        </p:spPr>
-        <p:txBody>
-          <a:bodyPr wrap="square" rtlCol="0">
-            <a:spAutoFit/>
-          </a:bodyPr>
-          <a:lstStyle/>
-          <a:p>
-            <a:pPr marL="285750" indent="-285750">
-              <a:buFont typeface="Arial" panose="020B0604020202020204" pitchFamily="34" charset="0"/>
-              <a:buChar char="•"/>
-            </a:pPr>
-            <a:r>
-              <a:rPr lang="en-US" dirty="0"/>
-              <a:t>Private space</a:t>
-            </a:r>
-          </a:p>
-          <a:p>
-            <a:pPr marL="285750" indent="-285750">
-              <a:buFont typeface="Arial" panose="020B0604020202020204" pitchFamily="34" charset="0"/>
-              <a:buChar char="•"/>
-            </a:pPr>
-            <a:r>
-              <a:rPr lang="en-US" dirty="0"/>
-              <a:t>Open Workspace</a:t>
-            </a:r>
-          </a:p>
-          <a:p>
-            <a:pPr marL="285750" indent="-285750">
-              <a:buFont typeface="Arial" panose="020B0604020202020204" pitchFamily="34" charset="0"/>
-              <a:buChar char="•"/>
-            </a:pPr>
-            <a:r>
-              <a:rPr lang="en-US" dirty="0"/>
-              <a:t>Meeting Room</a:t>
-            </a:r>
-          </a:p>
-          <a:p>
-            <a:pPr marL="285750" indent="-285750">
-              <a:buFont typeface="Arial" panose="020B0604020202020204" pitchFamily="34" charset="0"/>
-              <a:buChar char="•"/>
-            </a:pPr>
-            <a:endParaRPr lang="en-US" dirty="0"/>
-          </a:p>
-          <a:p>
-            <a:pPr marL="285750" indent="-285750">
-              <a:buFont typeface="Arial" panose="020B0604020202020204" pitchFamily="34" charset="0"/>
-              <a:buChar char="•"/>
-            </a:pPr>
-            <a:endParaRPr lang="en-US" dirty="0"/>
-          </a:p>
-        </p:txBody>
-      </p:sp>
-    </p:spTree>
-    <p:extLst>
-      <p:ext uri="{BB962C8B-B14F-4D97-AF65-F5344CB8AC3E}">
-        <p14:creationId xmlns:p14="http://schemas.microsoft.com/office/powerpoint/2010/main" val="1115696043"/>
-      </p:ext>
-    </p:extLst>
-  </p:cSld>
-  <p:clrMapOvr>
-    <a:masterClrMapping/>
-  </p:clrMapOvr>
-</p:sld>
-</file>
-
-<file path=ppt/slides/slide7.xml><?xml version="1.0" encoding="utf-8"?>
-<p:sld xmlns:a="http://schemas.openxmlformats.org/drawingml/2006/main" xmlns:r="http://schemas.openxmlformats.org/officeDocument/2006/relationships" xmlns:p="http://schemas.openxmlformats.org/presentationml/2006/main">
-  <p:cSld>
-    <p:spTree>
-      <p:nvGrpSpPr>
-        <p:cNvPr id="1" name=""/>
-        <p:cNvGrpSpPr/>
-        <p:nvPr/>
-      </p:nvGrpSpPr>
-      <p:grpSpPr>
-        <a:xfrm>
-          <a:off x="0" y="0"/>
-          <a:ext cx="0" cy="0"/>
-          <a:chOff x="0" y="0"/>
-          <a:chExt cx="0" cy="0"/>
-        </a:xfrm>
-      </p:grpSpPr>
-      <p:sp>
-        <p:nvSpPr>
-          <p:cNvPr id="6" name="Rectangle 5">
-            <a:extLst>
-              <a:ext uri="{FF2B5EF4-FFF2-40B4-BE49-F238E27FC236}">
-                <a16:creationId xmlns:a16="http://schemas.microsoft.com/office/drawing/2014/main" id="{BE21B872-4817-42CC-AC91-C88120918379}"/>
-              </a:ext>
-            </a:extLst>
-          </p:cNvPr>
-          <p:cNvSpPr/>
-          <p:nvPr/>
-        </p:nvSpPr>
-        <p:spPr>
-          <a:xfrm>
-            <a:off x="2206473" y="2362200"/>
-            <a:ext cx="8085607" cy="2133600"/>
-          </a:xfrm>
-          <a:prstGeom prst="rect">
-            <a:avLst/>
-          </a:prstGeom>
-        </p:spPr>
-        <p:style>
-          <a:lnRef idx="2">
-            <a:schemeClr val="accent1">
-              <a:shade val="50000"/>
-            </a:schemeClr>
-          </a:lnRef>
-          <a:fillRef idx="1">
-            <a:schemeClr val="accent1"/>
-          </a:fillRef>
-          <a:effectRef idx="0">
-            <a:schemeClr val="accent1"/>
-          </a:effectRef>
-          <a:fontRef idx="minor">
-            <a:schemeClr val="lt1"/>
-          </a:fontRef>
-        </p:style>
-        <p:txBody>
-          <a:bodyPr rtlCol="0" anchor="ctr"/>
-          <a:lstStyle/>
-          <a:p>
-            <a:pPr algn="ctr"/>
-            <a:r>
-              <a:rPr lang="en-US" dirty="0"/>
-              <a:t>Insert value thing from loopy</a:t>
-            </a:r>
-          </a:p>
-          <a:p>
-            <a:pPr algn="ctr"/>
-            <a:r>
-              <a:rPr lang="en-US" dirty="0"/>
-              <a:t>Perhaps don’t even use the above</a:t>
-            </a:r>
-          </a:p>
-        </p:txBody>
-      </p:sp>
-    </p:spTree>
-    <p:extLst>
-      <p:ext uri="{BB962C8B-B14F-4D97-AF65-F5344CB8AC3E}">
-        <p14:creationId xmlns:p14="http://schemas.microsoft.com/office/powerpoint/2010/main" val="1844804774"/>
-      </p:ext>
-    </p:extLst>
-  </p:cSld>
-  <p:clrMapOvr>
-    <a:masterClrMapping/>
-  </p:clrMapOvr>
-</p:sld>
-</file>
-
-<file path=ppt/slides/slide8.xml><?xml version="1.0" encoding="utf-8"?>
-<p:sld xmlns:a="http://schemas.openxmlformats.org/drawingml/2006/main" xmlns:r="http://schemas.openxmlformats.org/officeDocument/2006/relationships" xmlns:p="http://schemas.openxmlformats.org/presentationml/2006/main">
-  <p:cSld>
-    <p:spTree>
-      <p:nvGrpSpPr>
-        <p:cNvPr id="1" name=""/>
-        <p:cNvGrpSpPr/>
-        <p:nvPr/>
-      </p:nvGrpSpPr>
-      <p:grpSpPr>
-        <a:xfrm>
-          <a:off x="0" y="0"/>
-          <a:ext cx="0" cy="0"/>
-          <a:chOff x="0" y="0"/>
-          <a:chExt cx="0" cy="0"/>
-        </a:xfrm>
-      </p:grpSpPr>
-      <p:sp>
-        <p:nvSpPr>
-          <p:cNvPr id="4" name="TextBox 3">
-            <a:extLst>
-              <a:ext uri="{FF2B5EF4-FFF2-40B4-BE49-F238E27FC236}">
-                <a16:creationId xmlns:a16="http://schemas.microsoft.com/office/drawing/2014/main" id="{BD394466-0563-4042-9DE0-0FBE0E4C666D}"/>
-              </a:ext>
-            </a:extLst>
-          </p:cNvPr>
-          <p:cNvSpPr txBox="1"/>
-          <p:nvPr/>
-        </p:nvSpPr>
-        <p:spPr>
-          <a:xfrm>
-            <a:off x="7342094" y="376518"/>
-            <a:ext cx="4849906" cy="1754326"/>
-          </a:xfrm>
-          <a:prstGeom prst="rect">
-            <a:avLst/>
-          </a:prstGeom>
-          <a:noFill/>
-        </p:spPr>
-        <p:txBody>
-          <a:bodyPr wrap="square" rtlCol="0">
-            <a:spAutoFit/>
-          </a:bodyPr>
-          <a:lstStyle/>
-          <a:p>
-            <a:r>
-              <a:rPr lang="en-US" dirty="0"/>
-              <a:t>0x</a:t>
-            </a:r>
-          </a:p>
-          <a:p>
-            <a:pPr marL="285750" indent="-285750">
-              <a:buFont typeface="Arial" panose="020B0604020202020204" pitchFamily="34" charset="0"/>
-              <a:buChar char="•"/>
-            </a:pPr>
-            <a:r>
-              <a:rPr lang="en-US" dirty="0"/>
-              <a:t>Multi-dimensional</a:t>
-            </a:r>
-          </a:p>
-          <a:p>
-            <a:pPr marL="742950" lvl="1" indent="-285750">
-              <a:buFont typeface="Arial" panose="020B0604020202020204" pitchFamily="34" charset="0"/>
-              <a:buChar char="•"/>
-            </a:pPr>
-            <a:r>
-              <a:rPr lang="en-US" dirty="0"/>
-              <a:t>Business for Good</a:t>
-            </a:r>
-          </a:p>
-          <a:p>
-            <a:pPr marL="742950" lvl="1" indent="-285750">
-              <a:buFont typeface="Arial" panose="020B0604020202020204" pitchFamily="34" charset="0"/>
-              <a:buChar char="•"/>
-            </a:pPr>
-            <a:r>
-              <a:rPr lang="en-US" dirty="0"/>
-              <a:t>Shared Economy</a:t>
-            </a:r>
-          </a:p>
-          <a:p>
-            <a:pPr marL="742950" lvl="1" indent="-285750">
-              <a:buFont typeface="Arial" panose="020B0604020202020204" pitchFamily="34" charset="0"/>
-              <a:buChar char="•"/>
-            </a:pPr>
-            <a:r>
-              <a:rPr lang="en-US" dirty="0"/>
-              <a:t>Social Impact</a:t>
-            </a:r>
-          </a:p>
-          <a:p>
-            <a:pPr marL="285750" indent="-285750">
-              <a:buFont typeface="Arial" panose="020B0604020202020204" pitchFamily="34" charset="0"/>
-              <a:buChar char="•"/>
-            </a:pPr>
-            <a:r>
-              <a:rPr lang="en-US" dirty="0"/>
-              <a:t>0 waste</a:t>
-            </a:r>
-          </a:p>
-        </p:txBody>
-      </p:sp>
-      <p:graphicFrame>
-        <p:nvGraphicFramePr>
-          <p:cNvPr id="6" name="Diagram 5">
-            <a:extLst>
-              <a:ext uri="{FF2B5EF4-FFF2-40B4-BE49-F238E27FC236}">
-                <a16:creationId xmlns:a16="http://schemas.microsoft.com/office/drawing/2014/main" id="{1B3E8AB3-438C-4E87-81AF-A0FDC1C97DE7}"/>
-              </a:ext>
-            </a:extLst>
-          </p:cNvPr>
-          <p:cNvGraphicFramePr/>
-          <p:nvPr>
-            <p:extLst>
-              <p:ext uri="{D42A27DB-BD31-4B8C-83A1-F6EECF244321}">
-                <p14:modId xmlns:p14="http://schemas.microsoft.com/office/powerpoint/2010/main" val="2822160398"/>
-              </p:ext>
-            </p:extLst>
-          </p:nvPr>
-        </p:nvGraphicFramePr>
-        <p:xfrm>
-          <a:off x="221974" y="1752600"/>
-          <a:ext cx="6178825" cy="3917950"/>
-        </p:xfrm>
-        <a:graphic>
-          <a:graphicData uri="http://schemas.openxmlformats.org/drawingml/2006/diagram">
-            <dgm:relIds xmlns:dgm="http://schemas.openxmlformats.org/drawingml/2006/diagram" xmlns:r="http://schemas.openxmlformats.org/officeDocument/2006/relationships" r:dm="rId2" r:lo="rId3" r:qs="rId4" r:cs="rId5"/>
-          </a:graphicData>
-        </a:graphic>
-      </p:graphicFrame>
-      <p:sp>
-        <p:nvSpPr>
-          <p:cNvPr id="10" name="TextBox 9">
-            <a:extLst>
-              <a:ext uri="{FF2B5EF4-FFF2-40B4-BE49-F238E27FC236}">
-                <a16:creationId xmlns:a16="http://schemas.microsoft.com/office/drawing/2014/main" id="{721DD213-387F-4F24-911C-6B959E3C741C}"/>
-              </a:ext>
-            </a:extLst>
-          </p:cNvPr>
-          <p:cNvSpPr txBox="1"/>
-          <p:nvPr/>
-        </p:nvSpPr>
-        <p:spPr>
-          <a:xfrm>
-            <a:off x="5043815" y="2550185"/>
-            <a:ext cx="2024270" cy="440102"/>
-          </a:xfrm>
-          <a:prstGeom prst="rect">
-            <a:avLst/>
-          </a:prstGeom>
-        </p:spPr>
-        <p:txBody>
-          <a:bodyPr vert="horz" wrap="square" lIns="91440" tIns="45720" rIns="91440" bIns="45720" rtlCol="0" anchor="ctr">
-            <a:noAutofit/>
-          </a:bodyPr>
-          <a:lstStyle/>
-          <a:p>
-            <a:pPr defTabSz="457200"/>
-            <a:r>
-              <a:rPr lang="en-US" sz="2000" dirty="0">
-                <a:solidFill>
-                  <a:srgbClr val="5AA85D"/>
-                </a:solidFill>
-                <a:latin typeface="Roboto Black" panose="02000000000000000000" pitchFamily="2" charset="0"/>
-                <a:ea typeface="Roboto Black" panose="02000000000000000000" pitchFamily="2" charset="0"/>
-                <a:cs typeface="Roboto Condensed Regular"/>
-              </a:rPr>
-              <a:t>The sweet spot</a:t>
-            </a:r>
-          </a:p>
-        </p:txBody>
-      </p:sp>
-      <p:sp>
-        <p:nvSpPr>
-          <p:cNvPr id="11" name="Oval 10">
-            <a:extLst>
-              <a:ext uri="{FF2B5EF4-FFF2-40B4-BE49-F238E27FC236}">
-                <a16:creationId xmlns:a16="http://schemas.microsoft.com/office/drawing/2014/main" id="{5AEC66C2-CB5F-413F-83E8-EBADDE573B1F}"/>
-              </a:ext>
-            </a:extLst>
-          </p:cNvPr>
-          <p:cNvSpPr/>
-          <p:nvPr/>
-        </p:nvSpPr>
-        <p:spPr>
-          <a:xfrm>
-            <a:off x="3142127" y="3737181"/>
-            <a:ext cx="367752" cy="390954"/>
-          </a:xfrm>
-          <a:prstGeom prst="ellipse">
-            <a:avLst/>
-          </a:prstGeom>
-          <a:gradFill rotWithShape="1">
-            <a:gsLst>
-              <a:gs pos="0">
-                <a:srgbClr val="5AA85D">
-                  <a:tint val="100000"/>
-                  <a:shade val="100000"/>
-                  <a:satMod val="130000"/>
-                </a:srgbClr>
-              </a:gs>
-              <a:gs pos="100000">
-                <a:srgbClr val="5AA85D">
-                  <a:tint val="50000"/>
-                  <a:shade val="100000"/>
-                  <a:satMod val="350000"/>
-                </a:srgbClr>
-              </a:gs>
-            </a:gsLst>
-            <a:lin ang="16200000" scaled="0"/>
-          </a:gradFill>
-          <a:ln w="9525" cap="flat" cmpd="sng" algn="ctr">
-            <a:solidFill>
-              <a:srgbClr val="5AA85D">
-                <a:shade val="95000"/>
-                <a:satMod val="105000"/>
-              </a:srgbClr>
-            </a:solidFill>
-            <a:prstDash val="solid"/>
-          </a:ln>
-          <a:effectLst>
-            <a:outerShdw blurRad="40000" dist="23000" dir="5400000" rotWithShape="0">
-              <a:srgbClr val="000000">
-                <a:alpha val="35000"/>
-              </a:srgbClr>
-            </a:outerShdw>
-          </a:effectLst>
-        </p:spPr>
-        <p:txBody>
-          <a:bodyPr rtlCol="0" anchor="ctr"/>
-          <a:lstStyle/>
-          <a:p>
-            <a:pPr marL="0" marR="0" lvl="0" indent="0" algn="ctr" defTabSz="457200" eaLnBrk="1" fontAlgn="auto" latinLnBrk="0" hangingPunct="1">
-              <a:lnSpc>
-                <a:spcPct val="100000"/>
-              </a:lnSpc>
-              <a:spcBef>
-                <a:spcPts val="0"/>
-              </a:spcBef>
-              <a:spcAft>
-                <a:spcPts val="0"/>
-              </a:spcAft>
-              <a:buClrTx/>
-              <a:buSzTx/>
-              <a:buFontTx/>
-              <a:buNone/>
-              <a:tabLst/>
-              <a:defRPr/>
-            </a:pPr>
-            <a:endParaRPr kumimoji="0" lang="en-US" sz="1800" b="0" i="0" u="none" strike="noStrike" kern="0" cap="none" spc="0" normalizeH="0" baseline="0" noProof="0">
-              <a:ln>
-                <a:noFill/>
-              </a:ln>
-              <a:solidFill>
-                <a:srgbClr val="FFFFFF"/>
-              </a:solidFill>
-              <a:effectLst/>
-              <a:uLnTx/>
-              <a:uFillTx/>
-              <a:latin typeface="Calibri"/>
-              <a:ea typeface="+mn-ea"/>
-              <a:cs typeface="+mn-cs"/>
-            </a:endParaRPr>
-          </a:p>
-        </p:txBody>
-      </p:sp>
-      <p:cxnSp>
-        <p:nvCxnSpPr>
-          <p:cNvPr id="12" name="Straight Arrow Connector 11">
-            <a:extLst>
-              <a:ext uri="{FF2B5EF4-FFF2-40B4-BE49-F238E27FC236}">
-                <a16:creationId xmlns:a16="http://schemas.microsoft.com/office/drawing/2014/main" id="{66FEC790-45D2-47BE-AA2C-ED2FD872CE68}"/>
-              </a:ext>
-            </a:extLst>
-          </p:cNvPr>
-          <p:cNvCxnSpPr>
-            <a:cxnSpLocks/>
-            <a:stCxn id="10" idx="1"/>
-            <a:endCxn id="11" idx="7"/>
-          </p:cNvCxnSpPr>
-          <p:nvPr/>
-        </p:nvCxnSpPr>
-        <p:spPr>
-          <a:xfrm flipH="1">
-            <a:off x="3456023" y="2770236"/>
-            <a:ext cx="1587792" cy="1024199"/>
-          </a:xfrm>
-          <a:prstGeom prst="straightConnector1">
-            <a:avLst/>
-          </a:prstGeom>
-          <a:noFill/>
-          <a:ln w="38100" cap="flat" cmpd="sng" algn="ctr">
-            <a:solidFill>
-              <a:srgbClr val="5AA85D"/>
-            </a:solidFill>
-            <a:prstDash val="solid"/>
-            <a:tailEnd type="triangle" w="lg" len="lg"/>
-          </a:ln>
-          <a:effectLst>
-            <a:outerShdw blurRad="40000" dist="23000" dir="5400000" rotWithShape="0">
-              <a:srgbClr val="000000">
-                <a:alpha val="35000"/>
-              </a:srgbClr>
-            </a:outerShdw>
-          </a:effectLst>
-        </p:spPr>
-      </p:cxnSp>
-    </p:spTree>
-    <p:extLst>
-      <p:ext uri="{BB962C8B-B14F-4D97-AF65-F5344CB8AC3E}">
-        <p14:creationId xmlns:p14="http://schemas.microsoft.com/office/powerpoint/2010/main" val="669771956"/>
-      </p:ext>
-    </p:extLst>
-  </p:cSld>
-  <p:clrMapOvr>
-    <a:masterClrMapping/>
-  </p:clrMapOvr>
-</p:sld>
-</file>
-
-<file path=ppt/slides/slide9.xml><?xml version="1.0" encoding="utf-8"?>
-<p:sld xmlns:a="http://schemas.openxmlformats.org/drawingml/2006/main" xmlns:r="http://schemas.openxmlformats.org/officeDocument/2006/relationships" xmlns:p="http://schemas.openxmlformats.org/presentationml/2006/main">
-  <p:cSld>
-    <p:spTree>
-      <p:nvGrpSpPr>
-        <p:cNvPr id="1" name=""/>
-        <p:cNvGrpSpPr/>
-        <p:nvPr/>
-      </p:nvGrpSpPr>
-      <p:grpSpPr>
-        <a:xfrm>
-          <a:off x="0" y="0"/>
-          <a:ext cx="0" cy="0"/>
-          <a:chOff x="0" y="0"/>
-          <a:chExt cx="0" cy="0"/>
-        </a:xfrm>
-      </p:grpSpPr>
-      <p:sp>
-        <p:nvSpPr>
-          <p:cNvPr id="2" name="TextBox 1">
-            <a:extLst>
-              <a:ext uri="{FF2B5EF4-FFF2-40B4-BE49-F238E27FC236}">
-                <a16:creationId xmlns:a16="http://schemas.microsoft.com/office/drawing/2014/main" id="{2D8453CC-715A-4388-96B3-58DA452F1108}"/>
-              </a:ext>
-            </a:extLst>
-          </p:cNvPr>
-          <p:cNvSpPr txBox="1"/>
-          <p:nvPr/>
-        </p:nvSpPr>
-        <p:spPr>
-          <a:xfrm>
-            <a:off x="990599" y="788894"/>
-            <a:ext cx="2389096" cy="461665"/>
-          </a:xfrm>
-          <a:prstGeom prst="rect">
-            <a:avLst/>
-          </a:prstGeom>
-          <a:noFill/>
-        </p:spPr>
-        <p:txBody>
-          <a:bodyPr wrap="square" rtlCol="0">
-            <a:spAutoFit/>
-          </a:bodyPr>
-          <a:lstStyle/>
-          <a:p>
-            <a:pPr algn="ctr"/>
-            <a:r>
-              <a:rPr lang="en-US" sz="2400" b="1" dirty="0"/>
-              <a:t>Workers</a:t>
-            </a:r>
-          </a:p>
-        </p:txBody>
-      </p:sp>
-      <p:sp>
-        <p:nvSpPr>
-          <p:cNvPr id="3" name="Rectangle: Rounded Corners 2">
-            <a:extLst>
-              <a:ext uri="{FF2B5EF4-FFF2-40B4-BE49-F238E27FC236}">
-                <a16:creationId xmlns:a16="http://schemas.microsoft.com/office/drawing/2014/main" id="{D268141D-2997-4C42-BD9F-6EEF03CCAF2A}"/>
-              </a:ext>
-            </a:extLst>
-          </p:cNvPr>
-          <p:cNvSpPr/>
-          <p:nvPr/>
-        </p:nvSpPr>
-        <p:spPr>
-          <a:xfrm>
-            <a:off x="4913218" y="1599789"/>
-            <a:ext cx="2097183" cy="3348729"/>
-          </a:xfrm>
-          <a:prstGeom prst="roundRect">
-            <a:avLst>
-              <a:gd name="adj" fmla="val 6408"/>
-            </a:avLst>
-          </a:prstGeom>
-          <a:noFill/>
-        </p:spPr>
-        <p:style>
-          <a:lnRef idx="2">
-            <a:schemeClr val="accent1">
-              <a:shade val="50000"/>
-            </a:schemeClr>
-          </a:lnRef>
-          <a:fillRef idx="1">
-            <a:schemeClr val="accent1"/>
-          </a:fillRef>
-          <a:effectRef idx="0">
-            <a:schemeClr val="accent1"/>
-          </a:effectRef>
-          <a:fontRef idx="minor">
-            <a:schemeClr val="lt1"/>
-          </a:fontRef>
-        </p:style>
-        <p:txBody>
-          <a:bodyPr rtlCol="0" anchor="ctr"/>
-          <a:lstStyle/>
-          <a:p>
-            <a:pPr algn="ctr"/>
-            <a:r>
-              <a:rPr lang="en-US" dirty="0">
-                <a:solidFill>
-                  <a:schemeClr val="tx1"/>
-                </a:solidFill>
-              </a:rPr>
-              <a:t>Workspace0x</a:t>
-            </a:r>
-          </a:p>
-        </p:txBody>
-      </p:sp>
-      <p:pic>
-        <p:nvPicPr>
-          <p:cNvPr id="6" name="Picture 5">
-            <a:extLst>
-              <a:ext uri="{FF2B5EF4-FFF2-40B4-BE49-F238E27FC236}">
-                <a16:creationId xmlns:a16="http://schemas.microsoft.com/office/drawing/2014/main" id="{ECD03366-03D4-4603-8847-67A1CA280696}"/>
-              </a:ext>
-            </a:extLst>
-          </p:cNvPr>
-          <p:cNvPicPr>
-            <a:picLocks noChangeAspect="1"/>
-          </p:cNvPicPr>
-          <p:nvPr/>
-        </p:nvPicPr>
-        <p:blipFill>
-          <a:blip r:embed="rId2"/>
-          <a:stretch>
-            <a:fillRect/>
-          </a:stretch>
-        </p:blipFill>
-        <p:spPr>
-          <a:xfrm>
-            <a:off x="7870152" y="3445783"/>
-            <a:ext cx="3381935" cy="598342"/>
-          </a:xfrm>
-          <a:prstGeom prst="rect">
-            <a:avLst/>
-          </a:prstGeom>
-        </p:spPr>
-      </p:pic>
-      <p:sp>
-        <p:nvSpPr>
-          <p:cNvPr id="7" name="TextBox 6">
-            <a:extLst>
-              <a:ext uri="{FF2B5EF4-FFF2-40B4-BE49-F238E27FC236}">
-                <a16:creationId xmlns:a16="http://schemas.microsoft.com/office/drawing/2014/main" id="{B97F7CAC-19C9-4388-8341-44C2785DD760}"/>
-              </a:ext>
-            </a:extLst>
-          </p:cNvPr>
-          <p:cNvSpPr txBox="1"/>
-          <p:nvPr/>
-        </p:nvSpPr>
-        <p:spPr>
-          <a:xfrm>
-            <a:off x="4701987" y="788893"/>
-            <a:ext cx="2389096" cy="461665"/>
-          </a:xfrm>
-          <a:prstGeom prst="rect">
-            <a:avLst/>
-          </a:prstGeom>
-          <a:noFill/>
-        </p:spPr>
-        <p:txBody>
-          <a:bodyPr wrap="square" rtlCol="0">
-            <a:spAutoFit/>
-          </a:bodyPr>
-          <a:lstStyle/>
-          <a:p>
-            <a:pPr algn="ctr"/>
-            <a:r>
-              <a:rPr lang="en-US" sz="2400" b="1" dirty="0"/>
-              <a:t>Platform</a:t>
-            </a:r>
-          </a:p>
-        </p:txBody>
-      </p:sp>
-      <p:sp>
-        <p:nvSpPr>
-          <p:cNvPr id="8" name="TextBox 7">
-            <a:extLst>
-              <a:ext uri="{FF2B5EF4-FFF2-40B4-BE49-F238E27FC236}">
-                <a16:creationId xmlns:a16="http://schemas.microsoft.com/office/drawing/2014/main" id="{B871650B-FF15-4EBD-863B-108850112743}"/>
-              </a:ext>
-            </a:extLst>
-          </p:cNvPr>
-          <p:cNvSpPr txBox="1"/>
-          <p:nvPr/>
-        </p:nvSpPr>
-        <p:spPr>
-          <a:xfrm>
-            <a:off x="8550087" y="788892"/>
-            <a:ext cx="2389096" cy="461665"/>
-          </a:xfrm>
-          <a:prstGeom prst="rect">
-            <a:avLst/>
-          </a:prstGeom>
-          <a:noFill/>
-        </p:spPr>
-        <p:txBody>
-          <a:bodyPr wrap="square" rtlCol="0">
-            <a:spAutoFit/>
-          </a:bodyPr>
-          <a:lstStyle/>
-          <a:p>
-            <a:pPr algn="ctr"/>
-            <a:r>
-              <a:rPr lang="en-US" sz="2400" b="1" dirty="0"/>
-              <a:t>Workspaces</a:t>
-            </a:r>
-          </a:p>
-        </p:txBody>
-      </p:sp>
-      <p:pic>
-        <p:nvPicPr>
-          <p:cNvPr id="3074" name="Picture 2" descr="Image result for house clipart">
-            <a:extLst>
-              <a:ext uri="{FF2B5EF4-FFF2-40B4-BE49-F238E27FC236}">
-                <a16:creationId xmlns:a16="http://schemas.microsoft.com/office/drawing/2014/main" id="{00AA1F3E-FB56-4682-9221-71574D3EA3BF}"/>
-              </a:ext>
-            </a:extLst>
-          </p:cNvPr>
-          <p:cNvPicPr>
-            <a:picLocks noChangeAspect="1" noChangeArrowheads="1"/>
-          </p:cNvPicPr>
-          <p:nvPr/>
-        </p:nvPicPr>
-        <p:blipFill>
-          <a:blip r:embed="rId3">
-            <a:extLst>
-              <a:ext uri="{28A0092B-C50C-407E-A947-70E740481C1C}">
-                <a14:useLocalDpi xmlns:a14="http://schemas.microsoft.com/office/drawing/2010/main" val="0"/>
-              </a:ext>
-            </a:extLst>
-          </a:blip>
-          <a:srcRect/>
-          <a:stretch>
-            <a:fillRect/>
-          </a:stretch>
-        </p:blipFill>
-        <p:spPr bwMode="auto">
-          <a:xfrm>
-            <a:off x="7870152" y="4497575"/>
-            <a:ext cx="1218240" cy="1212826"/>
-          </a:xfrm>
-          <a:prstGeom prst="rect">
-            <a:avLst/>
-          </a:prstGeom>
-          <a:noFill/>
-          <a:extLst>
-            <a:ext uri="{909E8E84-426E-40DD-AFC4-6F175D3DCCD1}">
-              <a14:hiddenFill xmlns:a14="http://schemas.microsoft.com/office/drawing/2010/main">
-                <a:solidFill>
-                  <a:srgbClr val="FFFFFF"/>
-                </a:solidFill>
-              </a14:hiddenFill>
-            </a:ext>
-          </a:extLst>
-        </p:spPr>
-      </p:pic>
-      <p:pic>
-        <p:nvPicPr>
-          <p:cNvPr id="9" name="Picture 8">
-            <a:extLst>
-              <a:ext uri="{FF2B5EF4-FFF2-40B4-BE49-F238E27FC236}">
-                <a16:creationId xmlns:a16="http://schemas.microsoft.com/office/drawing/2014/main" id="{F27ADBF5-159E-4FEE-A496-BF771B42A269}"/>
-              </a:ext>
-            </a:extLst>
-          </p:cNvPr>
-          <p:cNvPicPr>
-            <a:picLocks noChangeAspect="1"/>
-          </p:cNvPicPr>
-          <p:nvPr/>
-        </p:nvPicPr>
-        <p:blipFill>
-          <a:blip r:embed="rId4"/>
-          <a:stretch>
-            <a:fillRect/>
-          </a:stretch>
-        </p:blipFill>
-        <p:spPr>
-          <a:xfrm>
-            <a:off x="9705064" y="4382179"/>
-            <a:ext cx="1851914" cy="1443618"/>
-          </a:xfrm>
-          <a:prstGeom prst="rect">
-            <a:avLst/>
-          </a:prstGeom>
-        </p:spPr>
-      </p:pic>
-      <p:pic>
-        <p:nvPicPr>
-          <p:cNvPr id="3086" name="Picture 14" descr="Image result for coffee shop clipart">
-            <a:extLst>
-              <a:ext uri="{FF2B5EF4-FFF2-40B4-BE49-F238E27FC236}">
-                <a16:creationId xmlns:a16="http://schemas.microsoft.com/office/drawing/2014/main" id="{1F7FD523-2612-4F6D-8EAD-4A40C1EF9DA2}"/>
-              </a:ext>
-            </a:extLst>
-          </p:cNvPr>
-          <p:cNvPicPr>
-            <a:picLocks noChangeAspect="1" noChangeArrowheads="1"/>
-          </p:cNvPicPr>
-          <p:nvPr/>
-        </p:nvPicPr>
-        <p:blipFill>
-          <a:blip r:embed="rId5">
-            <a:extLst>
-              <a:ext uri="{28A0092B-C50C-407E-A947-70E740481C1C}">
-                <a14:useLocalDpi xmlns:a14="http://schemas.microsoft.com/office/drawing/2010/main" val="0"/>
-              </a:ext>
-            </a:extLst>
-          </a:blip>
-          <a:srcRect/>
-          <a:stretch>
-            <a:fillRect/>
-          </a:stretch>
-        </p:blipFill>
-        <p:spPr bwMode="auto">
-          <a:xfrm>
-            <a:off x="8444197" y="1444757"/>
-            <a:ext cx="2233843" cy="1662972"/>
-          </a:xfrm>
-          <a:prstGeom prst="rect">
-            <a:avLst/>
-          </a:prstGeom>
-          <a:noFill/>
-          <a:extLst>
-            <a:ext uri="{909E8E84-426E-40DD-AFC4-6F175D3DCCD1}">
-              <a14:hiddenFill xmlns:a14="http://schemas.microsoft.com/office/drawing/2010/main">
-                <a:solidFill>
-                  <a:srgbClr val="FFFFFF"/>
-                </a:solidFill>
-              </a14:hiddenFill>
-            </a:ext>
-          </a:extLst>
-        </p:spPr>
-      </p:pic>
-      <p:pic>
-        <p:nvPicPr>
-          <p:cNvPr id="12" name="Picture 11">
-            <a:extLst>
-              <a:ext uri="{FF2B5EF4-FFF2-40B4-BE49-F238E27FC236}">
-                <a16:creationId xmlns:a16="http://schemas.microsoft.com/office/drawing/2014/main" id="{175DD02B-343B-4887-83BD-AFA73AE1543A}"/>
-              </a:ext>
-            </a:extLst>
-          </p:cNvPr>
-          <p:cNvPicPr>
-            <a:picLocks noChangeAspect="1"/>
-          </p:cNvPicPr>
-          <p:nvPr/>
-        </p:nvPicPr>
-        <p:blipFill>
-          <a:blip r:embed="rId6">
-            <a:extLst>
-              <a:ext uri="{BEBA8EAE-BF5A-486C-A8C5-ECC9F3942E4B}">
-                <a14:imgProps xmlns:a14="http://schemas.microsoft.com/office/drawing/2010/main">
-                  <a14:imgLayer r:embed="rId7">
-                    <a14:imgEffect>
-                      <a14:brightnessContrast bright="45000"/>
-                    </a14:imgEffect>
-                  </a14:imgLayer>
-                </a14:imgProps>
-              </a:ext>
-            </a:extLst>
-          </a:blip>
-          <a:stretch>
-            <a:fillRect/>
-          </a:stretch>
-        </p:blipFill>
-        <p:spPr>
-          <a:xfrm>
-            <a:off x="540019" y="1444757"/>
-            <a:ext cx="3292366" cy="2131563"/>
-          </a:xfrm>
-          <a:prstGeom prst="rect">
-            <a:avLst/>
-          </a:prstGeom>
-        </p:spPr>
-      </p:pic>
-      <p:grpSp>
-        <p:nvGrpSpPr>
-          <p:cNvPr id="13" name="Group 12">
-            <a:extLst>
-              <a:ext uri="{FF2B5EF4-FFF2-40B4-BE49-F238E27FC236}">
-                <a16:creationId xmlns:a16="http://schemas.microsoft.com/office/drawing/2014/main" id="{F0AB972F-41C4-4487-8A0B-FA717AA54167}"/>
-              </a:ext>
-            </a:extLst>
-          </p:cNvPr>
-          <p:cNvGrpSpPr/>
-          <p:nvPr/>
-        </p:nvGrpSpPr>
-        <p:grpSpPr>
-          <a:xfrm>
-            <a:off x="3910557" y="2276243"/>
-            <a:ext cx="924488" cy="1255059"/>
-            <a:chOff x="4187534" y="2202921"/>
-            <a:chExt cx="924488" cy="1255059"/>
-          </a:xfrm>
-        </p:grpSpPr>
-        <p:sp>
-          <p:nvSpPr>
-            <p:cNvPr id="20" name="Arrow: Chevron 19">
-              <a:extLst>
-                <a:ext uri="{FF2B5EF4-FFF2-40B4-BE49-F238E27FC236}">
-                  <a16:creationId xmlns:a16="http://schemas.microsoft.com/office/drawing/2014/main" id="{3DC8C62F-A0FF-4081-A86E-9C0362DD1416}"/>
-                </a:ext>
-              </a:extLst>
-            </p:cNvPr>
-            <p:cNvSpPr/>
-            <p:nvPr/>
-          </p:nvSpPr>
-          <p:spPr>
-            <a:xfrm>
-              <a:off x="4187534" y="2202921"/>
-              <a:ext cx="828117" cy="1255059"/>
-            </a:xfrm>
-            <a:prstGeom prst="chevron">
-              <a:avLst>
-                <a:gd name="adj" fmla="val 72733"/>
-              </a:avLst>
-            </a:prstGeom>
-            <a:solidFill>
-              <a:srgbClr val="737373"/>
-            </a:solidFill>
-            <a:ln>
-              <a:solidFill>
-                <a:schemeClr val="tx1">
-                  <a:lumMod val="50000"/>
-                  <a:lumOff val="50000"/>
-                </a:schemeClr>
-              </a:solidFill>
-            </a:ln>
-          </p:spPr>
-          <p:style>
-            <a:lnRef idx="2">
-              <a:schemeClr val="accent1">
-                <a:shade val="50000"/>
-              </a:schemeClr>
-            </a:lnRef>
-            <a:fillRef idx="1">
-              <a:schemeClr val="accent1"/>
-            </a:fillRef>
-            <a:effectRef idx="0">
-              <a:schemeClr val="accent1"/>
-            </a:effectRef>
-            <a:fontRef idx="minor">
-              <a:schemeClr val="lt1"/>
-            </a:fontRef>
-          </p:style>
-          <p:txBody>
-            <a:bodyPr rtlCol="0" anchor="ctr"/>
-            <a:lstStyle/>
-            <a:p>
-              <a:pPr algn="ctr"/>
-              <a:endParaRPr lang="en-US">
-                <a:solidFill>
-                  <a:schemeClr val="tx1"/>
-                </a:solidFill>
-              </a:endParaRPr>
-            </a:p>
-          </p:txBody>
-        </p:sp>
-        <p:sp>
-          <p:nvSpPr>
-            <p:cNvPr id="21" name="Arrow: Chevron 20">
-              <a:extLst>
-                <a:ext uri="{FF2B5EF4-FFF2-40B4-BE49-F238E27FC236}">
-                  <a16:creationId xmlns:a16="http://schemas.microsoft.com/office/drawing/2014/main" id="{4B2CBF83-9B4C-430F-853C-51F852D7A947}"/>
-                </a:ext>
-              </a:extLst>
-            </p:cNvPr>
-            <p:cNvSpPr/>
-            <p:nvPr/>
-          </p:nvSpPr>
-          <p:spPr>
-            <a:xfrm>
-              <a:off x="4430081" y="2202921"/>
-              <a:ext cx="681941" cy="1255059"/>
-            </a:xfrm>
-            <a:prstGeom prst="chevron">
-              <a:avLst>
-                <a:gd name="adj" fmla="val 87889"/>
-              </a:avLst>
-            </a:prstGeom>
-            <a:solidFill>
-              <a:schemeClr val="accent1"/>
-            </a:solidFill>
-            <a:ln>
-              <a:solidFill>
-                <a:schemeClr val="accent1"/>
-              </a:solidFill>
-            </a:ln>
-          </p:spPr>
-          <p:style>
-            <a:lnRef idx="2">
-              <a:schemeClr val="accent1">
-                <a:shade val="50000"/>
-              </a:schemeClr>
-            </a:lnRef>
-            <a:fillRef idx="1">
-              <a:schemeClr val="accent1"/>
-            </a:fillRef>
-            <a:effectRef idx="0">
-              <a:schemeClr val="accent1"/>
-            </a:effectRef>
-            <a:fontRef idx="minor">
-              <a:schemeClr val="lt1"/>
-            </a:fontRef>
-          </p:style>
-          <p:txBody>
-            <a:bodyPr rtlCol="0" anchor="ctr"/>
-            <a:lstStyle/>
-            <a:p>
-              <a:pPr algn="ctr"/>
-              <a:endParaRPr lang="en-US">
-                <a:solidFill>
-                  <a:schemeClr val="tx1"/>
-                </a:solidFill>
-              </a:endParaRPr>
-            </a:p>
-          </p:txBody>
-        </p:sp>
-      </p:grpSp>
-      <p:grpSp>
-        <p:nvGrpSpPr>
-          <p:cNvPr id="23" name="Group 22">
-            <a:extLst>
-              <a:ext uri="{FF2B5EF4-FFF2-40B4-BE49-F238E27FC236}">
-                <a16:creationId xmlns:a16="http://schemas.microsoft.com/office/drawing/2014/main" id="{6301BF5C-340E-4D07-A40C-5432B3CE7BD0}"/>
-              </a:ext>
-            </a:extLst>
-          </p:cNvPr>
-          <p:cNvGrpSpPr/>
-          <p:nvPr/>
-        </p:nvGrpSpPr>
-        <p:grpSpPr>
-          <a:xfrm rot="10800000">
-            <a:off x="7010401" y="2450531"/>
-            <a:ext cx="924488" cy="1255059"/>
-            <a:chOff x="4187534" y="2202921"/>
-            <a:chExt cx="924488" cy="1255059"/>
-          </a:xfrm>
-        </p:grpSpPr>
-        <p:sp>
-          <p:nvSpPr>
-            <p:cNvPr id="24" name="Arrow: Chevron 23">
-              <a:extLst>
-                <a:ext uri="{FF2B5EF4-FFF2-40B4-BE49-F238E27FC236}">
-                  <a16:creationId xmlns:a16="http://schemas.microsoft.com/office/drawing/2014/main" id="{5D8911CA-53C3-4C21-B56C-8EBC26ACE876}"/>
-                </a:ext>
-              </a:extLst>
-            </p:cNvPr>
-            <p:cNvSpPr/>
-            <p:nvPr/>
-          </p:nvSpPr>
-          <p:spPr>
-            <a:xfrm>
-              <a:off x="4187534" y="2202921"/>
-              <a:ext cx="828117" cy="1255059"/>
-            </a:xfrm>
-            <a:prstGeom prst="chevron">
-              <a:avLst>
-                <a:gd name="adj" fmla="val 72733"/>
-              </a:avLst>
-            </a:prstGeom>
-            <a:solidFill>
-              <a:srgbClr val="737373"/>
-            </a:solidFill>
-            <a:ln>
-              <a:solidFill>
-                <a:schemeClr val="tx1">
-                  <a:lumMod val="50000"/>
-                  <a:lumOff val="50000"/>
-                </a:schemeClr>
-              </a:solidFill>
-            </a:ln>
-          </p:spPr>
-          <p:style>
-            <a:lnRef idx="2">
-              <a:schemeClr val="accent1">
-                <a:shade val="50000"/>
-              </a:schemeClr>
-            </a:lnRef>
-            <a:fillRef idx="1">
-              <a:schemeClr val="accent1"/>
-            </a:fillRef>
-            <a:effectRef idx="0">
-              <a:schemeClr val="accent1"/>
-            </a:effectRef>
-            <a:fontRef idx="minor">
-              <a:schemeClr val="lt1"/>
-            </a:fontRef>
-          </p:style>
-          <p:txBody>
-            <a:bodyPr rtlCol="0" anchor="ctr"/>
-            <a:lstStyle/>
-            <a:p>
-              <a:pPr algn="ctr"/>
-              <a:endParaRPr lang="en-US">
-                <a:solidFill>
-                  <a:schemeClr val="tx1"/>
-                </a:solidFill>
-              </a:endParaRPr>
-            </a:p>
-          </p:txBody>
-        </p:sp>
-        <p:sp>
-          <p:nvSpPr>
-            <p:cNvPr id="25" name="Arrow: Chevron 24">
-              <a:extLst>
-                <a:ext uri="{FF2B5EF4-FFF2-40B4-BE49-F238E27FC236}">
-                  <a16:creationId xmlns:a16="http://schemas.microsoft.com/office/drawing/2014/main" id="{21C3686F-4094-4D56-957C-483D75F7D5B4}"/>
-                </a:ext>
-              </a:extLst>
-            </p:cNvPr>
-            <p:cNvSpPr/>
-            <p:nvPr/>
-          </p:nvSpPr>
-          <p:spPr>
-            <a:xfrm>
-              <a:off x="4430081" y="2202921"/>
-              <a:ext cx="681941" cy="1255059"/>
-            </a:xfrm>
-            <a:prstGeom prst="chevron">
-              <a:avLst>
-                <a:gd name="adj" fmla="val 87889"/>
-              </a:avLst>
-            </a:prstGeom>
-            <a:solidFill>
-              <a:schemeClr val="accent1"/>
-            </a:solidFill>
-            <a:ln>
-              <a:solidFill>
-                <a:schemeClr val="accent1"/>
-              </a:solidFill>
-            </a:ln>
-          </p:spPr>
-          <p:style>
-            <a:lnRef idx="2">
-              <a:schemeClr val="accent1">
-                <a:shade val="50000"/>
-              </a:schemeClr>
-            </a:lnRef>
-            <a:fillRef idx="1">
-              <a:schemeClr val="accent1"/>
-            </a:fillRef>
-            <a:effectRef idx="0">
-              <a:schemeClr val="accent1"/>
-            </a:effectRef>
-            <a:fontRef idx="minor">
-              <a:schemeClr val="lt1"/>
-            </a:fontRef>
-          </p:style>
-          <p:txBody>
-            <a:bodyPr rtlCol="0" anchor="ctr"/>
-            <a:lstStyle/>
-            <a:p>
-              <a:pPr algn="ctr"/>
-              <a:endParaRPr lang="en-US">
-                <a:solidFill>
-                  <a:schemeClr val="tx1"/>
-                </a:solidFill>
-              </a:endParaRPr>
-            </a:p>
-          </p:txBody>
-        </p:sp>
-      </p:grpSp>
-    </p:spTree>
-    <p:extLst>
-      <p:ext uri="{BB962C8B-B14F-4D97-AF65-F5344CB8AC3E}">
-        <p14:creationId xmlns:p14="http://schemas.microsoft.com/office/powerpoint/2010/main" val="3911104927"/>
       </p:ext>
     </p:extLst>
   </p:cSld>

--- a/static/images/pitch.pptx
+++ b/static/images/pitch.pptx
@@ -7,22 +7,23 @@
   <p:sldIdLst>
     <p:sldId id="271" r:id="rId2"/>
     <p:sldId id="272" r:id="rId3"/>
-    <p:sldId id="274" r:id="rId4"/>
-    <p:sldId id="273" r:id="rId5"/>
-    <p:sldId id="256" r:id="rId6"/>
-    <p:sldId id="259" r:id="rId7"/>
-    <p:sldId id="269" r:id="rId8"/>
-    <p:sldId id="270" r:id="rId9"/>
-    <p:sldId id="264" r:id="rId10"/>
-    <p:sldId id="267" r:id="rId11"/>
-    <p:sldId id="266" r:id="rId12"/>
-    <p:sldId id="257" r:id="rId13"/>
-    <p:sldId id="261" r:id="rId14"/>
-    <p:sldId id="260" r:id="rId15"/>
-    <p:sldId id="262" r:id="rId16"/>
-    <p:sldId id="265" r:id="rId17"/>
-    <p:sldId id="258" r:id="rId18"/>
-    <p:sldId id="263" r:id="rId19"/>
+    <p:sldId id="275" r:id="rId4"/>
+    <p:sldId id="274" r:id="rId5"/>
+    <p:sldId id="273" r:id="rId6"/>
+    <p:sldId id="256" r:id="rId7"/>
+    <p:sldId id="259" r:id="rId8"/>
+    <p:sldId id="269" r:id="rId9"/>
+    <p:sldId id="270" r:id="rId10"/>
+    <p:sldId id="264" r:id="rId11"/>
+    <p:sldId id="267" r:id="rId12"/>
+    <p:sldId id="266" r:id="rId13"/>
+    <p:sldId id="257" r:id="rId14"/>
+    <p:sldId id="261" r:id="rId15"/>
+    <p:sldId id="260" r:id="rId16"/>
+    <p:sldId id="262" r:id="rId17"/>
+    <p:sldId id="265" r:id="rId18"/>
+    <p:sldId id="258" r:id="rId19"/>
+    <p:sldId id="263" r:id="rId20"/>
   </p:sldIdLst>
   <p:sldSz cx="12192000" cy="6858000"/>
   <p:notesSz cx="6858000" cy="9144000"/>
@@ -129,7 +130,7 @@
   <pc:docChgLst>
     <pc:chgData name="McGuire, William" userId="b57b71b3-2582-4369-b5c7-eb94d03fb1e7" providerId="ADAL" clId="{5E73F4D4-0C21-43A7-943D-72FAC8EA5892}"/>
     <pc:docChg chg="undo custSel addSld delSld modSld sldOrd modMainMaster">
-      <pc:chgData name="McGuire, William" userId="b57b71b3-2582-4369-b5c7-eb94d03fb1e7" providerId="ADAL" clId="{5E73F4D4-0C21-43A7-943D-72FAC8EA5892}" dt="2018-02-18T07:21:53.366" v="7155" actId="1035"/>
+      <pc:chgData name="McGuire, William" userId="b57b71b3-2582-4369-b5c7-eb94d03fb1e7" providerId="ADAL" clId="{5E73F4D4-0C21-43A7-943D-72FAC8EA5892}" dt="2018-02-18T08:00:36.397" v="9099" actId="1076"/>
       <pc:docMkLst>
         <pc:docMk/>
       </pc:docMkLst>
@@ -1980,7 +1981,7 @@
         </pc:spChg>
       </pc:sldChg>
       <pc:sldChg chg="addSp delSp modSp add">
-        <pc:chgData name="McGuire, William" userId="b57b71b3-2582-4369-b5c7-eb94d03fb1e7" providerId="ADAL" clId="{5E73F4D4-0C21-43A7-943D-72FAC8EA5892}" dt="2018-02-18T07:17:42.375" v="6909" actId="20577"/>
+        <pc:chgData name="McGuire, William" userId="b57b71b3-2582-4369-b5c7-eb94d03fb1e7" providerId="ADAL" clId="{5E73F4D4-0C21-43A7-943D-72FAC8EA5892}" dt="2018-02-18T08:00:36.397" v="9099" actId="1076"/>
         <pc:sldMkLst>
           <pc:docMk/>
           <pc:sldMk cId="2356741573" sldId="274"/>
@@ -2002,11 +2003,35 @@
           </ac:spMkLst>
         </pc:spChg>
         <pc:spChg chg="add mod">
-          <ac:chgData name="McGuire, William" userId="b57b71b3-2582-4369-b5c7-eb94d03fb1e7" providerId="ADAL" clId="{5E73F4D4-0C21-43A7-943D-72FAC8EA5892}" dt="2018-02-18T07:17:42.375" v="6909" actId="20577"/>
+          <ac:chgData name="McGuire, William" userId="b57b71b3-2582-4369-b5c7-eb94d03fb1e7" providerId="ADAL" clId="{5E73F4D4-0C21-43A7-943D-72FAC8EA5892}" dt="2018-02-18T08:00:17.858" v="9092" actId="1036"/>
           <ac:spMkLst>
             <pc:docMk/>
             <pc:sldMk cId="2356741573" sldId="274"/>
             <ac:spMk id="21" creationId="{754783BB-DF18-4496-BFA8-F59165A25799}"/>
+          </ac:spMkLst>
+        </pc:spChg>
+        <pc:spChg chg="add mod">
+          <ac:chgData name="McGuire, William" userId="b57b71b3-2582-4369-b5c7-eb94d03fb1e7" providerId="ADAL" clId="{5E73F4D4-0C21-43A7-943D-72FAC8EA5892}" dt="2018-02-18T08:00:17.858" v="9092" actId="1036"/>
+          <ac:spMkLst>
+            <pc:docMk/>
+            <pc:sldMk cId="2356741573" sldId="274"/>
+            <ac:spMk id="22" creationId="{84B49664-D256-4706-943E-2FDDECDFAB4C}"/>
+          </ac:spMkLst>
+        </pc:spChg>
+        <pc:spChg chg="add mod">
+          <ac:chgData name="McGuire, William" userId="b57b71b3-2582-4369-b5c7-eb94d03fb1e7" providerId="ADAL" clId="{5E73F4D4-0C21-43A7-943D-72FAC8EA5892}" dt="2018-02-18T08:00:17.858" v="9092" actId="1036"/>
+          <ac:spMkLst>
+            <pc:docMk/>
+            <pc:sldMk cId="2356741573" sldId="274"/>
+            <ac:spMk id="24" creationId="{04A42B12-12C3-498D-94EE-45B619ABD773}"/>
+          </ac:spMkLst>
+        </pc:spChg>
+        <pc:spChg chg="add del mod">
+          <ac:chgData name="McGuire, William" userId="b57b71b3-2582-4369-b5c7-eb94d03fb1e7" providerId="ADAL" clId="{5E73F4D4-0C21-43A7-943D-72FAC8EA5892}" dt="2018-02-18T07:38:38.331" v="7954" actId="478"/>
+          <ac:spMkLst>
+            <pc:docMk/>
+            <pc:sldMk cId="2356741573" sldId="274"/>
+            <ac:spMk id="25" creationId="{0909E16D-DBED-433D-A771-DF651DE4E434}"/>
           </ac:spMkLst>
         </pc:spChg>
         <pc:spChg chg="del">
@@ -2026,7 +2051,7 @@
           </ac:spMkLst>
         </pc:spChg>
         <pc:spChg chg="mod">
-          <ac:chgData name="McGuire, William" userId="b57b71b3-2582-4369-b5c7-eb94d03fb1e7" providerId="ADAL" clId="{5E73F4D4-0C21-43A7-943D-72FAC8EA5892}" dt="2018-02-18T07:07:42.888" v="6385" actId="1076"/>
+          <ac:chgData name="McGuire, William" userId="b57b71b3-2582-4369-b5c7-eb94d03fb1e7" providerId="ADAL" clId="{5E73F4D4-0C21-43A7-943D-72FAC8EA5892}" dt="2018-02-18T07:38:35.361" v="7953" actId="20577"/>
           <ac:spMkLst>
             <pc:docMk/>
             <pc:sldMk cId="2356741573" sldId="274"/>
@@ -2034,7 +2059,7 @@
           </ac:spMkLst>
         </pc:spChg>
         <pc:spChg chg="mod">
-          <ac:chgData name="McGuire, William" userId="b57b71b3-2582-4369-b5c7-eb94d03fb1e7" providerId="ADAL" clId="{5E73F4D4-0C21-43A7-943D-72FAC8EA5892}" dt="2018-02-18T07:07:33.152" v="6382" actId="1076"/>
+          <ac:chgData name="McGuire, William" userId="b57b71b3-2582-4369-b5c7-eb94d03fb1e7" providerId="ADAL" clId="{5E73F4D4-0C21-43A7-943D-72FAC8EA5892}" dt="2018-02-18T07:38:05.519" v="7922" actId="1076"/>
           <ac:spMkLst>
             <pc:docMk/>
             <pc:sldMk cId="2356741573" sldId="274"/>
@@ -2049,22 +2074,37 @@
             <ac:picMk id="2" creationId="{4EDE73EA-389C-4C7A-BEDB-ED8466518129}"/>
           </ac:picMkLst>
         </pc:picChg>
-        <pc:picChg chg="add mod">
-          <ac:chgData name="McGuire, William" userId="b57b71b3-2582-4369-b5c7-eb94d03fb1e7" providerId="ADAL" clId="{5E73F4D4-0C21-43A7-943D-72FAC8EA5892}" dt="2018-02-18T07:08:42.865" v="6397" actId="14100"/>
+        <pc:picChg chg="add del mod">
+          <ac:chgData name="McGuire, William" userId="b57b71b3-2582-4369-b5c7-eb94d03fb1e7" providerId="ADAL" clId="{5E73F4D4-0C21-43A7-943D-72FAC8EA5892}" dt="2018-02-18T07:39:26.726" v="7956" actId="478"/>
           <ac:picMkLst>
             <pc:docMk/>
             <pc:sldMk cId="2356741573" sldId="274"/>
             <ac:picMk id="4" creationId="{79F67352-0FEF-4255-9965-CF500C1EBC99}"/>
           </ac:picMkLst>
         </pc:picChg>
-        <pc:picChg chg="add mod">
-          <ac:chgData name="McGuire, William" userId="b57b71b3-2582-4369-b5c7-eb94d03fb1e7" providerId="ADAL" clId="{5E73F4D4-0C21-43A7-943D-72FAC8EA5892}" dt="2018-02-18T07:09:40.137" v="6398" actId="1076"/>
+        <pc:picChg chg="add del mod">
+          <ac:chgData name="McGuire, William" userId="b57b71b3-2582-4369-b5c7-eb94d03fb1e7" providerId="ADAL" clId="{5E73F4D4-0C21-43A7-943D-72FAC8EA5892}" dt="2018-02-18T07:39:26.726" v="7956" actId="478"/>
           <ac:picMkLst>
             <pc:docMk/>
             <pc:sldMk cId="2356741573" sldId="274"/>
             <ac:picMk id="6" creationId="{A53F6A6A-F2DF-4527-BF6A-81D24BF44458}"/>
           </ac:picMkLst>
         </pc:picChg>
+        <pc:picChg chg="add mod modCrop">
+          <ac:chgData name="McGuire, William" userId="b57b71b3-2582-4369-b5c7-eb94d03fb1e7" providerId="ADAL" clId="{5E73F4D4-0C21-43A7-943D-72FAC8EA5892}" dt="2018-02-18T08:00:36.397" v="9099" actId="1076"/>
+          <ac:picMkLst>
+            <pc:docMk/>
+            <pc:sldMk cId="2356741573" sldId="274"/>
+            <ac:picMk id="8" creationId="{EA5002B3-F8AC-4FD8-B43B-D27F2BAA618A}"/>
+          </ac:picMkLst>
+        </pc:picChg>
+      </pc:sldChg>
+      <pc:sldChg chg="add ord">
+        <pc:chgData name="McGuire, William" userId="b57b71b3-2582-4369-b5c7-eb94d03fb1e7" providerId="ADAL" clId="{5E73F4D4-0C21-43A7-943D-72FAC8EA5892}" dt="2018-02-18T07:39:20.458" v="7955"/>
+        <pc:sldMkLst>
+          <pc:docMk/>
+          <pc:sldMk cId="44050594" sldId="275"/>
+        </pc:sldMkLst>
       </pc:sldChg>
       <pc:sldMasterChg chg="setBg">
         <pc:chgData name="McGuire, William" userId="b57b71b3-2582-4369-b5c7-eb94d03fb1e7" providerId="ADAL" clId="{5E73F4D4-0C21-43A7-943D-72FAC8EA5892}" dt="2018-02-17T17:10:35.838" v="1882"/>
@@ -9758,6 +9798,425 @@
       </p:sp>
       <p:sp>
         <p:nvSpPr>
+          <p:cNvPr id="20" name="TextBox 19">
+            <a:extLst>
+              <a:ext uri="{FF2B5EF4-FFF2-40B4-BE49-F238E27FC236}">
+                <a16:creationId xmlns:a16="http://schemas.microsoft.com/office/drawing/2014/main" id="{39D87466-FB96-4AED-815C-3907B2687689}"/>
+              </a:ext>
+            </a:extLst>
+          </p:cNvPr>
+          <p:cNvSpPr txBox="1"/>
+          <p:nvPr/>
+        </p:nvSpPr>
+        <p:spPr>
+          <a:xfrm>
+            <a:off x="3683000" y="652979"/>
+            <a:ext cx="4445000" cy="861774"/>
+          </a:xfrm>
+          <a:prstGeom prst="rect">
+            <a:avLst/>
+          </a:prstGeom>
+          <a:noFill/>
+        </p:spPr>
+        <p:txBody>
+          <a:bodyPr wrap="square" rtlCol="0">
+            <a:spAutoFit/>
+          </a:bodyPr>
+          <a:lstStyle/>
+          <a:p>
+            <a:pPr algn="ctr"/>
+            <a:r>
+              <a:rPr lang="en-US" sz="5000" dirty="0"/>
+              <a:t>Location</a:t>
+            </a:r>
+          </a:p>
+        </p:txBody>
+      </p:sp>
+      <p:sp>
+        <p:nvSpPr>
+          <p:cNvPr id="4" name="Rectangle 3">
+            <a:extLst>
+              <a:ext uri="{FF2B5EF4-FFF2-40B4-BE49-F238E27FC236}">
+                <a16:creationId xmlns:a16="http://schemas.microsoft.com/office/drawing/2014/main" id="{3C31707E-6B24-485B-97E0-A0CAFED2FBB5}"/>
+              </a:ext>
+            </a:extLst>
+          </p:cNvPr>
+          <p:cNvSpPr/>
+          <p:nvPr/>
+        </p:nvSpPr>
+        <p:spPr>
+          <a:xfrm>
+            <a:off x="2600960" y="1859280"/>
+            <a:ext cx="1544320" cy="1066800"/>
+          </a:xfrm>
+          <a:prstGeom prst="rect">
+            <a:avLst/>
+          </a:prstGeom>
+        </p:spPr>
+        <p:style>
+          <a:lnRef idx="2">
+            <a:schemeClr val="accent1">
+              <a:shade val="50000"/>
+            </a:schemeClr>
+          </a:lnRef>
+          <a:fillRef idx="1">
+            <a:schemeClr val="accent1"/>
+          </a:fillRef>
+          <a:effectRef idx="0">
+            <a:schemeClr val="accent1"/>
+          </a:effectRef>
+          <a:fontRef idx="minor">
+            <a:schemeClr val="lt1"/>
+          </a:fontRef>
+        </p:style>
+        <p:txBody>
+          <a:bodyPr rtlCol="0" anchor="ctr"/>
+          <a:lstStyle/>
+          <a:p>
+            <a:pPr algn="ctr"/>
+            <a:endParaRPr lang="en-US"/>
+          </a:p>
+        </p:txBody>
+      </p:sp>
+      <p:sp>
+        <p:nvSpPr>
+          <p:cNvPr id="21" name="Rectangle 20">
+            <a:extLst>
+              <a:ext uri="{FF2B5EF4-FFF2-40B4-BE49-F238E27FC236}">
+                <a16:creationId xmlns:a16="http://schemas.microsoft.com/office/drawing/2014/main" id="{635E40C5-90CD-48DE-A020-B99BDCB3666A}"/>
+              </a:ext>
+            </a:extLst>
+          </p:cNvPr>
+          <p:cNvSpPr/>
+          <p:nvPr/>
+        </p:nvSpPr>
+        <p:spPr>
+          <a:xfrm>
+            <a:off x="5405120" y="2032000"/>
+            <a:ext cx="1544320" cy="1066800"/>
+          </a:xfrm>
+          <a:prstGeom prst="rect">
+            <a:avLst/>
+          </a:prstGeom>
+        </p:spPr>
+        <p:style>
+          <a:lnRef idx="2">
+            <a:schemeClr val="accent1">
+              <a:shade val="50000"/>
+            </a:schemeClr>
+          </a:lnRef>
+          <a:fillRef idx="1">
+            <a:schemeClr val="accent1"/>
+          </a:fillRef>
+          <a:effectRef idx="0">
+            <a:schemeClr val="accent1"/>
+          </a:effectRef>
+          <a:fontRef idx="minor">
+            <a:schemeClr val="lt1"/>
+          </a:fontRef>
+        </p:style>
+        <p:txBody>
+          <a:bodyPr rtlCol="0" anchor="ctr"/>
+          <a:lstStyle/>
+          <a:p>
+            <a:pPr algn="ctr"/>
+            <a:endParaRPr lang="en-US"/>
+          </a:p>
+        </p:txBody>
+      </p:sp>
+      <p:sp>
+        <p:nvSpPr>
+          <p:cNvPr id="22" name="Rectangle 21">
+            <a:extLst>
+              <a:ext uri="{FF2B5EF4-FFF2-40B4-BE49-F238E27FC236}">
+                <a16:creationId xmlns:a16="http://schemas.microsoft.com/office/drawing/2014/main" id="{5DEFFF57-B896-4283-972A-C4A5830F65C0}"/>
+              </a:ext>
+            </a:extLst>
+          </p:cNvPr>
+          <p:cNvSpPr/>
+          <p:nvPr/>
+        </p:nvSpPr>
+        <p:spPr>
+          <a:xfrm>
+            <a:off x="7945120" y="1711960"/>
+            <a:ext cx="1544320" cy="1066800"/>
+          </a:xfrm>
+          <a:prstGeom prst="rect">
+            <a:avLst/>
+          </a:prstGeom>
+        </p:spPr>
+        <p:style>
+          <a:lnRef idx="2">
+            <a:schemeClr val="accent1">
+              <a:shade val="50000"/>
+            </a:schemeClr>
+          </a:lnRef>
+          <a:fillRef idx="1">
+            <a:schemeClr val="accent1"/>
+          </a:fillRef>
+          <a:effectRef idx="0">
+            <a:schemeClr val="accent1"/>
+          </a:effectRef>
+          <a:fontRef idx="minor">
+            <a:schemeClr val="lt1"/>
+          </a:fontRef>
+        </p:style>
+        <p:txBody>
+          <a:bodyPr rtlCol="0" anchor="ctr"/>
+          <a:lstStyle/>
+          <a:p>
+            <a:pPr algn="ctr"/>
+            <a:endParaRPr lang="en-US"/>
+          </a:p>
+        </p:txBody>
+      </p:sp>
+    </p:spTree>
+    <p:extLst>
+      <p:ext uri="{BB962C8B-B14F-4D97-AF65-F5344CB8AC3E}">
+        <p14:creationId xmlns:p14="http://schemas.microsoft.com/office/powerpoint/2010/main" val="3135721834"/>
+      </p:ext>
+    </p:extLst>
+  </p:cSld>
+  <p:clrMapOvr>
+    <a:masterClrMapping/>
+  </p:clrMapOvr>
+</p:sld>
+</file>
+
+<file path=ppt/slides/slide11.xml><?xml version="1.0" encoding="utf-8"?>
+<p:sld xmlns:a="http://schemas.openxmlformats.org/drawingml/2006/main" xmlns:r="http://schemas.openxmlformats.org/officeDocument/2006/relationships" xmlns:p="http://schemas.openxmlformats.org/presentationml/2006/main">
+  <p:cSld>
+    <p:spTree>
+      <p:nvGrpSpPr>
+        <p:cNvPr id="1" name=""/>
+        <p:cNvGrpSpPr/>
+        <p:nvPr/>
+      </p:nvGrpSpPr>
+      <p:grpSpPr>
+        <a:xfrm>
+          <a:off x="0" y="0"/>
+          <a:ext cx="0" cy="0"/>
+          <a:chOff x="0" y="0"/>
+          <a:chExt cx="0" cy="0"/>
+        </a:xfrm>
+      </p:grpSpPr>
+      <p:sp>
+        <p:nvSpPr>
+          <p:cNvPr id="6" name="Rectangle 5">
+            <a:extLst>
+              <a:ext uri="{FF2B5EF4-FFF2-40B4-BE49-F238E27FC236}">
+                <a16:creationId xmlns:a16="http://schemas.microsoft.com/office/drawing/2014/main" id="{BE21B872-4817-42CC-AC91-C88120918379}"/>
+              </a:ext>
+            </a:extLst>
+          </p:cNvPr>
+          <p:cNvSpPr/>
+          <p:nvPr/>
+        </p:nvSpPr>
+        <p:spPr>
+          <a:xfrm>
+            <a:off x="1" y="0"/>
+            <a:ext cx="2428239" cy="640080"/>
+          </a:xfrm>
+          <a:prstGeom prst="rect">
+            <a:avLst/>
+          </a:prstGeom>
+        </p:spPr>
+        <p:style>
+          <a:lnRef idx="2">
+            <a:schemeClr val="accent1">
+              <a:shade val="50000"/>
+            </a:schemeClr>
+          </a:lnRef>
+          <a:fillRef idx="1">
+            <a:schemeClr val="accent1"/>
+          </a:fillRef>
+          <a:effectRef idx="0">
+            <a:schemeClr val="accent1"/>
+          </a:effectRef>
+          <a:fontRef idx="minor">
+            <a:schemeClr val="lt1"/>
+          </a:fontRef>
+        </p:style>
+        <p:txBody>
+          <a:bodyPr rtlCol="0" anchor="ctr"/>
+          <a:lstStyle/>
+          <a:p>
+            <a:pPr algn="ctr"/>
+            <a:r>
+              <a:rPr lang="en-US" dirty="0"/>
+              <a:t>Find My Space</a:t>
+            </a:r>
+          </a:p>
+        </p:txBody>
+      </p:sp>
+      <p:sp>
+        <p:nvSpPr>
+          <p:cNvPr id="2" name="Rectangle 1">
+            <a:extLst>
+              <a:ext uri="{FF2B5EF4-FFF2-40B4-BE49-F238E27FC236}">
+                <a16:creationId xmlns:a16="http://schemas.microsoft.com/office/drawing/2014/main" id="{1626EF4F-619E-4134-A9A0-EFE0B183732F}"/>
+              </a:ext>
+            </a:extLst>
+          </p:cNvPr>
+          <p:cNvSpPr/>
+          <p:nvPr/>
+        </p:nvSpPr>
+        <p:spPr>
+          <a:xfrm>
+            <a:off x="4018280" y="4612640"/>
+            <a:ext cx="4094480" cy="457200"/>
+          </a:xfrm>
+          <a:prstGeom prst="rect">
+            <a:avLst/>
+          </a:prstGeom>
+          <a:noFill/>
+        </p:spPr>
+        <p:style>
+          <a:lnRef idx="2">
+            <a:schemeClr val="accent1">
+              <a:shade val="50000"/>
+            </a:schemeClr>
+          </a:lnRef>
+          <a:fillRef idx="1">
+            <a:schemeClr val="accent1"/>
+          </a:fillRef>
+          <a:effectRef idx="0">
+            <a:schemeClr val="accent1"/>
+          </a:effectRef>
+          <a:fontRef idx="minor">
+            <a:schemeClr val="lt1"/>
+          </a:fontRef>
+        </p:style>
+        <p:txBody>
+          <a:bodyPr rtlCol="0" anchor="ctr"/>
+          <a:lstStyle/>
+          <a:p>
+            <a:pPr algn="ctr"/>
+            <a:endParaRPr lang="en-US"/>
+          </a:p>
+        </p:txBody>
+      </p:sp>
+      <p:sp>
+        <p:nvSpPr>
+          <p:cNvPr id="3" name="TextBox 2">
+            <a:extLst>
+              <a:ext uri="{FF2B5EF4-FFF2-40B4-BE49-F238E27FC236}">
+                <a16:creationId xmlns:a16="http://schemas.microsoft.com/office/drawing/2014/main" id="{2A5C766D-CD29-4E2B-87ED-7A370ECB0CCF}"/>
+              </a:ext>
+            </a:extLst>
+          </p:cNvPr>
+          <p:cNvSpPr txBox="1"/>
+          <p:nvPr/>
+        </p:nvSpPr>
+        <p:spPr>
+          <a:xfrm>
+            <a:off x="1971040" y="4656574"/>
+            <a:ext cx="1991360" cy="369332"/>
+          </a:xfrm>
+          <a:prstGeom prst="rect">
+            <a:avLst/>
+          </a:prstGeom>
+          <a:noFill/>
+        </p:spPr>
+        <p:txBody>
+          <a:bodyPr wrap="square" rtlCol="0">
+            <a:spAutoFit/>
+          </a:bodyPr>
+          <a:lstStyle/>
+          <a:p>
+            <a:pPr algn="r"/>
+            <a:r>
+              <a:rPr lang="en-US" dirty="0"/>
+              <a:t>Location</a:t>
+            </a:r>
+          </a:p>
+        </p:txBody>
+      </p:sp>
+      <p:sp>
+        <p:nvSpPr>
+          <p:cNvPr id="18" name="Rectangle 17">
+            <a:extLst>
+              <a:ext uri="{FF2B5EF4-FFF2-40B4-BE49-F238E27FC236}">
+                <a16:creationId xmlns:a16="http://schemas.microsoft.com/office/drawing/2014/main" id="{57ED407D-B299-4DB4-91F3-3CD7938BC8DB}"/>
+              </a:ext>
+            </a:extLst>
+          </p:cNvPr>
+          <p:cNvSpPr/>
+          <p:nvPr/>
+        </p:nvSpPr>
+        <p:spPr>
+          <a:xfrm>
+            <a:off x="4033520" y="5222240"/>
+            <a:ext cx="4094480" cy="457200"/>
+          </a:xfrm>
+          <a:prstGeom prst="rect">
+            <a:avLst/>
+          </a:prstGeom>
+          <a:noFill/>
+        </p:spPr>
+        <p:style>
+          <a:lnRef idx="2">
+            <a:schemeClr val="accent1">
+              <a:shade val="50000"/>
+            </a:schemeClr>
+          </a:lnRef>
+          <a:fillRef idx="1">
+            <a:schemeClr val="accent1"/>
+          </a:fillRef>
+          <a:effectRef idx="0">
+            <a:schemeClr val="accent1"/>
+          </a:effectRef>
+          <a:fontRef idx="minor">
+            <a:schemeClr val="lt1"/>
+          </a:fontRef>
+        </p:style>
+        <p:txBody>
+          <a:bodyPr rtlCol="0" anchor="ctr"/>
+          <a:lstStyle/>
+          <a:p>
+            <a:pPr algn="ctr"/>
+            <a:endParaRPr lang="en-US"/>
+          </a:p>
+        </p:txBody>
+      </p:sp>
+      <p:sp>
+        <p:nvSpPr>
+          <p:cNvPr id="19" name="TextBox 18">
+            <a:extLst>
+              <a:ext uri="{FF2B5EF4-FFF2-40B4-BE49-F238E27FC236}">
+                <a16:creationId xmlns:a16="http://schemas.microsoft.com/office/drawing/2014/main" id="{86993E04-CB87-4581-841D-06AF20314864}"/>
+              </a:ext>
+            </a:extLst>
+          </p:cNvPr>
+          <p:cNvSpPr txBox="1"/>
+          <p:nvPr/>
+        </p:nvSpPr>
+        <p:spPr>
+          <a:xfrm>
+            <a:off x="1986280" y="5266174"/>
+            <a:ext cx="1991360" cy="369332"/>
+          </a:xfrm>
+          <a:prstGeom prst="rect">
+            <a:avLst/>
+          </a:prstGeom>
+          <a:noFill/>
+        </p:spPr>
+        <p:txBody>
+          <a:bodyPr wrap="square" rtlCol="0">
+            <a:spAutoFit/>
+          </a:bodyPr>
+          <a:lstStyle/>
+          <a:p>
+            <a:pPr algn="r"/>
+            <a:r>
+              <a:rPr lang="en-US" dirty="0"/>
+              <a:t>Location</a:t>
+            </a:r>
+          </a:p>
+        </p:txBody>
+      </p:sp>
+      <p:sp>
+        <p:nvSpPr>
           <p:cNvPr id="22" name="Rectangle 21">
             <a:extLst>
               <a:ext uri="{FF2B5EF4-FFF2-40B4-BE49-F238E27FC236}">
@@ -9924,7 +10383,7 @@
 </p:sld>
 </file>
 
-<file path=ppt/slides/slide11.xml><?xml version="1.0" encoding="utf-8"?>
+<file path=ppt/slides/slide12.xml><?xml version="1.0" encoding="utf-8"?>
 <p:sld xmlns:a="http://schemas.openxmlformats.org/drawingml/2006/main" xmlns:r="http://schemas.openxmlformats.org/officeDocument/2006/relationships" xmlns:p="http://schemas.openxmlformats.org/presentationml/2006/main">
   <p:cSld>
     <p:spTree>
@@ -10010,7 +10469,7 @@
 </p:sld>
 </file>
 
-<file path=ppt/slides/slide12.xml><?xml version="1.0" encoding="utf-8"?>
+<file path=ppt/slides/slide13.xml><?xml version="1.0" encoding="utf-8"?>
 <p:sld xmlns:a="http://schemas.openxmlformats.org/drawingml/2006/main" xmlns:r="http://schemas.openxmlformats.org/officeDocument/2006/relationships" xmlns:p="http://schemas.openxmlformats.org/presentationml/2006/main">
   <p:cSld>
     <p:spTree>
@@ -10330,7 +10789,7 @@
 </p:sld>
 </file>
 
-<file path=ppt/slides/slide13.xml><?xml version="1.0" encoding="utf-8"?>
+<file path=ppt/slides/slide14.xml><?xml version="1.0" encoding="utf-8"?>
 <p:sld xmlns:a="http://schemas.openxmlformats.org/drawingml/2006/main" xmlns:r="http://schemas.openxmlformats.org/officeDocument/2006/relationships" xmlns:p="http://schemas.openxmlformats.org/presentationml/2006/main">
   <p:cSld>
     <p:spTree>
@@ -11008,7 +11467,7 @@
 </p:sld>
 </file>
 
-<file path=ppt/slides/slide14.xml><?xml version="1.0" encoding="utf-8"?>
+<file path=ppt/slides/slide15.xml><?xml version="1.0" encoding="utf-8"?>
 <p:sld xmlns:a="http://schemas.openxmlformats.org/drawingml/2006/main" xmlns:r="http://schemas.openxmlformats.org/officeDocument/2006/relationships" xmlns:p="http://schemas.openxmlformats.org/presentationml/2006/main">
   <p:cSld>
     <p:spTree>
@@ -11086,7 +11545,7 @@
 </p:sld>
 </file>
 
-<file path=ppt/slides/slide15.xml><?xml version="1.0" encoding="utf-8"?>
+<file path=ppt/slides/slide16.xml><?xml version="1.0" encoding="utf-8"?>
 <p:sld xmlns:a="http://schemas.openxmlformats.org/drawingml/2006/main" xmlns:r="http://schemas.openxmlformats.org/officeDocument/2006/relationships" xmlns:p="http://schemas.openxmlformats.org/presentationml/2006/main">
   <p:cSld>
     <p:spTree>
@@ -11483,7 +11942,7 @@
 </p:sld>
 </file>
 
-<file path=ppt/slides/slide16.xml><?xml version="1.0" encoding="utf-8"?>
+<file path=ppt/slides/slide17.xml><?xml version="1.0" encoding="utf-8"?>
 <p:sld xmlns:a="http://schemas.openxmlformats.org/drawingml/2006/main" xmlns:r="http://schemas.openxmlformats.org/officeDocument/2006/relationships" xmlns:p="http://schemas.openxmlformats.org/presentationml/2006/main">
   <p:cSld>
     <p:spTree>
@@ -11632,7 +12091,7 @@
 </p:sld>
 </file>
 
-<file path=ppt/slides/slide17.xml><?xml version="1.0" encoding="utf-8"?>
+<file path=ppt/slides/slide18.xml><?xml version="1.0" encoding="utf-8"?>
 <p:sld xmlns:a="http://schemas.openxmlformats.org/drawingml/2006/main" xmlns:r="http://schemas.openxmlformats.org/officeDocument/2006/relationships" xmlns:p="http://schemas.openxmlformats.org/presentationml/2006/main">
   <p:cSld>
     <p:spTree>
@@ -12141,7 +12600,7 @@
 </p:sld>
 </file>
 
-<file path=ppt/slides/slide18.xml><?xml version="1.0" encoding="utf-8"?>
+<file path=ppt/slides/slide19.xml><?xml version="1.0" encoding="utf-8"?>
 <p:sld xmlns:a="http://schemas.openxmlformats.org/drawingml/2006/main" xmlns:r="http://schemas.openxmlformats.org/officeDocument/2006/relationships" xmlns:p="http://schemas.openxmlformats.org/presentationml/2006/main">
   <p:cSld>
     <p:spTree>
@@ -13283,7 +13742,7 @@
         </p:nvSpPr>
         <p:spPr>
           <a:xfrm rot="5400000">
-            <a:off x="3463972" y="3596011"/>
+            <a:off x="8618678" y="4169753"/>
             <a:ext cx="297561" cy="497695"/>
           </a:xfrm>
           <a:prstGeom prst="chevron">
@@ -13452,7 +13911,7 @@
         <p:spPr>
           <a:xfrm>
             <a:off x="2601552" y="2233986"/>
-            <a:ext cx="2198246" cy="1415772"/>
+            <a:ext cx="2198246" cy="1046440"/>
           </a:xfrm>
           <a:prstGeom prst="rect">
             <a:avLst/>
@@ -13479,7 +13938,167 @@
               <a:rPr lang="en-US" sz="1200" dirty="0">
                 <a:latin typeface="Arial Narrow" panose="020B0606020202030204" pitchFamily="34" charset="0"/>
               </a:rPr>
-              <a:t>William believes in using blockchain as a Force for Good.  He believes creating a shared Workspace Community Governed by the Community will revolutionize the way companies are structured</a:t>
+              <a:t>William believes in using blockchain as a Force for Good.  He believes Workspace0x will revolutionize the way companies are managed.  </a:t>
+            </a:r>
+          </a:p>
+        </p:txBody>
+      </p:sp>
+      <p:sp>
+        <p:nvSpPr>
+          <p:cNvPr id="22" name="TextBox 21">
+            <a:extLst>
+              <a:ext uri="{FF2B5EF4-FFF2-40B4-BE49-F238E27FC236}">
+                <a16:creationId xmlns:a16="http://schemas.microsoft.com/office/drawing/2014/main" id="{84B49664-D256-4706-943E-2FDDECDFAB4C}"/>
+              </a:ext>
+            </a:extLst>
+          </p:cNvPr>
+          <p:cNvSpPr txBox="1"/>
+          <p:nvPr/>
+        </p:nvSpPr>
+        <p:spPr>
+          <a:xfrm>
+            <a:off x="4996877" y="2233986"/>
+            <a:ext cx="2198246" cy="1231106"/>
+          </a:xfrm>
+          <a:prstGeom prst="rect">
+            <a:avLst/>
+          </a:prstGeom>
+          <a:noFill/>
+        </p:spPr>
+        <p:txBody>
+          <a:bodyPr wrap="square" rtlCol="0">
+            <a:spAutoFit/>
+          </a:bodyPr>
+          <a:lstStyle/>
+          <a:p>
+            <a:pPr algn="ctr"/>
+            <a:r>
+              <a:rPr lang="en-US" sz="1400" b="1" dirty="0" err="1">
+                <a:latin typeface="Arial Narrow" panose="020B0606020202030204" pitchFamily="34" charset="0"/>
+              </a:rPr>
+              <a:t>Betina</a:t>
+            </a:r>
+            <a:r>
+              <a:rPr lang="en-US" sz="1400" b="1" dirty="0">
+                <a:latin typeface="Arial Narrow" panose="020B0606020202030204" pitchFamily="34" charset="0"/>
+              </a:rPr>
+              <a:t> </a:t>
+            </a:r>
+            <a:r>
+              <a:rPr lang="en-US" sz="1400" b="1" dirty="0" err="1">
+                <a:latin typeface="Arial Narrow" panose="020B0606020202030204" pitchFamily="34" charset="0"/>
+              </a:rPr>
+              <a:t>Schnepf</a:t>
+            </a:r>
+            <a:endParaRPr lang="en-US" sz="1400" b="1" dirty="0">
+              <a:latin typeface="Arial Narrow" panose="020B0606020202030204" pitchFamily="34" charset="0"/>
+            </a:endParaRPr>
+          </a:p>
+          <a:p>
+            <a:pPr algn="ctr"/>
+            <a:r>
+              <a:rPr lang="en-US" sz="1200" dirty="0" err="1">
+                <a:latin typeface="Arial Narrow" panose="020B0606020202030204" pitchFamily="34" charset="0"/>
+              </a:rPr>
+              <a:t>Betina</a:t>
+            </a:r>
+            <a:r>
+              <a:rPr lang="en-US" sz="1200" dirty="0">
+                <a:latin typeface="Arial Narrow" panose="020B0606020202030204" pitchFamily="34" charset="0"/>
+              </a:rPr>
+              <a:t> has a passion for research and a technical mind for the balance between on and off-chain architecture.  She’s also an incredible Front-End Developer. </a:t>
+            </a:r>
+          </a:p>
+        </p:txBody>
+      </p:sp>
+      <p:sp>
+        <p:nvSpPr>
+          <p:cNvPr id="24" name="TextBox 23">
+            <a:extLst>
+              <a:ext uri="{FF2B5EF4-FFF2-40B4-BE49-F238E27FC236}">
+                <a16:creationId xmlns:a16="http://schemas.microsoft.com/office/drawing/2014/main" id="{04A42B12-12C3-498D-94EE-45B619ABD773}"/>
+              </a:ext>
+            </a:extLst>
+          </p:cNvPr>
+          <p:cNvSpPr txBox="1"/>
+          <p:nvPr/>
+        </p:nvSpPr>
+        <p:spPr>
+          <a:xfrm>
+            <a:off x="305470" y="2233986"/>
+            <a:ext cx="2198246" cy="1046440"/>
+          </a:xfrm>
+          <a:prstGeom prst="rect">
+            <a:avLst/>
+          </a:prstGeom>
+          <a:noFill/>
+        </p:spPr>
+        <p:txBody>
+          <a:bodyPr wrap="square" rtlCol="0">
+            <a:spAutoFit/>
+          </a:bodyPr>
+          <a:lstStyle/>
+          <a:p>
+            <a:pPr algn="ctr"/>
+            <a:r>
+              <a:rPr lang="en-US" sz="1400" b="1" dirty="0">
+                <a:latin typeface="Arial Narrow" panose="020B0606020202030204" pitchFamily="34" charset="0"/>
+              </a:rPr>
+              <a:t>Michael </a:t>
+            </a:r>
+            <a:r>
+              <a:rPr lang="en-US" sz="1400" b="1" dirty="0" err="1">
+                <a:latin typeface="Arial Narrow" panose="020B0606020202030204" pitchFamily="34" charset="0"/>
+              </a:rPr>
+              <a:t>Nolivos</a:t>
+            </a:r>
+            <a:endParaRPr lang="en-US" sz="1400" b="1" dirty="0">
+              <a:latin typeface="Arial Narrow" panose="020B0606020202030204" pitchFamily="34" charset="0"/>
+            </a:endParaRPr>
+          </a:p>
+          <a:p>
+            <a:pPr algn="ctr"/>
+            <a:r>
+              <a:rPr lang="en-US" sz="1200" dirty="0">
+                <a:latin typeface="Arial Narrow" panose="020B0606020202030204" pitchFamily="34" charset="0"/>
+              </a:rPr>
+              <a:t>Michael is passionate about using blockchain to create more valuable win-win Business 2 Worker models.  He’s a strong Full-Stack developer.</a:t>
+            </a:r>
+          </a:p>
+        </p:txBody>
+      </p:sp>
+      <p:sp>
+        <p:nvSpPr>
+          <p:cNvPr id="25" name="TextBox 24">
+            <a:extLst>
+              <a:ext uri="{FF2B5EF4-FFF2-40B4-BE49-F238E27FC236}">
+                <a16:creationId xmlns:a16="http://schemas.microsoft.com/office/drawing/2014/main" id="{0909E16D-DBED-433D-A771-DF651DE4E434}"/>
+              </a:ext>
+            </a:extLst>
+          </p:cNvPr>
+          <p:cNvSpPr txBox="1"/>
+          <p:nvPr/>
+        </p:nvSpPr>
+        <p:spPr>
+          <a:xfrm>
+            <a:off x="-17530" y="3919349"/>
+            <a:ext cx="7381840" cy="430887"/>
+          </a:xfrm>
+          <a:prstGeom prst="rect">
+            <a:avLst/>
+          </a:prstGeom>
+          <a:noFill/>
+        </p:spPr>
+        <p:txBody>
+          <a:bodyPr wrap="square" rtlCol="0">
+            <a:spAutoFit/>
+          </a:bodyPr>
+          <a:lstStyle/>
+          <a:p>
+            <a:pPr algn="ctr"/>
+            <a:r>
+              <a:rPr lang="en-US" sz="2200" dirty="0"/>
+              <a:t>The Workforce</a:t>
             </a:r>
           </a:p>
         </p:txBody>
@@ -13487,7 +14106,7 @@
     </p:spTree>
     <p:extLst>
       <p:ext uri="{BB962C8B-B14F-4D97-AF65-F5344CB8AC3E}">
-        <p14:creationId xmlns:p14="http://schemas.microsoft.com/office/powerpoint/2010/main" val="2356741573"/>
+        <p14:creationId xmlns:p14="http://schemas.microsoft.com/office/powerpoint/2010/main" val="44050594"/>
       </p:ext>
     </p:extLst>
   </p:cSld>
@@ -13516,6 +14135,697 @@
       </p:grpSpPr>
       <p:sp>
         <p:nvSpPr>
+          <p:cNvPr id="27" name="Rectangle 26">
+            <a:extLst>
+              <a:ext uri="{FF2B5EF4-FFF2-40B4-BE49-F238E27FC236}">
+                <a16:creationId xmlns:a16="http://schemas.microsoft.com/office/drawing/2014/main" id="{695416FD-4D85-4E03-B9FF-2868A7B4E68A}"/>
+              </a:ext>
+            </a:extLst>
+          </p:cNvPr>
+          <p:cNvSpPr/>
+          <p:nvPr/>
+        </p:nvSpPr>
+        <p:spPr>
+          <a:xfrm>
+            <a:off x="0" y="-245"/>
+            <a:ext cx="7392202" cy="348647"/>
+          </a:xfrm>
+          <a:prstGeom prst="rect">
+            <a:avLst/>
+          </a:prstGeom>
+          <a:solidFill>
+            <a:schemeClr val="bg1">
+              <a:lumMod val="95000"/>
+            </a:schemeClr>
+          </a:solidFill>
+          <a:ln>
+            <a:solidFill>
+              <a:schemeClr val="bg1">
+                <a:lumMod val="95000"/>
+              </a:schemeClr>
+            </a:solidFill>
+          </a:ln>
+        </p:spPr>
+        <p:style>
+          <a:lnRef idx="2">
+            <a:schemeClr val="accent1">
+              <a:shade val="50000"/>
+            </a:schemeClr>
+          </a:lnRef>
+          <a:fillRef idx="1">
+            <a:schemeClr val="accent1"/>
+          </a:fillRef>
+          <a:effectRef idx="0">
+            <a:schemeClr val="accent1"/>
+          </a:effectRef>
+          <a:fontRef idx="minor">
+            <a:schemeClr val="lt1"/>
+          </a:fontRef>
+        </p:style>
+        <p:txBody>
+          <a:bodyPr rtlCol="0" anchor="ctr"/>
+          <a:lstStyle/>
+          <a:p>
+            <a:pPr algn="ctr"/>
+            <a:endParaRPr lang="en-US"/>
+          </a:p>
+        </p:txBody>
+      </p:sp>
+      <p:sp>
+        <p:nvSpPr>
+          <p:cNvPr id="13" name="Rectangle 12">
+            <a:extLst>
+              <a:ext uri="{FF2B5EF4-FFF2-40B4-BE49-F238E27FC236}">
+                <a16:creationId xmlns:a16="http://schemas.microsoft.com/office/drawing/2014/main" id="{F69CEBC5-AFE9-4CA5-A08B-340F861A782E}"/>
+              </a:ext>
+            </a:extLst>
+          </p:cNvPr>
+          <p:cNvSpPr/>
+          <p:nvPr/>
+        </p:nvSpPr>
+        <p:spPr>
+          <a:xfrm>
+            <a:off x="7392202" y="0"/>
+            <a:ext cx="4799798" cy="564774"/>
+          </a:xfrm>
+          <a:prstGeom prst="rect">
+            <a:avLst/>
+          </a:prstGeom>
+        </p:spPr>
+        <p:style>
+          <a:lnRef idx="2">
+            <a:schemeClr val="dk1">
+              <a:shade val="50000"/>
+            </a:schemeClr>
+          </a:lnRef>
+          <a:fillRef idx="1">
+            <a:schemeClr val="dk1"/>
+          </a:fillRef>
+          <a:effectRef idx="0">
+            <a:schemeClr val="dk1"/>
+          </a:effectRef>
+          <a:fontRef idx="minor">
+            <a:schemeClr val="lt1"/>
+          </a:fontRef>
+        </p:style>
+        <p:txBody>
+          <a:bodyPr rtlCol="0" anchor="ctr"/>
+          <a:lstStyle/>
+          <a:p>
+            <a:pPr algn="ctr"/>
+            <a:r>
+              <a:rPr lang="en-US" dirty="0"/>
+              <a:t>Home: Button-&gt; About-&gt;Team </a:t>
+            </a:r>
+          </a:p>
+        </p:txBody>
+      </p:sp>
+      <p:sp>
+        <p:nvSpPr>
+          <p:cNvPr id="23" name="TextBox 22">
+            <a:extLst>
+              <a:ext uri="{FF2B5EF4-FFF2-40B4-BE49-F238E27FC236}">
+                <a16:creationId xmlns:a16="http://schemas.microsoft.com/office/drawing/2014/main" id="{62D5140A-513C-4AA9-A5BF-321CB5B5A448}"/>
+              </a:ext>
+            </a:extLst>
+          </p:cNvPr>
+          <p:cNvSpPr txBox="1"/>
+          <p:nvPr/>
+        </p:nvSpPr>
+        <p:spPr>
+          <a:xfrm>
+            <a:off x="7392202" y="564774"/>
+            <a:ext cx="4799798" cy="369332"/>
+          </a:xfrm>
+          <a:prstGeom prst="rect">
+            <a:avLst/>
+          </a:prstGeom>
+          <a:noFill/>
+        </p:spPr>
+        <p:txBody>
+          <a:bodyPr wrap="square" rtlCol="0">
+            <a:spAutoFit/>
+          </a:bodyPr>
+          <a:lstStyle/>
+          <a:p>
+            <a:r>
+              <a:rPr lang="en-US" dirty="0"/>
+              <a:t>What We Do</a:t>
+            </a:r>
+          </a:p>
+        </p:txBody>
+      </p:sp>
+      <p:grpSp>
+        <p:nvGrpSpPr>
+          <p:cNvPr id="31" name="Group 30">
+            <a:extLst>
+              <a:ext uri="{FF2B5EF4-FFF2-40B4-BE49-F238E27FC236}">
+                <a16:creationId xmlns:a16="http://schemas.microsoft.com/office/drawing/2014/main" id="{EAAB2615-1820-4919-A703-C438B970ADFF}"/>
+              </a:ext>
+            </a:extLst>
+          </p:cNvPr>
+          <p:cNvGrpSpPr/>
+          <p:nvPr/>
+        </p:nvGrpSpPr>
+        <p:grpSpPr>
+          <a:xfrm>
+            <a:off x="33109" y="2610"/>
+            <a:ext cx="7348731" cy="348646"/>
+            <a:chOff x="33109" y="2610"/>
+            <a:chExt cx="7348731" cy="348646"/>
+          </a:xfrm>
+        </p:grpSpPr>
+        <p:pic>
+          <p:nvPicPr>
+            <p:cNvPr id="32" name="Picture 2" descr="Workspace0x">
+              <a:extLst>
+                <a:ext uri="{FF2B5EF4-FFF2-40B4-BE49-F238E27FC236}">
+                  <a16:creationId xmlns:a16="http://schemas.microsoft.com/office/drawing/2014/main" id="{E3419DC1-841E-4A3F-BD3D-27AADA64BA87}"/>
+                </a:ext>
+              </a:extLst>
+            </p:cNvPr>
+            <p:cNvPicPr>
+              <a:picLocks noChangeAspect="1" noChangeArrowheads="1"/>
+            </p:cNvPicPr>
+            <p:nvPr/>
+          </p:nvPicPr>
+          <p:blipFill>
+            <a:blip r:embed="rId2">
+              <a:extLst>
+                <a:ext uri="{28A0092B-C50C-407E-A947-70E740481C1C}">
+                  <a14:useLocalDpi xmlns:a14="http://schemas.microsoft.com/office/drawing/2010/main" val="0"/>
+                </a:ext>
+              </a:extLst>
+            </a:blip>
+            <a:srcRect/>
+            <a:stretch>
+              <a:fillRect/>
+            </a:stretch>
+          </p:blipFill>
+          <p:spPr bwMode="auto">
+            <a:xfrm>
+              <a:off x="33109" y="22155"/>
+              <a:ext cx="1235548" cy="309557"/>
+            </a:xfrm>
+            <a:prstGeom prst="rect">
+              <a:avLst/>
+            </a:prstGeom>
+            <a:noFill/>
+            <a:extLst>
+              <a:ext uri="{909E8E84-426E-40DD-AFC4-6F175D3DCCD1}">
+                <a14:hiddenFill xmlns:a14="http://schemas.microsoft.com/office/drawing/2010/main">
+                  <a:solidFill>
+                    <a:srgbClr val="FFFFFF"/>
+                  </a:solidFill>
+                </a14:hiddenFill>
+              </a:ext>
+            </a:extLst>
+          </p:spPr>
+        </p:pic>
+        <p:sp>
+          <p:nvSpPr>
+            <p:cNvPr id="33" name="Rectangle 32">
+              <a:extLst>
+                <a:ext uri="{FF2B5EF4-FFF2-40B4-BE49-F238E27FC236}">
+                  <a16:creationId xmlns:a16="http://schemas.microsoft.com/office/drawing/2014/main" id="{220C2A14-68FA-4BC6-AAC4-9FBD3AE19FB7}"/>
+                </a:ext>
+              </a:extLst>
+            </p:cNvPr>
+            <p:cNvSpPr/>
+            <p:nvPr/>
+          </p:nvSpPr>
+          <p:spPr>
+            <a:xfrm>
+              <a:off x="5939120" y="2610"/>
+              <a:ext cx="1442720" cy="348646"/>
+            </a:xfrm>
+            <a:prstGeom prst="rect">
+              <a:avLst/>
+            </a:prstGeom>
+            <a:solidFill>
+              <a:srgbClr val="006EBC"/>
+            </a:solidFill>
+            <a:ln>
+              <a:solidFill>
+                <a:srgbClr val="006EBC"/>
+              </a:solidFill>
+            </a:ln>
+          </p:spPr>
+          <p:style>
+            <a:lnRef idx="2">
+              <a:schemeClr val="accent1">
+                <a:shade val="50000"/>
+              </a:schemeClr>
+            </a:lnRef>
+            <a:fillRef idx="1">
+              <a:schemeClr val="accent1"/>
+            </a:fillRef>
+            <a:effectRef idx="0">
+              <a:schemeClr val="accent1"/>
+            </a:effectRef>
+            <a:fontRef idx="minor">
+              <a:schemeClr val="lt1"/>
+            </a:fontRef>
+          </p:style>
+          <p:txBody>
+            <a:bodyPr rtlCol="0" anchor="ctr"/>
+            <a:lstStyle/>
+            <a:p>
+              <a:pPr algn="ctr"/>
+              <a:r>
+                <a:rPr lang="en-US" sz="1200" dirty="0">
+                  <a:latin typeface="Arial Narrow" panose="020B0606020202030204" pitchFamily="34" charset="0"/>
+                </a:rPr>
+                <a:t>Find a Career</a:t>
+              </a:r>
+            </a:p>
+          </p:txBody>
+        </p:sp>
+        <p:sp>
+          <p:nvSpPr>
+            <p:cNvPr id="34" name="Rectangle 33">
+              <a:extLst>
+                <a:ext uri="{FF2B5EF4-FFF2-40B4-BE49-F238E27FC236}">
+                  <a16:creationId xmlns:a16="http://schemas.microsoft.com/office/drawing/2014/main" id="{35FC1E31-977F-4BE4-8DF5-958220FCF973}"/>
+                </a:ext>
+              </a:extLst>
+            </p:cNvPr>
+            <p:cNvSpPr/>
+            <p:nvPr/>
+          </p:nvSpPr>
+          <p:spPr>
+            <a:xfrm>
+              <a:off x="1729197" y="37129"/>
+              <a:ext cx="872355" cy="276999"/>
+            </a:xfrm>
+            <a:prstGeom prst="rect">
+              <a:avLst/>
+            </a:prstGeom>
+          </p:spPr>
+          <p:txBody>
+            <a:bodyPr wrap="none">
+              <a:spAutoFit/>
+            </a:bodyPr>
+            <a:lstStyle/>
+            <a:p>
+              <a:pPr algn="ctr"/>
+              <a:r>
+                <a:rPr lang="en-US" sz="1200" dirty="0">
+                  <a:latin typeface="Arial Narrow" panose="020B0606020202030204" pitchFamily="34" charset="0"/>
+                </a:rPr>
+                <a:t>Governance</a:t>
+              </a:r>
+            </a:p>
+          </p:txBody>
+        </p:sp>
+        <p:sp>
+          <p:nvSpPr>
+            <p:cNvPr id="35" name="Rectangle 34">
+              <a:extLst>
+                <a:ext uri="{FF2B5EF4-FFF2-40B4-BE49-F238E27FC236}">
+                  <a16:creationId xmlns:a16="http://schemas.microsoft.com/office/drawing/2014/main" id="{61C6391A-D68F-48AA-B5AC-8FAFB96DD516}"/>
+                </a:ext>
+              </a:extLst>
+            </p:cNvPr>
+            <p:cNvSpPr/>
+            <p:nvPr/>
+          </p:nvSpPr>
+          <p:spPr>
+            <a:xfrm>
+              <a:off x="2711316" y="37129"/>
+              <a:ext cx="516488" cy="276999"/>
+            </a:xfrm>
+            <a:prstGeom prst="rect">
+              <a:avLst/>
+            </a:prstGeom>
+          </p:spPr>
+          <p:txBody>
+            <a:bodyPr wrap="none">
+              <a:spAutoFit/>
+            </a:bodyPr>
+            <a:lstStyle/>
+            <a:p>
+              <a:pPr algn="ctr"/>
+              <a:r>
+                <a:rPr lang="en-US" sz="1200" dirty="0">
+                  <a:latin typeface="Arial Narrow" panose="020B0606020202030204" pitchFamily="34" charset="0"/>
+                </a:rPr>
+                <a:t>About</a:t>
+              </a:r>
+            </a:p>
+          </p:txBody>
+        </p:sp>
+        <p:sp>
+          <p:nvSpPr>
+            <p:cNvPr id="36" name="Rectangle 35">
+              <a:extLst>
+                <a:ext uri="{FF2B5EF4-FFF2-40B4-BE49-F238E27FC236}">
+                  <a16:creationId xmlns:a16="http://schemas.microsoft.com/office/drawing/2014/main" id="{DEF6CCF0-7A40-40B1-9703-9A4E91018921}"/>
+                </a:ext>
+              </a:extLst>
+            </p:cNvPr>
+            <p:cNvSpPr/>
+            <p:nvPr/>
+          </p:nvSpPr>
+          <p:spPr>
+            <a:xfrm>
+              <a:off x="3389864" y="32793"/>
+              <a:ext cx="724878" cy="276999"/>
+            </a:xfrm>
+            <a:prstGeom prst="rect">
+              <a:avLst/>
+            </a:prstGeom>
+          </p:spPr>
+          <p:txBody>
+            <a:bodyPr wrap="none">
+              <a:spAutoFit/>
+            </a:bodyPr>
+            <a:lstStyle/>
+            <a:p>
+              <a:pPr algn="ctr"/>
+              <a:r>
+                <a:rPr lang="en-US" sz="1200" dirty="0">
+                  <a:latin typeface="Arial Narrow" panose="020B0606020202030204" pitchFamily="34" charset="0"/>
+                </a:rPr>
+                <a:t>Locations</a:t>
+              </a:r>
+            </a:p>
+          </p:txBody>
+        </p:sp>
+      </p:grpSp>
+      <p:sp>
+        <p:nvSpPr>
+          <p:cNvPr id="40" name="Arrow: Chevron 39">
+            <a:extLst>
+              <a:ext uri="{FF2B5EF4-FFF2-40B4-BE49-F238E27FC236}">
+                <a16:creationId xmlns:a16="http://schemas.microsoft.com/office/drawing/2014/main" id="{CB4EA55F-DA8A-447E-8A87-0C3BE64133BB}"/>
+              </a:ext>
+            </a:extLst>
+          </p:cNvPr>
+          <p:cNvSpPr/>
+          <p:nvPr/>
+        </p:nvSpPr>
+        <p:spPr>
+          <a:xfrm rot="5400000">
+            <a:off x="8618678" y="4169753"/>
+            <a:ext cx="297561" cy="497695"/>
+          </a:xfrm>
+          <a:prstGeom prst="chevron">
+            <a:avLst>
+              <a:gd name="adj" fmla="val 72733"/>
+            </a:avLst>
+          </a:prstGeom>
+          <a:solidFill>
+            <a:schemeClr val="bg2">
+              <a:lumMod val="90000"/>
+            </a:schemeClr>
+          </a:solidFill>
+          <a:ln>
+            <a:noFill/>
+          </a:ln>
+        </p:spPr>
+        <p:style>
+          <a:lnRef idx="2">
+            <a:schemeClr val="accent1">
+              <a:shade val="50000"/>
+            </a:schemeClr>
+          </a:lnRef>
+          <a:fillRef idx="1">
+            <a:schemeClr val="accent1"/>
+          </a:fillRef>
+          <a:effectRef idx="0">
+            <a:schemeClr val="accent1"/>
+          </a:effectRef>
+          <a:fontRef idx="minor">
+            <a:schemeClr val="lt1"/>
+          </a:fontRef>
+        </p:style>
+        <p:txBody>
+          <a:bodyPr rtlCol="0" anchor="ctr"/>
+          <a:lstStyle/>
+          <a:p>
+            <a:pPr algn="ctr"/>
+            <a:endParaRPr lang="en-US">
+              <a:solidFill>
+                <a:schemeClr val="tx1"/>
+              </a:solidFill>
+            </a:endParaRPr>
+          </a:p>
+        </p:txBody>
+      </p:sp>
+      <p:sp>
+        <p:nvSpPr>
+          <p:cNvPr id="30" name="TextBox 29">
+            <a:extLst>
+              <a:ext uri="{FF2B5EF4-FFF2-40B4-BE49-F238E27FC236}">
+                <a16:creationId xmlns:a16="http://schemas.microsoft.com/office/drawing/2014/main" id="{0E8C3258-E2ED-4CB4-AA28-F059C53CFBA6}"/>
+              </a:ext>
+            </a:extLst>
+          </p:cNvPr>
+          <p:cNvSpPr txBox="1"/>
+          <p:nvPr/>
+        </p:nvSpPr>
+        <p:spPr>
+          <a:xfrm>
+            <a:off x="0" y="388630"/>
+            <a:ext cx="7381840" cy="430887"/>
+          </a:xfrm>
+          <a:prstGeom prst="rect">
+            <a:avLst/>
+          </a:prstGeom>
+          <a:noFill/>
+        </p:spPr>
+        <p:txBody>
+          <a:bodyPr wrap="square" rtlCol="0">
+            <a:spAutoFit/>
+          </a:bodyPr>
+          <a:lstStyle/>
+          <a:p>
+            <a:pPr algn="ctr"/>
+            <a:r>
+              <a:rPr lang="en-US" sz="2200" dirty="0"/>
+              <a:t>The Workforce</a:t>
+            </a:r>
+          </a:p>
+        </p:txBody>
+      </p:sp>
+      <p:sp>
+        <p:nvSpPr>
+          <p:cNvPr id="21" name="TextBox 20">
+            <a:extLst>
+              <a:ext uri="{FF2B5EF4-FFF2-40B4-BE49-F238E27FC236}">
+                <a16:creationId xmlns:a16="http://schemas.microsoft.com/office/drawing/2014/main" id="{754783BB-DF18-4496-BFA8-F59165A25799}"/>
+              </a:ext>
+            </a:extLst>
+          </p:cNvPr>
+          <p:cNvSpPr txBox="1"/>
+          <p:nvPr/>
+        </p:nvSpPr>
+        <p:spPr>
+          <a:xfrm>
+            <a:off x="2537011" y="2537565"/>
+            <a:ext cx="2395325" cy="1231106"/>
+          </a:xfrm>
+          <a:prstGeom prst="rect">
+            <a:avLst/>
+          </a:prstGeom>
+          <a:noFill/>
+        </p:spPr>
+        <p:txBody>
+          <a:bodyPr wrap="square" rtlCol="0">
+            <a:spAutoFit/>
+          </a:bodyPr>
+          <a:lstStyle/>
+          <a:p>
+            <a:pPr algn="ctr"/>
+            <a:r>
+              <a:rPr lang="en-US" sz="1400" b="1" dirty="0">
+                <a:latin typeface="Arial Narrow" panose="020B0606020202030204" pitchFamily="34" charset="0"/>
+              </a:rPr>
+              <a:t>Diverse Backgrounds</a:t>
+            </a:r>
+          </a:p>
+          <a:p>
+            <a:pPr algn="ctr"/>
+            <a:r>
+              <a:rPr lang="en-US" sz="1200" dirty="0">
+                <a:latin typeface="Arial Narrow" panose="020B0606020202030204" pitchFamily="34" charset="0"/>
+              </a:rPr>
+              <a:t>Full-Stack Developers, Blockchain Engineers, Project Managers, and UI/UX Designers are just a sample of the expertise the community has to offer your project</a:t>
+            </a:r>
+          </a:p>
+        </p:txBody>
+      </p:sp>
+      <p:sp>
+        <p:nvSpPr>
+          <p:cNvPr id="22" name="TextBox 21">
+            <a:extLst>
+              <a:ext uri="{FF2B5EF4-FFF2-40B4-BE49-F238E27FC236}">
+                <a16:creationId xmlns:a16="http://schemas.microsoft.com/office/drawing/2014/main" id="{84B49664-D256-4706-943E-2FDDECDFAB4C}"/>
+              </a:ext>
+            </a:extLst>
+          </p:cNvPr>
+          <p:cNvSpPr txBox="1"/>
+          <p:nvPr/>
+        </p:nvSpPr>
+        <p:spPr>
+          <a:xfrm>
+            <a:off x="4932336" y="2537565"/>
+            <a:ext cx="2395325" cy="1600438"/>
+          </a:xfrm>
+          <a:prstGeom prst="rect">
+            <a:avLst/>
+          </a:prstGeom>
+          <a:noFill/>
+        </p:spPr>
+        <p:txBody>
+          <a:bodyPr wrap="square" rtlCol="0">
+            <a:spAutoFit/>
+          </a:bodyPr>
+          <a:lstStyle/>
+          <a:p>
+            <a:pPr algn="ctr"/>
+            <a:r>
+              <a:rPr lang="en-US" sz="1400" b="1" dirty="0">
+                <a:latin typeface="Arial Narrow" panose="020B0606020202030204" pitchFamily="34" charset="0"/>
+              </a:rPr>
+              <a:t>Continuous Innovators</a:t>
+            </a:r>
+          </a:p>
+          <a:p>
+            <a:pPr algn="ctr"/>
+            <a:r>
+              <a:rPr lang="en-US" sz="1200" dirty="0">
+                <a:latin typeface="Arial Narrow" panose="020B0606020202030204" pitchFamily="34" charset="0"/>
+              </a:rPr>
+              <a:t>The workforce is naturally inclined to pushing the envelope of technological innovation.  To maximize value generation, the community voted governance protocol also monetarily incentivizes cross worker interaction and training.  </a:t>
+            </a:r>
+          </a:p>
+        </p:txBody>
+      </p:sp>
+      <p:sp>
+        <p:nvSpPr>
+          <p:cNvPr id="24" name="TextBox 23">
+            <a:extLst>
+              <a:ext uri="{FF2B5EF4-FFF2-40B4-BE49-F238E27FC236}">
+                <a16:creationId xmlns:a16="http://schemas.microsoft.com/office/drawing/2014/main" id="{04A42B12-12C3-498D-94EE-45B619ABD773}"/>
+              </a:ext>
+            </a:extLst>
+          </p:cNvPr>
+          <p:cNvSpPr txBox="1"/>
+          <p:nvPr/>
+        </p:nvSpPr>
+        <p:spPr>
+          <a:xfrm>
+            <a:off x="240930" y="2537565"/>
+            <a:ext cx="2312894" cy="1046440"/>
+          </a:xfrm>
+          <a:prstGeom prst="rect">
+            <a:avLst/>
+          </a:prstGeom>
+          <a:noFill/>
+        </p:spPr>
+        <p:txBody>
+          <a:bodyPr wrap="square" rtlCol="0">
+            <a:spAutoFit/>
+          </a:bodyPr>
+          <a:lstStyle/>
+          <a:p>
+            <a:pPr algn="ctr"/>
+            <a:r>
+              <a:rPr lang="en-US" sz="1400" b="1" dirty="0">
+                <a:latin typeface="Arial Narrow" panose="020B0606020202030204" pitchFamily="34" charset="0"/>
+              </a:rPr>
+              <a:t>Geographically Distributed</a:t>
+            </a:r>
+          </a:p>
+          <a:p>
+            <a:pPr algn="ctr"/>
+            <a:r>
+              <a:rPr lang="en-US" sz="1200" dirty="0">
+                <a:latin typeface="Arial Narrow" panose="020B0606020202030204" pitchFamily="34" charset="0"/>
+              </a:rPr>
+              <a:t>Latest statistics from the platform show the workforce is comprised of individuals all across the US from the East to West Coast. </a:t>
+            </a:r>
+          </a:p>
+        </p:txBody>
+      </p:sp>
+      <p:pic>
+        <p:nvPicPr>
+          <p:cNvPr id="8" name="Picture 7">
+            <a:extLst>
+              <a:ext uri="{FF2B5EF4-FFF2-40B4-BE49-F238E27FC236}">
+                <a16:creationId xmlns:a16="http://schemas.microsoft.com/office/drawing/2014/main" id="{EA5002B3-F8AC-4FD8-B43B-D27F2BAA618A}"/>
+              </a:ext>
+            </a:extLst>
+          </p:cNvPr>
+          <p:cNvPicPr>
+            <a:picLocks noChangeAspect="1"/>
+          </p:cNvPicPr>
+          <p:nvPr/>
+        </p:nvPicPr>
+        <p:blipFill rotWithShape="1">
+          <a:blip r:embed="rId3">
+            <a:extLst>
+              <a:ext uri="{BEBA8EAE-BF5A-486C-A8C5-ECC9F3942E4B}">
+                <a14:imgProps xmlns:a14="http://schemas.microsoft.com/office/drawing/2010/main">
+                  <a14:imgLayer r:embed="rId4">
+                    <a14:imgEffect>
+                      <a14:brightnessContrast bright="19000"/>
+                    </a14:imgEffect>
+                  </a14:imgLayer>
+                </a14:imgProps>
+              </a:ext>
+              <a:ext uri="{28A0092B-C50C-407E-A947-70E740481C1C}">
+                <a14:useLocalDpi xmlns:a14="http://schemas.microsoft.com/office/drawing/2010/main" val="0"/>
+              </a:ext>
+            </a:extLst>
+          </a:blip>
+          <a:srcRect b="15118"/>
+          <a:stretch/>
+        </p:blipFill>
+        <p:spPr>
+          <a:xfrm>
+            <a:off x="762643" y="819517"/>
+            <a:ext cx="5790557" cy="1636342"/>
+          </a:xfrm>
+          <a:prstGeom prst="rect">
+            <a:avLst/>
+          </a:prstGeom>
+        </p:spPr>
+      </p:pic>
+    </p:spTree>
+    <p:extLst>
+      <p:ext uri="{BB962C8B-B14F-4D97-AF65-F5344CB8AC3E}">
+        <p14:creationId xmlns:p14="http://schemas.microsoft.com/office/powerpoint/2010/main" val="2356741573"/>
+      </p:ext>
+    </p:extLst>
+  </p:cSld>
+  <p:clrMapOvr>
+    <a:masterClrMapping/>
+  </p:clrMapOvr>
+</p:sld>
+</file>
+
+<file path=ppt/slides/slide5.xml><?xml version="1.0" encoding="utf-8"?>
+<p:sld xmlns:a="http://schemas.openxmlformats.org/drawingml/2006/main" xmlns:r="http://schemas.openxmlformats.org/officeDocument/2006/relationships" xmlns:p="http://schemas.openxmlformats.org/presentationml/2006/main">
+  <p:cSld>
+    <p:spTree>
+      <p:nvGrpSpPr>
+        <p:cNvPr id="1" name=""/>
+        <p:cNvGrpSpPr/>
+        <p:nvPr/>
+      </p:nvGrpSpPr>
+      <p:grpSpPr>
+        <a:xfrm>
+          <a:off x="0" y="0"/>
+          <a:ext cx="0" cy="0"/>
+          <a:chOff x="0" y="0"/>
+          <a:chExt cx="0" cy="0"/>
+        </a:xfrm>
+      </p:grpSpPr>
+      <p:sp>
+        <p:nvSpPr>
           <p:cNvPr id="2" name="Title 1">
             <a:extLst>
               <a:ext uri="{FF2B5EF4-FFF2-40B4-BE49-F238E27FC236}">
@@ -13580,7 +14890,7 @@
 </p:sld>
 </file>
 
-<file path=ppt/slides/slide5.xml><?xml version="1.0" encoding="utf-8"?>
+<file path=ppt/slides/slide6.xml><?xml version="1.0" encoding="utf-8"?>
 <p:sld xmlns:a="http://schemas.openxmlformats.org/drawingml/2006/main" xmlns:r="http://schemas.openxmlformats.org/officeDocument/2006/relationships" xmlns:p="http://schemas.openxmlformats.org/presentationml/2006/main">
   <p:cSld>
     <p:spTree>
@@ -14314,7 +15624,7 @@
 </p:sld>
 </file>
 
-<file path=ppt/slides/slide6.xml><?xml version="1.0" encoding="utf-8"?>
+<file path=ppt/slides/slide7.xml><?xml version="1.0" encoding="utf-8"?>
 <p:sld xmlns:a="http://schemas.openxmlformats.org/drawingml/2006/main" xmlns:r="http://schemas.openxmlformats.org/officeDocument/2006/relationships" xmlns:p="http://schemas.openxmlformats.org/presentationml/2006/main">
   <p:cSld>
     <p:spTree>
@@ -15462,7 +16772,7 @@
 </p:sld>
 </file>
 
-<file path=ppt/slides/slide7.xml><?xml version="1.0" encoding="utf-8"?>
+<file path=ppt/slides/slide8.xml><?xml version="1.0" encoding="utf-8"?>
 <p:sld xmlns:a="http://schemas.openxmlformats.org/drawingml/2006/main" xmlns:r="http://schemas.openxmlformats.org/officeDocument/2006/relationships" xmlns:p="http://schemas.openxmlformats.org/presentationml/2006/main">
   <p:cSld>
     <p:spTree>
@@ -16678,7 +17988,7 @@
 </p:sld>
 </file>
 
-<file path=ppt/slides/slide8.xml><?xml version="1.0" encoding="utf-8"?>
+<file path=ppt/slides/slide9.xml><?xml version="1.0" encoding="utf-8"?>
 <p:sld xmlns:a="http://schemas.openxmlformats.org/drawingml/2006/main" xmlns:r="http://schemas.openxmlformats.org/officeDocument/2006/relationships" xmlns:p="http://schemas.openxmlformats.org/presentationml/2006/main">
   <p:cSld>
     <p:spTree>
@@ -17316,425 +18626,6 @@
     <p:extLst>
       <p:ext uri="{BB962C8B-B14F-4D97-AF65-F5344CB8AC3E}">
         <p14:creationId xmlns:p14="http://schemas.microsoft.com/office/powerpoint/2010/main" val="401183394"/>
-      </p:ext>
-    </p:extLst>
-  </p:cSld>
-  <p:clrMapOvr>
-    <a:masterClrMapping/>
-  </p:clrMapOvr>
-</p:sld>
-</file>
-
-<file path=ppt/slides/slide9.xml><?xml version="1.0" encoding="utf-8"?>
-<p:sld xmlns:a="http://schemas.openxmlformats.org/drawingml/2006/main" xmlns:r="http://schemas.openxmlformats.org/officeDocument/2006/relationships" xmlns:p="http://schemas.openxmlformats.org/presentationml/2006/main">
-  <p:cSld>
-    <p:spTree>
-      <p:nvGrpSpPr>
-        <p:cNvPr id="1" name=""/>
-        <p:cNvGrpSpPr/>
-        <p:nvPr/>
-      </p:nvGrpSpPr>
-      <p:grpSpPr>
-        <a:xfrm>
-          <a:off x="0" y="0"/>
-          <a:ext cx="0" cy="0"/>
-          <a:chOff x="0" y="0"/>
-          <a:chExt cx="0" cy="0"/>
-        </a:xfrm>
-      </p:grpSpPr>
-      <p:sp>
-        <p:nvSpPr>
-          <p:cNvPr id="6" name="Rectangle 5">
-            <a:extLst>
-              <a:ext uri="{FF2B5EF4-FFF2-40B4-BE49-F238E27FC236}">
-                <a16:creationId xmlns:a16="http://schemas.microsoft.com/office/drawing/2014/main" id="{BE21B872-4817-42CC-AC91-C88120918379}"/>
-              </a:ext>
-            </a:extLst>
-          </p:cNvPr>
-          <p:cNvSpPr/>
-          <p:nvPr/>
-        </p:nvSpPr>
-        <p:spPr>
-          <a:xfrm>
-            <a:off x="1" y="0"/>
-            <a:ext cx="2428239" cy="640080"/>
-          </a:xfrm>
-          <a:prstGeom prst="rect">
-            <a:avLst/>
-          </a:prstGeom>
-        </p:spPr>
-        <p:style>
-          <a:lnRef idx="2">
-            <a:schemeClr val="accent1">
-              <a:shade val="50000"/>
-            </a:schemeClr>
-          </a:lnRef>
-          <a:fillRef idx="1">
-            <a:schemeClr val="accent1"/>
-          </a:fillRef>
-          <a:effectRef idx="0">
-            <a:schemeClr val="accent1"/>
-          </a:effectRef>
-          <a:fontRef idx="minor">
-            <a:schemeClr val="lt1"/>
-          </a:fontRef>
-        </p:style>
-        <p:txBody>
-          <a:bodyPr rtlCol="0" anchor="ctr"/>
-          <a:lstStyle/>
-          <a:p>
-            <a:pPr algn="ctr"/>
-            <a:r>
-              <a:rPr lang="en-US" dirty="0"/>
-              <a:t>Find My Space</a:t>
-            </a:r>
-          </a:p>
-        </p:txBody>
-      </p:sp>
-      <p:sp>
-        <p:nvSpPr>
-          <p:cNvPr id="2" name="Rectangle 1">
-            <a:extLst>
-              <a:ext uri="{FF2B5EF4-FFF2-40B4-BE49-F238E27FC236}">
-                <a16:creationId xmlns:a16="http://schemas.microsoft.com/office/drawing/2014/main" id="{1626EF4F-619E-4134-A9A0-EFE0B183732F}"/>
-              </a:ext>
-            </a:extLst>
-          </p:cNvPr>
-          <p:cNvSpPr/>
-          <p:nvPr/>
-        </p:nvSpPr>
-        <p:spPr>
-          <a:xfrm>
-            <a:off x="4018280" y="4612640"/>
-            <a:ext cx="4094480" cy="457200"/>
-          </a:xfrm>
-          <a:prstGeom prst="rect">
-            <a:avLst/>
-          </a:prstGeom>
-          <a:noFill/>
-        </p:spPr>
-        <p:style>
-          <a:lnRef idx="2">
-            <a:schemeClr val="accent1">
-              <a:shade val="50000"/>
-            </a:schemeClr>
-          </a:lnRef>
-          <a:fillRef idx="1">
-            <a:schemeClr val="accent1"/>
-          </a:fillRef>
-          <a:effectRef idx="0">
-            <a:schemeClr val="accent1"/>
-          </a:effectRef>
-          <a:fontRef idx="minor">
-            <a:schemeClr val="lt1"/>
-          </a:fontRef>
-        </p:style>
-        <p:txBody>
-          <a:bodyPr rtlCol="0" anchor="ctr"/>
-          <a:lstStyle/>
-          <a:p>
-            <a:pPr algn="ctr"/>
-            <a:endParaRPr lang="en-US"/>
-          </a:p>
-        </p:txBody>
-      </p:sp>
-      <p:sp>
-        <p:nvSpPr>
-          <p:cNvPr id="3" name="TextBox 2">
-            <a:extLst>
-              <a:ext uri="{FF2B5EF4-FFF2-40B4-BE49-F238E27FC236}">
-                <a16:creationId xmlns:a16="http://schemas.microsoft.com/office/drawing/2014/main" id="{2A5C766D-CD29-4E2B-87ED-7A370ECB0CCF}"/>
-              </a:ext>
-            </a:extLst>
-          </p:cNvPr>
-          <p:cNvSpPr txBox="1"/>
-          <p:nvPr/>
-        </p:nvSpPr>
-        <p:spPr>
-          <a:xfrm>
-            <a:off x="1971040" y="4656574"/>
-            <a:ext cx="1991360" cy="369332"/>
-          </a:xfrm>
-          <a:prstGeom prst="rect">
-            <a:avLst/>
-          </a:prstGeom>
-          <a:noFill/>
-        </p:spPr>
-        <p:txBody>
-          <a:bodyPr wrap="square" rtlCol="0">
-            <a:spAutoFit/>
-          </a:bodyPr>
-          <a:lstStyle/>
-          <a:p>
-            <a:pPr algn="r"/>
-            <a:r>
-              <a:rPr lang="en-US" dirty="0"/>
-              <a:t>Location</a:t>
-            </a:r>
-          </a:p>
-        </p:txBody>
-      </p:sp>
-      <p:sp>
-        <p:nvSpPr>
-          <p:cNvPr id="18" name="Rectangle 17">
-            <a:extLst>
-              <a:ext uri="{FF2B5EF4-FFF2-40B4-BE49-F238E27FC236}">
-                <a16:creationId xmlns:a16="http://schemas.microsoft.com/office/drawing/2014/main" id="{57ED407D-B299-4DB4-91F3-3CD7938BC8DB}"/>
-              </a:ext>
-            </a:extLst>
-          </p:cNvPr>
-          <p:cNvSpPr/>
-          <p:nvPr/>
-        </p:nvSpPr>
-        <p:spPr>
-          <a:xfrm>
-            <a:off x="4033520" y="5222240"/>
-            <a:ext cx="4094480" cy="457200"/>
-          </a:xfrm>
-          <a:prstGeom prst="rect">
-            <a:avLst/>
-          </a:prstGeom>
-          <a:noFill/>
-        </p:spPr>
-        <p:style>
-          <a:lnRef idx="2">
-            <a:schemeClr val="accent1">
-              <a:shade val="50000"/>
-            </a:schemeClr>
-          </a:lnRef>
-          <a:fillRef idx="1">
-            <a:schemeClr val="accent1"/>
-          </a:fillRef>
-          <a:effectRef idx="0">
-            <a:schemeClr val="accent1"/>
-          </a:effectRef>
-          <a:fontRef idx="minor">
-            <a:schemeClr val="lt1"/>
-          </a:fontRef>
-        </p:style>
-        <p:txBody>
-          <a:bodyPr rtlCol="0" anchor="ctr"/>
-          <a:lstStyle/>
-          <a:p>
-            <a:pPr algn="ctr"/>
-            <a:endParaRPr lang="en-US"/>
-          </a:p>
-        </p:txBody>
-      </p:sp>
-      <p:sp>
-        <p:nvSpPr>
-          <p:cNvPr id="19" name="TextBox 18">
-            <a:extLst>
-              <a:ext uri="{FF2B5EF4-FFF2-40B4-BE49-F238E27FC236}">
-                <a16:creationId xmlns:a16="http://schemas.microsoft.com/office/drawing/2014/main" id="{86993E04-CB87-4581-841D-06AF20314864}"/>
-              </a:ext>
-            </a:extLst>
-          </p:cNvPr>
-          <p:cNvSpPr txBox="1"/>
-          <p:nvPr/>
-        </p:nvSpPr>
-        <p:spPr>
-          <a:xfrm>
-            <a:off x="1986280" y="5266174"/>
-            <a:ext cx="1991360" cy="369332"/>
-          </a:xfrm>
-          <a:prstGeom prst="rect">
-            <a:avLst/>
-          </a:prstGeom>
-          <a:noFill/>
-        </p:spPr>
-        <p:txBody>
-          <a:bodyPr wrap="square" rtlCol="0">
-            <a:spAutoFit/>
-          </a:bodyPr>
-          <a:lstStyle/>
-          <a:p>
-            <a:pPr algn="r"/>
-            <a:r>
-              <a:rPr lang="en-US" dirty="0"/>
-              <a:t>Location</a:t>
-            </a:r>
-          </a:p>
-        </p:txBody>
-      </p:sp>
-      <p:sp>
-        <p:nvSpPr>
-          <p:cNvPr id="20" name="TextBox 19">
-            <a:extLst>
-              <a:ext uri="{FF2B5EF4-FFF2-40B4-BE49-F238E27FC236}">
-                <a16:creationId xmlns:a16="http://schemas.microsoft.com/office/drawing/2014/main" id="{39D87466-FB96-4AED-815C-3907B2687689}"/>
-              </a:ext>
-            </a:extLst>
-          </p:cNvPr>
-          <p:cNvSpPr txBox="1"/>
-          <p:nvPr/>
-        </p:nvSpPr>
-        <p:spPr>
-          <a:xfrm>
-            <a:off x="3683000" y="652979"/>
-            <a:ext cx="4445000" cy="861774"/>
-          </a:xfrm>
-          <a:prstGeom prst="rect">
-            <a:avLst/>
-          </a:prstGeom>
-          <a:noFill/>
-        </p:spPr>
-        <p:txBody>
-          <a:bodyPr wrap="square" rtlCol="0">
-            <a:spAutoFit/>
-          </a:bodyPr>
-          <a:lstStyle/>
-          <a:p>
-            <a:pPr algn="ctr"/>
-            <a:r>
-              <a:rPr lang="en-US" sz="5000" dirty="0"/>
-              <a:t>Location</a:t>
-            </a:r>
-          </a:p>
-        </p:txBody>
-      </p:sp>
-      <p:sp>
-        <p:nvSpPr>
-          <p:cNvPr id="4" name="Rectangle 3">
-            <a:extLst>
-              <a:ext uri="{FF2B5EF4-FFF2-40B4-BE49-F238E27FC236}">
-                <a16:creationId xmlns:a16="http://schemas.microsoft.com/office/drawing/2014/main" id="{3C31707E-6B24-485B-97E0-A0CAFED2FBB5}"/>
-              </a:ext>
-            </a:extLst>
-          </p:cNvPr>
-          <p:cNvSpPr/>
-          <p:nvPr/>
-        </p:nvSpPr>
-        <p:spPr>
-          <a:xfrm>
-            <a:off x="2600960" y="1859280"/>
-            <a:ext cx="1544320" cy="1066800"/>
-          </a:xfrm>
-          <a:prstGeom prst="rect">
-            <a:avLst/>
-          </a:prstGeom>
-        </p:spPr>
-        <p:style>
-          <a:lnRef idx="2">
-            <a:schemeClr val="accent1">
-              <a:shade val="50000"/>
-            </a:schemeClr>
-          </a:lnRef>
-          <a:fillRef idx="1">
-            <a:schemeClr val="accent1"/>
-          </a:fillRef>
-          <a:effectRef idx="0">
-            <a:schemeClr val="accent1"/>
-          </a:effectRef>
-          <a:fontRef idx="minor">
-            <a:schemeClr val="lt1"/>
-          </a:fontRef>
-        </p:style>
-        <p:txBody>
-          <a:bodyPr rtlCol="0" anchor="ctr"/>
-          <a:lstStyle/>
-          <a:p>
-            <a:pPr algn="ctr"/>
-            <a:endParaRPr lang="en-US"/>
-          </a:p>
-        </p:txBody>
-      </p:sp>
-      <p:sp>
-        <p:nvSpPr>
-          <p:cNvPr id="21" name="Rectangle 20">
-            <a:extLst>
-              <a:ext uri="{FF2B5EF4-FFF2-40B4-BE49-F238E27FC236}">
-                <a16:creationId xmlns:a16="http://schemas.microsoft.com/office/drawing/2014/main" id="{635E40C5-90CD-48DE-A020-B99BDCB3666A}"/>
-              </a:ext>
-            </a:extLst>
-          </p:cNvPr>
-          <p:cNvSpPr/>
-          <p:nvPr/>
-        </p:nvSpPr>
-        <p:spPr>
-          <a:xfrm>
-            <a:off x="5405120" y="2032000"/>
-            <a:ext cx="1544320" cy="1066800"/>
-          </a:xfrm>
-          <a:prstGeom prst="rect">
-            <a:avLst/>
-          </a:prstGeom>
-        </p:spPr>
-        <p:style>
-          <a:lnRef idx="2">
-            <a:schemeClr val="accent1">
-              <a:shade val="50000"/>
-            </a:schemeClr>
-          </a:lnRef>
-          <a:fillRef idx="1">
-            <a:schemeClr val="accent1"/>
-          </a:fillRef>
-          <a:effectRef idx="0">
-            <a:schemeClr val="accent1"/>
-          </a:effectRef>
-          <a:fontRef idx="minor">
-            <a:schemeClr val="lt1"/>
-          </a:fontRef>
-        </p:style>
-        <p:txBody>
-          <a:bodyPr rtlCol="0" anchor="ctr"/>
-          <a:lstStyle/>
-          <a:p>
-            <a:pPr algn="ctr"/>
-            <a:endParaRPr lang="en-US"/>
-          </a:p>
-        </p:txBody>
-      </p:sp>
-      <p:sp>
-        <p:nvSpPr>
-          <p:cNvPr id="22" name="Rectangle 21">
-            <a:extLst>
-              <a:ext uri="{FF2B5EF4-FFF2-40B4-BE49-F238E27FC236}">
-                <a16:creationId xmlns:a16="http://schemas.microsoft.com/office/drawing/2014/main" id="{5DEFFF57-B896-4283-972A-C4A5830F65C0}"/>
-              </a:ext>
-            </a:extLst>
-          </p:cNvPr>
-          <p:cNvSpPr/>
-          <p:nvPr/>
-        </p:nvSpPr>
-        <p:spPr>
-          <a:xfrm>
-            <a:off x="7945120" y="1711960"/>
-            <a:ext cx="1544320" cy="1066800"/>
-          </a:xfrm>
-          <a:prstGeom prst="rect">
-            <a:avLst/>
-          </a:prstGeom>
-        </p:spPr>
-        <p:style>
-          <a:lnRef idx="2">
-            <a:schemeClr val="accent1">
-              <a:shade val="50000"/>
-            </a:schemeClr>
-          </a:lnRef>
-          <a:fillRef idx="1">
-            <a:schemeClr val="accent1"/>
-          </a:fillRef>
-          <a:effectRef idx="0">
-            <a:schemeClr val="accent1"/>
-          </a:effectRef>
-          <a:fontRef idx="minor">
-            <a:schemeClr val="lt1"/>
-          </a:fontRef>
-        </p:style>
-        <p:txBody>
-          <a:bodyPr rtlCol="0" anchor="ctr"/>
-          <a:lstStyle/>
-          <a:p>
-            <a:pPr algn="ctr"/>
-            <a:endParaRPr lang="en-US"/>
-          </a:p>
-        </p:txBody>
-      </p:sp>
-    </p:spTree>
-    <p:extLst>
-      <p:ext uri="{BB962C8B-B14F-4D97-AF65-F5344CB8AC3E}">
-        <p14:creationId xmlns:p14="http://schemas.microsoft.com/office/powerpoint/2010/main" val="3135721834"/>
       </p:ext>
     </p:extLst>
   </p:cSld>
